--- a/FDC_note.pptx
+++ b/FDC_note.pptx
@@ -109,6 +109,11 @@
       </a:defRPr>
     </a:lvl9pPr>
   </p:defaultTextStyle>
+  <p:extLst>
+    <p:ext uri="{EFAFB233-063F-42B5-8137-9DF3F51BA10A}">
+      <p15:sldGuideLst xmlns:p15="http://schemas.microsoft.com/office/powerpoint/2012/main"/>
+    </p:ext>
+  </p:extLst>
 </p:presentation>
 </file>
 
@@ -259,7 +264,7 @@
           <a:p>
             <a:fld id="{F85FF694-0909-4A77-87AC-BBE982EBD439}" type="datetimeFigureOut">
               <a:rPr lang="zh-TW" altLang="en-US" smtClean="0"/>
-              <a:t>2021/4/21</a:t>
+              <a:t>2021/4/22</a:t>
             </a:fld>
             <a:endParaRPr lang="zh-TW" altLang="en-US"/>
           </a:p>
@@ -457,7 +462,7 @@
           <a:p>
             <a:fld id="{F85FF694-0909-4A77-87AC-BBE982EBD439}" type="datetimeFigureOut">
               <a:rPr lang="zh-TW" altLang="en-US" smtClean="0"/>
-              <a:t>2021/4/21</a:t>
+              <a:t>2021/4/22</a:t>
             </a:fld>
             <a:endParaRPr lang="zh-TW" altLang="en-US"/>
           </a:p>
@@ -665,7 +670,7 @@
           <a:p>
             <a:fld id="{F85FF694-0909-4A77-87AC-BBE982EBD439}" type="datetimeFigureOut">
               <a:rPr lang="zh-TW" altLang="en-US" smtClean="0"/>
-              <a:t>2021/4/21</a:t>
+              <a:t>2021/4/22</a:t>
             </a:fld>
             <a:endParaRPr lang="zh-TW" altLang="en-US"/>
           </a:p>
@@ -873,7 +878,7 @@
           <a:p>
             <a:fld id="{F85FF694-0909-4A77-87AC-BBE982EBD439}" type="datetimeFigureOut">
               <a:rPr lang="zh-TW" altLang="en-US" smtClean="0"/>
-              <a:t>2021/4/21</a:t>
+              <a:t>2021/4/22</a:t>
             </a:fld>
             <a:endParaRPr lang="zh-TW" altLang="en-US"/>
           </a:p>
@@ -1148,7 +1153,7 @@
           <a:p>
             <a:fld id="{F85FF694-0909-4A77-87AC-BBE982EBD439}" type="datetimeFigureOut">
               <a:rPr lang="zh-TW" altLang="en-US" smtClean="0"/>
-              <a:t>2021/4/21</a:t>
+              <a:t>2021/4/22</a:t>
             </a:fld>
             <a:endParaRPr lang="zh-TW" altLang="en-US"/>
           </a:p>
@@ -1413,7 +1418,7 @@
           <a:p>
             <a:fld id="{F85FF694-0909-4A77-87AC-BBE982EBD439}" type="datetimeFigureOut">
               <a:rPr lang="zh-TW" altLang="en-US" smtClean="0"/>
-              <a:t>2021/4/21</a:t>
+              <a:t>2021/4/22</a:t>
             </a:fld>
             <a:endParaRPr lang="zh-TW" altLang="en-US"/>
           </a:p>
@@ -1825,7 +1830,7 @@
           <a:p>
             <a:fld id="{F85FF694-0909-4A77-87AC-BBE982EBD439}" type="datetimeFigureOut">
               <a:rPr lang="zh-TW" altLang="en-US" smtClean="0"/>
-              <a:t>2021/4/21</a:t>
+              <a:t>2021/4/22</a:t>
             </a:fld>
             <a:endParaRPr lang="zh-TW" altLang="en-US"/>
           </a:p>
@@ -1966,7 +1971,7 @@
           <a:p>
             <a:fld id="{F85FF694-0909-4A77-87AC-BBE982EBD439}" type="datetimeFigureOut">
               <a:rPr lang="zh-TW" altLang="en-US" smtClean="0"/>
-              <a:t>2021/4/21</a:t>
+              <a:t>2021/4/22</a:t>
             </a:fld>
             <a:endParaRPr lang="zh-TW" altLang="en-US"/>
           </a:p>
@@ -2079,7 +2084,7 @@
           <a:p>
             <a:fld id="{F85FF694-0909-4A77-87AC-BBE982EBD439}" type="datetimeFigureOut">
               <a:rPr lang="zh-TW" altLang="en-US" smtClean="0"/>
-              <a:t>2021/4/21</a:t>
+              <a:t>2021/4/22</a:t>
             </a:fld>
             <a:endParaRPr lang="zh-TW" altLang="en-US"/>
           </a:p>
@@ -2390,7 +2395,7 @@
           <a:p>
             <a:fld id="{F85FF694-0909-4A77-87AC-BBE982EBD439}" type="datetimeFigureOut">
               <a:rPr lang="zh-TW" altLang="en-US" smtClean="0"/>
-              <a:t>2021/4/21</a:t>
+              <a:t>2021/4/22</a:t>
             </a:fld>
             <a:endParaRPr lang="zh-TW" altLang="en-US"/>
           </a:p>
@@ -2681,7 +2686,7 @@
           <a:p>
             <a:fld id="{F85FF694-0909-4A77-87AC-BBE982EBD439}" type="datetimeFigureOut">
               <a:rPr lang="zh-TW" altLang="en-US" smtClean="0"/>
-              <a:t>2021/4/21</a:t>
+              <a:t>2021/4/22</a:t>
             </a:fld>
             <a:endParaRPr lang="zh-TW" altLang="en-US"/>
           </a:p>
@@ -2924,7 +2929,7 @@
           <a:p>
             <a:fld id="{F85FF694-0909-4A77-87AC-BBE982EBD439}" type="datetimeFigureOut">
               <a:rPr lang="zh-TW" altLang="en-US" smtClean="0"/>
-              <a:t>2021/4/21</a:t>
+              <a:t>2021/4/22</a:t>
             </a:fld>
             <a:endParaRPr lang="zh-TW" altLang="en-US"/>
           </a:p>
@@ -3510,7 +3515,7 @@
           <p:nvPr>
             <p:extLst>
               <p:ext uri="{D42A27DB-BD31-4B8C-83A1-F6EECF244321}">
-                <p14:modId xmlns:p14="http://schemas.microsoft.com/office/powerpoint/2010/main" val="1646487361"/>
+                <p14:modId xmlns:p14="http://schemas.microsoft.com/office/powerpoint/2010/main" val="193908949"/>
               </p:ext>
             </p:extLst>
           </p:nvPr>
@@ -3572,6 +3577,10 @@
                     <a:lstStyle/>
                     <a:p>
                       <a:pPr algn="ctr"/>
+                      <a:r>
+                        <a:rPr lang="en-US" altLang="zh-TW" dirty="0"/>
+                        <a:t>1</a:t>
+                      </a:r>
                       <a:endParaRPr lang="zh-TW" altLang="en-US" dirty="0"/>
                     </a:p>
                   </a:txBody>
@@ -3582,6 +3591,11 @@
                     <a:bodyPr/>
                     <a:lstStyle/>
                     <a:p>
+                      <a:pPr algn="ctr"/>
+                      <a:r>
+                        <a:rPr lang="en-US" altLang="zh-TW" dirty="0"/>
+                        <a:t>2</a:t>
+                      </a:r>
                       <a:endParaRPr lang="zh-TW" altLang="en-US" dirty="0"/>
                     </a:p>
                   </a:txBody>
@@ -3592,6 +3606,11 @@
                     <a:bodyPr/>
                     <a:lstStyle/>
                     <a:p>
+                      <a:pPr algn="ctr"/>
+                      <a:r>
+                        <a:rPr lang="en-US" altLang="zh-TW" dirty="0"/>
+                        <a:t>3</a:t>
+                      </a:r>
                       <a:endParaRPr lang="zh-TW" altLang="en-US" dirty="0"/>
                     </a:p>
                   </a:txBody>
@@ -3609,6 +3628,11 @@
                     <a:bodyPr/>
                     <a:lstStyle/>
                     <a:p>
+                      <a:pPr algn="ctr"/>
+                      <a:r>
+                        <a:rPr lang="en-US" altLang="zh-TW" dirty="0"/>
+                        <a:t>1</a:t>
+                      </a:r>
                       <a:endParaRPr lang="zh-TW" altLang="en-US" dirty="0"/>
                     </a:p>
                   </a:txBody>
@@ -3656,7 +3680,12 @@
                     <a:bodyPr/>
                     <a:lstStyle/>
                     <a:p>
-                      <a:endParaRPr lang="zh-TW" altLang="en-US"/>
+                      <a:pPr algn="ctr"/>
+                      <a:r>
+                        <a:rPr lang="en-US" altLang="zh-TW" dirty="0"/>
+                        <a:t>2</a:t>
+                      </a:r>
+                      <a:endParaRPr lang="zh-TW" altLang="en-US" dirty="0"/>
                     </a:p>
                   </a:txBody>
                   <a:tcPr/>
@@ -3703,7 +3732,12 @@
                     <a:bodyPr/>
                     <a:lstStyle/>
                     <a:p>
-                      <a:endParaRPr lang="zh-TW" altLang="en-US"/>
+                      <a:pPr algn="ctr"/>
+                      <a:r>
+                        <a:rPr lang="en-US" altLang="zh-TW" dirty="0"/>
+                        <a:t>3</a:t>
+                      </a:r>
+                      <a:endParaRPr lang="zh-TW" altLang="en-US" dirty="0"/>
                     </a:p>
                   </a:txBody>
                   <a:tcPr/>
@@ -3750,7 +3784,12 @@
                     <a:bodyPr/>
                     <a:lstStyle/>
                     <a:p>
-                      <a:endParaRPr lang="zh-TW" altLang="en-US"/>
+                      <a:pPr algn="ctr"/>
+                      <a:r>
+                        <a:rPr lang="en-US" altLang="zh-TW" dirty="0"/>
+                        <a:t>4</a:t>
+                      </a:r>
+                      <a:endParaRPr lang="zh-TW" altLang="en-US" dirty="0"/>
                     </a:p>
                   </a:txBody>
                   <a:tcPr/>
@@ -3797,7 +3836,12 @@
                     <a:bodyPr/>
                     <a:lstStyle/>
                     <a:p>
-                      <a:endParaRPr lang="zh-TW" altLang="en-US"/>
+                      <a:pPr algn="ctr"/>
+                      <a:r>
+                        <a:rPr lang="en-US" altLang="zh-TW" dirty="0"/>
+                        <a:t>5</a:t>
+                      </a:r>
+                      <a:endParaRPr lang="zh-TW" altLang="en-US" dirty="0"/>
                     </a:p>
                   </a:txBody>
                   <a:tcPr/>
@@ -3844,7 +3888,12 @@
                     <a:bodyPr/>
                     <a:lstStyle/>
                     <a:p>
-                      <a:endParaRPr lang="zh-TW" altLang="en-US"/>
+                      <a:pPr algn="ctr"/>
+                      <a:r>
+                        <a:rPr lang="en-US" altLang="zh-TW" dirty="0"/>
+                        <a:t>6</a:t>
+                      </a:r>
+                      <a:endParaRPr lang="zh-TW" altLang="en-US" dirty="0"/>
                     </a:p>
                   </a:txBody>
                   <a:tcPr/>
@@ -3891,7 +3940,12 @@
                     <a:bodyPr/>
                     <a:lstStyle/>
                     <a:p>
-                      <a:endParaRPr lang="zh-TW" altLang="en-US"/>
+                      <a:pPr algn="ctr"/>
+                      <a:r>
+                        <a:rPr lang="en-US" altLang="zh-TW" dirty="0"/>
+                        <a:t>7</a:t>
+                      </a:r>
+                      <a:endParaRPr lang="zh-TW" altLang="en-US" dirty="0"/>
                     </a:p>
                   </a:txBody>
                   <a:tcPr/>
@@ -3938,6 +3992,11 @@
                     <a:bodyPr/>
                     <a:lstStyle/>
                     <a:p>
+                      <a:pPr algn="ctr"/>
+                      <a:r>
+                        <a:rPr lang="en-US" altLang="zh-TW" dirty="0"/>
+                        <a:t>8</a:t>
+                      </a:r>
                       <a:endParaRPr lang="zh-TW" altLang="en-US" dirty="0"/>
                     </a:p>
                   </a:txBody>
@@ -4996,6 +5055,15 @@
                 <a:hlinkClick r:id="rId4"/>
               </a:rPr>
               <a:t>博客</a:t>
+            </a:r>
+            <a:endParaRPr lang="en-US" altLang="zh-CN" dirty="0"/>
+          </a:p>
+          <a:p>
+            <a:r>
+              <a:rPr lang="en-US" altLang="zh-TW" dirty="0">
+                <a:hlinkClick r:id="rId5"/>
+              </a:rPr>
+              <a:t>python - List Highest Correlation Pairs from a Large Correlation Matrix in Pandas? - Stack Overflow</a:t>
             </a:r>
             <a:endParaRPr lang="en-US" altLang="zh-TW" dirty="0"/>
           </a:p>

--- a/FDC_note.pptx
+++ b/FDC_note.pptx
@@ -4,13 +4,24 @@
   <p:sldMasterIdLst>
     <p:sldMasterId id="2147483660" r:id="rId1"/>
   </p:sldMasterIdLst>
+  <p:notesMasterIdLst>
+    <p:notesMasterId r:id="rId16"/>
+  </p:notesMasterIdLst>
   <p:sldIdLst>
-    <p:sldId id="256" r:id="rId2"/>
-    <p:sldId id="258" r:id="rId3"/>
-    <p:sldId id="259" r:id="rId4"/>
-    <p:sldId id="260" r:id="rId5"/>
-    <p:sldId id="261" r:id="rId6"/>
-    <p:sldId id="257" r:id="rId7"/>
+    <p:sldId id="276" r:id="rId2"/>
+    <p:sldId id="267" r:id="rId3"/>
+    <p:sldId id="258" r:id="rId4"/>
+    <p:sldId id="266" r:id="rId5"/>
+    <p:sldId id="271" r:id="rId6"/>
+    <p:sldId id="279" r:id="rId7"/>
+    <p:sldId id="273" r:id="rId8"/>
+    <p:sldId id="280" r:id="rId9"/>
+    <p:sldId id="278" r:id="rId10"/>
+    <p:sldId id="272" r:id="rId11"/>
+    <p:sldId id="277" r:id="rId12"/>
+    <p:sldId id="262" r:id="rId13"/>
+    <p:sldId id="274" r:id="rId14"/>
+    <p:sldId id="257" r:id="rId15"/>
   </p:sldIdLst>
   <p:sldSz cx="12192000" cy="6858000"/>
   <p:notesSz cx="6858000" cy="9144000"/>
@@ -117,6 +128,663 @@
 </p:presentation>
 </file>
 
+<file path=ppt/notesMasters/notesMaster1.xml><?xml version="1.0" encoding="utf-8"?>
+<p:notesMaster xmlns:a="http://schemas.openxmlformats.org/drawingml/2006/main" xmlns:r="http://schemas.openxmlformats.org/officeDocument/2006/relationships" xmlns:p="http://schemas.openxmlformats.org/presentationml/2006/main">
+  <p:cSld>
+    <p:bg>
+      <p:bgRef idx="1001">
+        <a:schemeClr val="bg1"/>
+      </p:bgRef>
+    </p:bg>
+    <p:spTree>
+      <p:nvGrpSpPr>
+        <p:cNvPr id="1" name=""/>
+        <p:cNvGrpSpPr/>
+        <p:nvPr/>
+      </p:nvGrpSpPr>
+      <p:grpSpPr>
+        <a:xfrm>
+          <a:off x="0" y="0"/>
+          <a:ext cx="0" cy="0"/>
+          <a:chOff x="0" y="0"/>
+          <a:chExt cx="0" cy="0"/>
+        </a:xfrm>
+      </p:grpSpPr>
+      <p:sp>
+        <p:nvSpPr>
+          <p:cNvPr id="2" name="頁首版面配置區 1"/>
+          <p:cNvSpPr>
+            <a:spLocks noGrp="1"/>
+          </p:cNvSpPr>
+          <p:nvPr>
+            <p:ph type="hdr" sz="quarter"/>
+          </p:nvPr>
+        </p:nvSpPr>
+        <p:spPr>
+          <a:xfrm>
+            <a:off x="0" y="0"/>
+            <a:ext cx="2971800" cy="458788"/>
+          </a:xfrm>
+          <a:prstGeom prst="rect">
+            <a:avLst/>
+          </a:prstGeom>
+        </p:spPr>
+        <p:txBody>
+          <a:bodyPr vert="horz" lIns="91440" tIns="45720" rIns="91440" bIns="45720" rtlCol="0"/>
+          <a:lstStyle>
+            <a:lvl1pPr algn="l">
+              <a:defRPr sz="1200"/>
+            </a:lvl1pPr>
+          </a:lstStyle>
+          <a:p>
+            <a:endParaRPr lang="zh-TW" altLang="en-US"/>
+          </a:p>
+        </p:txBody>
+      </p:sp>
+      <p:sp>
+        <p:nvSpPr>
+          <p:cNvPr id="3" name="日期版面配置區 2"/>
+          <p:cNvSpPr>
+            <a:spLocks noGrp="1"/>
+          </p:cNvSpPr>
+          <p:nvPr>
+            <p:ph type="dt" idx="1"/>
+          </p:nvPr>
+        </p:nvSpPr>
+        <p:spPr>
+          <a:xfrm>
+            <a:off x="3884613" y="0"/>
+            <a:ext cx="2971800" cy="458788"/>
+          </a:xfrm>
+          <a:prstGeom prst="rect">
+            <a:avLst/>
+          </a:prstGeom>
+        </p:spPr>
+        <p:txBody>
+          <a:bodyPr vert="horz" lIns="91440" tIns="45720" rIns="91440" bIns="45720" rtlCol="0"/>
+          <a:lstStyle>
+            <a:lvl1pPr algn="r">
+              <a:defRPr sz="1200"/>
+            </a:lvl1pPr>
+          </a:lstStyle>
+          <a:p>
+            <a:fld id="{5D4D78AF-B2E7-4320-899E-76672F7E2D88}" type="datetimeFigureOut">
+              <a:rPr lang="zh-TW" altLang="en-US" smtClean="0"/>
+              <a:t>2021/4/23</a:t>
+            </a:fld>
+            <a:endParaRPr lang="zh-TW" altLang="en-US"/>
+          </a:p>
+        </p:txBody>
+      </p:sp>
+      <p:sp>
+        <p:nvSpPr>
+          <p:cNvPr id="4" name="投影片影像版面配置區 3"/>
+          <p:cNvSpPr>
+            <a:spLocks noGrp="1" noRot="1" noChangeAspect="1"/>
+          </p:cNvSpPr>
+          <p:nvPr>
+            <p:ph type="sldImg" idx="2"/>
+          </p:nvPr>
+        </p:nvSpPr>
+        <p:spPr>
+          <a:xfrm>
+            <a:off x="685800" y="1143000"/>
+            <a:ext cx="5486400" cy="3086100"/>
+          </a:xfrm>
+          <a:prstGeom prst="rect">
+            <a:avLst/>
+          </a:prstGeom>
+          <a:noFill/>
+          <a:ln w="12700">
+            <a:solidFill>
+              <a:prstClr val="black"/>
+            </a:solidFill>
+          </a:ln>
+        </p:spPr>
+        <p:txBody>
+          <a:bodyPr vert="horz" lIns="91440" tIns="45720" rIns="91440" bIns="45720" rtlCol="0" anchor="ctr"/>
+          <a:lstStyle/>
+          <a:p>
+            <a:endParaRPr lang="zh-TW" altLang="en-US"/>
+          </a:p>
+        </p:txBody>
+      </p:sp>
+      <p:sp>
+        <p:nvSpPr>
+          <p:cNvPr id="5" name="備忘稿版面配置區 4"/>
+          <p:cNvSpPr>
+            <a:spLocks noGrp="1"/>
+          </p:cNvSpPr>
+          <p:nvPr>
+            <p:ph type="body" sz="quarter" idx="3"/>
+          </p:nvPr>
+        </p:nvSpPr>
+        <p:spPr>
+          <a:xfrm>
+            <a:off x="685800" y="4400550"/>
+            <a:ext cx="5486400" cy="3600450"/>
+          </a:xfrm>
+          <a:prstGeom prst="rect">
+            <a:avLst/>
+          </a:prstGeom>
+        </p:spPr>
+        <p:txBody>
+          <a:bodyPr vert="horz" lIns="91440" tIns="45720" rIns="91440" bIns="45720" rtlCol="0"/>
+          <a:lstStyle/>
+          <a:p>
+            <a:pPr lvl="0"/>
+            <a:r>
+              <a:rPr lang="zh-TW" altLang="en-US"/>
+              <a:t>編輯母片文字樣式</a:t>
+            </a:r>
+          </a:p>
+          <a:p>
+            <a:pPr lvl="1"/>
+            <a:r>
+              <a:rPr lang="zh-TW" altLang="en-US"/>
+              <a:t>第二層</a:t>
+            </a:r>
+          </a:p>
+          <a:p>
+            <a:pPr lvl="2"/>
+            <a:r>
+              <a:rPr lang="zh-TW" altLang="en-US"/>
+              <a:t>第三層</a:t>
+            </a:r>
+          </a:p>
+          <a:p>
+            <a:pPr lvl="3"/>
+            <a:r>
+              <a:rPr lang="zh-TW" altLang="en-US"/>
+              <a:t>第四層</a:t>
+            </a:r>
+          </a:p>
+          <a:p>
+            <a:pPr lvl="4"/>
+            <a:r>
+              <a:rPr lang="zh-TW" altLang="en-US"/>
+              <a:t>第五層</a:t>
+            </a:r>
+          </a:p>
+        </p:txBody>
+      </p:sp>
+      <p:sp>
+        <p:nvSpPr>
+          <p:cNvPr id="6" name="頁尾版面配置區 5"/>
+          <p:cNvSpPr>
+            <a:spLocks noGrp="1"/>
+          </p:cNvSpPr>
+          <p:nvPr>
+            <p:ph type="ftr" sz="quarter" idx="4"/>
+          </p:nvPr>
+        </p:nvSpPr>
+        <p:spPr>
+          <a:xfrm>
+            <a:off x="0" y="8685213"/>
+            <a:ext cx="2971800" cy="458787"/>
+          </a:xfrm>
+          <a:prstGeom prst="rect">
+            <a:avLst/>
+          </a:prstGeom>
+        </p:spPr>
+        <p:txBody>
+          <a:bodyPr vert="horz" lIns="91440" tIns="45720" rIns="91440" bIns="45720" rtlCol="0" anchor="b"/>
+          <a:lstStyle>
+            <a:lvl1pPr algn="l">
+              <a:defRPr sz="1200"/>
+            </a:lvl1pPr>
+          </a:lstStyle>
+          <a:p>
+            <a:endParaRPr lang="zh-TW" altLang="en-US"/>
+          </a:p>
+        </p:txBody>
+      </p:sp>
+      <p:sp>
+        <p:nvSpPr>
+          <p:cNvPr id="7" name="投影片編號版面配置區 6"/>
+          <p:cNvSpPr>
+            <a:spLocks noGrp="1"/>
+          </p:cNvSpPr>
+          <p:nvPr>
+            <p:ph type="sldNum" sz="quarter" idx="5"/>
+          </p:nvPr>
+        </p:nvSpPr>
+        <p:spPr>
+          <a:xfrm>
+            <a:off x="3884613" y="8685213"/>
+            <a:ext cx="2971800" cy="458787"/>
+          </a:xfrm>
+          <a:prstGeom prst="rect">
+            <a:avLst/>
+          </a:prstGeom>
+        </p:spPr>
+        <p:txBody>
+          <a:bodyPr vert="horz" lIns="91440" tIns="45720" rIns="91440" bIns="45720" rtlCol="0" anchor="b"/>
+          <a:lstStyle>
+            <a:lvl1pPr algn="r">
+              <a:defRPr sz="1200"/>
+            </a:lvl1pPr>
+          </a:lstStyle>
+          <a:p>
+            <a:fld id="{08D92B76-0F2B-41BF-B215-FF7E5048BC89}" type="slidenum">
+              <a:rPr lang="zh-TW" altLang="en-US" smtClean="0"/>
+              <a:t>‹#›</a:t>
+            </a:fld>
+            <a:endParaRPr lang="zh-TW" altLang="en-US"/>
+          </a:p>
+        </p:txBody>
+      </p:sp>
+    </p:spTree>
+    <p:extLst>
+      <p:ext uri="{BB962C8B-B14F-4D97-AF65-F5344CB8AC3E}">
+        <p14:creationId xmlns:p14="http://schemas.microsoft.com/office/powerpoint/2010/main" val="3997040672"/>
+      </p:ext>
+    </p:extLst>
+  </p:cSld>
+  <p:clrMap bg1="lt1" tx1="dk1" bg2="lt2" tx2="dk2" accent1="accent1" accent2="accent2" accent3="accent3" accent4="accent4" accent5="accent5" accent6="accent6" hlink="hlink" folHlink="folHlink"/>
+  <p:notesStyle>
+    <a:lvl1pPr marL="0" algn="l" defTabSz="914400" rtl="0" eaLnBrk="1" latinLnBrk="0" hangingPunct="1">
+      <a:defRPr sz="1200" kern="1200">
+        <a:solidFill>
+          <a:schemeClr val="tx1"/>
+        </a:solidFill>
+        <a:latin typeface="+mn-lt"/>
+        <a:ea typeface="+mn-ea"/>
+        <a:cs typeface="+mn-cs"/>
+      </a:defRPr>
+    </a:lvl1pPr>
+    <a:lvl2pPr marL="457200" algn="l" defTabSz="914400" rtl="0" eaLnBrk="1" latinLnBrk="0" hangingPunct="1">
+      <a:defRPr sz="1200" kern="1200">
+        <a:solidFill>
+          <a:schemeClr val="tx1"/>
+        </a:solidFill>
+        <a:latin typeface="+mn-lt"/>
+        <a:ea typeface="+mn-ea"/>
+        <a:cs typeface="+mn-cs"/>
+      </a:defRPr>
+    </a:lvl2pPr>
+    <a:lvl3pPr marL="914400" algn="l" defTabSz="914400" rtl="0" eaLnBrk="1" latinLnBrk="0" hangingPunct="1">
+      <a:defRPr sz="1200" kern="1200">
+        <a:solidFill>
+          <a:schemeClr val="tx1"/>
+        </a:solidFill>
+        <a:latin typeface="+mn-lt"/>
+        <a:ea typeface="+mn-ea"/>
+        <a:cs typeface="+mn-cs"/>
+      </a:defRPr>
+    </a:lvl3pPr>
+    <a:lvl4pPr marL="1371600" algn="l" defTabSz="914400" rtl="0" eaLnBrk="1" latinLnBrk="0" hangingPunct="1">
+      <a:defRPr sz="1200" kern="1200">
+        <a:solidFill>
+          <a:schemeClr val="tx1"/>
+        </a:solidFill>
+        <a:latin typeface="+mn-lt"/>
+        <a:ea typeface="+mn-ea"/>
+        <a:cs typeface="+mn-cs"/>
+      </a:defRPr>
+    </a:lvl4pPr>
+    <a:lvl5pPr marL="1828800" algn="l" defTabSz="914400" rtl="0" eaLnBrk="1" latinLnBrk="0" hangingPunct="1">
+      <a:defRPr sz="1200" kern="1200">
+        <a:solidFill>
+          <a:schemeClr val="tx1"/>
+        </a:solidFill>
+        <a:latin typeface="+mn-lt"/>
+        <a:ea typeface="+mn-ea"/>
+        <a:cs typeface="+mn-cs"/>
+      </a:defRPr>
+    </a:lvl5pPr>
+    <a:lvl6pPr marL="2286000" algn="l" defTabSz="914400" rtl="0" eaLnBrk="1" latinLnBrk="0" hangingPunct="1">
+      <a:defRPr sz="1200" kern="1200">
+        <a:solidFill>
+          <a:schemeClr val="tx1"/>
+        </a:solidFill>
+        <a:latin typeface="+mn-lt"/>
+        <a:ea typeface="+mn-ea"/>
+        <a:cs typeface="+mn-cs"/>
+      </a:defRPr>
+    </a:lvl6pPr>
+    <a:lvl7pPr marL="2743200" algn="l" defTabSz="914400" rtl="0" eaLnBrk="1" latinLnBrk="0" hangingPunct="1">
+      <a:defRPr sz="1200" kern="1200">
+        <a:solidFill>
+          <a:schemeClr val="tx1"/>
+        </a:solidFill>
+        <a:latin typeface="+mn-lt"/>
+        <a:ea typeface="+mn-ea"/>
+        <a:cs typeface="+mn-cs"/>
+      </a:defRPr>
+    </a:lvl7pPr>
+    <a:lvl8pPr marL="3200400" algn="l" defTabSz="914400" rtl="0" eaLnBrk="1" latinLnBrk="0" hangingPunct="1">
+      <a:defRPr sz="1200" kern="1200">
+        <a:solidFill>
+          <a:schemeClr val="tx1"/>
+        </a:solidFill>
+        <a:latin typeface="+mn-lt"/>
+        <a:ea typeface="+mn-ea"/>
+        <a:cs typeface="+mn-cs"/>
+      </a:defRPr>
+    </a:lvl8pPr>
+    <a:lvl9pPr marL="3657600" algn="l" defTabSz="914400" rtl="0" eaLnBrk="1" latinLnBrk="0" hangingPunct="1">
+      <a:defRPr sz="1200" kern="1200">
+        <a:solidFill>
+          <a:schemeClr val="tx1"/>
+        </a:solidFill>
+        <a:latin typeface="+mn-lt"/>
+        <a:ea typeface="+mn-ea"/>
+        <a:cs typeface="+mn-cs"/>
+      </a:defRPr>
+    </a:lvl9pPr>
+  </p:notesStyle>
+</p:notesMaster>
+</file>
+
+<file path=ppt/notesSlides/notesSlide1.xml><?xml version="1.0" encoding="utf-8"?>
+<p:notes xmlns:a="http://schemas.openxmlformats.org/drawingml/2006/main" xmlns:r="http://schemas.openxmlformats.org/officeDocument/2006/relationships" xmlns:p="http://schemas.openxmlformats.org/presentationml/2006/main">
+  <p:cSld>
+    <p:spTree>
+      <p:nvGrpSpPr>
+        <p:cNvPr id="1" name=""/>
+        <p:cNvGrpSpPr/>
+        <p:nvPr/>
+      </p:nvGrpSpPr>
+      <p:grpSpPr>
+        <a:xfrm>
+          <a:off x="0" y="0"/>
+          <a:ext cx="0" cy="0"/>
+          <a:chOff x="0" y="0"/>
+          <a:chExt cx="0" cy="0"/>
+        </a:xfrm>
+      </p:grpSpPr>
+      <p:sp>
+        <p:nvSpPr>
+          <p:cNvPr id="2" name="投影片影像版面配置區 1"/>
+          <p:cNvSpPr>
+            <a:spLocks noGrp="1" noRot="1" noChangeAspect="1"/>
+          </p:cNvSpPr>
+          <p:nvPr>
+            <p:ph type="sldImg"/>
+          </p:nvPr>
+        </p:nvSpPr>
+        <p:spPr/>
+      </p:sp>
+      <p:sp>
+        <p:nvSpPr>
+          <p:cNvPr id="3" name="備忘稿版面配置區 2"/>
+          <p:cNvSpPr>
+            <a:spLocks noGrp="1"/>
+          </p:cNvSpPr>
+          <p:nvPr>
+            <p:ph type="body" idx="1"/>
+          </p:nvPr>
+        </p:nvSpPr>
+        <p:spPr/>
+        <p:txBody>
+          <a:bodyPr/>
+          <a:lstStyle/>
+          <a:p>
+            <a:r>
+              <a:rPr lang="zh-TW" altLang="en-US" dirty="0"/>
+              <a:t>大概取</a:t>
+            </a:r>
+            <a:r>
+              <a:rPr lang="en-US" altLang="zh-TW" dirty="0"/>
+              <a:t>50</a:t>
+            </a:r>
+            <a:r>
+              <a:rPr lang="zh-TW" altLang="en-US" dirty="0"/>
+              <a:t>片</a:t>
+            </a:r>
+          </a:p>
+        </p:txBody>
+      </p:sp>
+      <p:sp>
+        <p:nvSpPr>
+          <p:cNvPr id="4" name="投影片編號版面配置區 3"/>
+          <p:cNvSpPr>
+            <a:spLocks noGrp="1"/>
+          </p:cNvSpPr>
+          <p:nvPr>
+            <p:ph type="sldNum" sz="quarter" idx="5"/>
+          </p:nvPr>
+        </p:nvSpPr>
+        <p:spPr/>
+        <p:txBody>
+          <a:bodyPr/>
+          <a:lstStyle/>
+          <a:p>
+            <a:fld id="{08D92B76-0F2B-41BF-B215-FF7E5048BC89}" type="slidenum">
+              <a:rPr lang="zh-TW" altLang="en-US" smtClean="0"/>
+              <a:t>4</a:t>
+            </a:fld>
+            <a:endParaRPr lang="zh-TW" altLang="en-US"/>
+          </a:p>
+        </p:txBody>
+      </p:sp>
+    </p:spTree>
+    <p:extLst>
+      <p:ext uri="{BB962C8B-B14F-4D97-AF65-F5344CB8AC3E}">
+        <p14:creationId xmlns:p14="http://schemas.microsoft.com/office/powerpoint/2010/main" val="1496766048"/>
+      </p:ext>
+    </p:extLst>
+  </p:cSld>
+  <p:clrMapOvr>
+    <a:masterClrMapping/>
+  </p:clrMapOvr>
+</p:notes>
+</file>
+
+<file path=ppt/notesSlides/notesSlide2.xml><?xml version="1.0" encoding="utf-8"?>
+<p:notes xmlns:a="http://schemas.openxmlformats.org/drawingml/2006/main" xmlns:r="http://schemas.openxmlformats.org/officeDocument/2006/relationships" xmlns:p="http://schemas.openxmlformats.org/presentationml/2006/main">
+  <p:cSld>
+    <p:spTree>
+      <p:nvGrpSpPr>
+        <p:cNvPr id="1" name=""/>
+        <p:cNvGrpSpPr/>
+        <p:nvPr/>
+      </p:nvGrpSpPr>
+      <p:grpSpPr>
+        <a:xfrm>
+          <a:off x="0" y="0"/>
+          <a:ext cx="0" cy="0"/>
+          <a:chOff x="0" y="0"/>
+          <a:chExt cx="0" cy="0"/>
+        </a:xfrm>
+      </p:grpSpPr>
+      <p:sp>
+        <p:nvSpPr>
+          <p:cNvPr id="2" name="投影片影像版面配置區 1"/>
+          <p:cNvSpPr>
+            <a:spLocks noGrp="1" noRot="1" noChangeAspect="1"/>
+          </p:cNvSpPr>
+          <p:nvPr>
+            <p:ph type="sldImg"/>
+          </p:nvPr>
+        </p:nvSpPr>
+        <p:spPr/>
+      </p:sp>
+      <p:sp>
+        <p:nvSpPr>
+          <p:cNvPr id="3" name="備忘稿版面配置區 2"/>
+          <p:cNvSpPr>
+            <a:spLocks noGrp="1"/>
+          </p:cNvSpPr>
+          <p:nvPr>
+            <p:ph type="body" idx="1"/>
+          </p:nvPr>
+        </p:nvSpPr>
+        <p:spPr/>
+        <p:txBody>
+          <a:bodyPr/>
+          <a:lstStyle/>
+          <a:p>
+            <a:endParaRPr lang="zh-TW" altLang="en-US" dirty="0"/>
+          </a:p>
+        </p:txBody>
+      </p:sp>
+      <p:sp>
+        <p:nvSpPr>
+          <p:cNvPr id="4" name="投影片編號版面配置區 3"/>
+          <p:cNvSpPr>
+            <a:spLocks noGrp="1"/>
+          </p:cNvSpPr>
+          <p:nvPr>
+            <p:ph type="sldNum" sz="quarter" idx="5"/>
+          </p:nvPr>
+        </p:nvSpPr>
+        <p:spPr/>
+        <p:txBody>
+          <a:bodyPr/>
+          <a:lstStyle/>
+          <a:p>
+            <a:fld id="{7670F774-2B1E-4A18-B57B-39A6698ACEBE}" type="slidenum">
+              <a:rPr lang="zh-TW" altLang="en-US" smtClean="0"/>
+              <a:t>5</a:t>
+            </a:fld>
+            <a:endParaRPr lang="zh-TW" altLang="en-US"/>
+          </a:p>
+        </p:txBody>
+      </p:sp>
+    </p:spTree>
+    <p:extLst>
+      <p:ext uri="{BB962C8B-B14F-4D97-AF65-F5344CB8AC3E}">
+        <p14:creationId xmlns:p14="http://schemas.microsoft.com/office/powerpoint/2010/main" val="72703499"/>
+      </p:ext>
+    </p:extLst>
+  </p:cSld>
+  <p:clrMapOvr>
+    <a:masterClrMapping/>
+  </p:clrMapOvr>
+</p:notes>
+</file>
+
+<file path=ppt/notesSlides/notesSlide3.xml><?xml version="1.0" encoding="utf-8"?>
+<p:notes xmlns:a="http://schemas.openxmlformats.org/drawingml/2006/main" xmlns:r="http://schemas.openxmlformats.org/officeDocument/2006/relationships" xmlns:p="http://schemas.openxmlformats.org/presentationml/2006/main">
+  <p:cSld>
+    <p:spTree>
+      <p:nvGrpSpPr>
+        <p:cNvPr id="1" name=""/>
+        <p:cNvGrpSpPr/>
+        <p:nvPr/>
+      </p:nvGrpSpPr>
+      <p:grpSpPr>
+        <a:xfrm>
+          <a:off x="0" y="0"/>
+          <a:ext cx="0" cy="0"/>
+          <a:chOff x="0" y="0"/>
+          <a:chExt cx="0" cy="0"/>
+        </a:xfrm>
+      </p:grpSpPr>
+      <p:sp>
+        <p:nvSpPr>
+          <p:cNvPr id="2" name="投影片影像版面配置區 1"/>
+          <p:cNvSpPr>
+            <a:spLocks noGrp="1" noRot="1" noChangeAspect="1"/>
+          </p:cNvSpPr>
+          <p:nvPr>
+            <p:ph type="sldImg"/>
+          </p:nvPr>
+        </p:nvSpPr>
+        <p:spPr/>
+      </p:sp>
+      <p:sp>
+        <p:nvSpPr>
+          <p:cNvPr id="3" name="備忘稿版面配置區 2"/>
+          <p:cNvSpPr>
+            <a:spLocks noGrp="1"/>
+          </p:cNvSpPr>
+          <p:nvPr>
+            <p:ph type="body" idx="1"/>
+          </p:nvPr>
+        </p:nvSpPr>
+        <p:spPr/>
+        <p:txBody>
+          <a:bodyPr/>
+          <a:lstStyle/>
+          <a:p>
+            <a:r>
+              <a:rPr lang="en-US" altLang="zh-TW" dirty="0"/>
+              <a:t>41</a:t>
+            </a:r>
+            <a:r>
+              <a:rPr lang="zh-TW" altLang="en-US" dirty="0"/>
+              <a:t>、</a:t>
+            </a:r>
+            <a:r>
+              <a:rPr lang="en-US" altLang="zh-TW" dirty="0"/>
+              <a:t>42</a:t>
+            </a:r>
+            <a:r>
+              <a:rPr lang="zh-TW" altLang="en-US" dirty="0"/>
+              <a:t>彼此相關</a:t>
+            </a:r>
+            <a:r>
+              <a:rPr lang="en-US" altLang="zh-TW" dirty="0"/>
+              <a:t>(</a:t>
+            </a:r>
+            <a:r>
+              <a:rPr lang="zh-TW" altLang="en-US" dirty="0"/>
+              <a:t>一樣</a:t>
+            </a:r>
+            <a:r>
+              <a:rPr lang="en-US" altLang="zh-TW" dirty="0"/>
+              <a:t>)</a:t>
+            </a:r>
+          </a:p>
+          <a:p>
+            <a:r>
+              <a:rPr lang="en-US" altLang="zh-TW" dirty="0"/>
+              <a:t>39</a:t>
+            </a:r>
+            <a:r>
+              <a:rPr lang="zh-TW" altLang="en-US" dirty="0"/>
+              <a:t>、</a:t>
+            </a:r>
+            <a:r>
+              <a:rPr lang="en-US" altLang="zh-TW" dirty="0"/>
+              <a:t>40</a:t>
+            </a:r>
+            <a:r>
+              <a:rPr lang="zh-TW" altLang="en-US" dirty="0"/>
+              <a:t>有點相關</a:t>
+            </a:r>
+          </a:p>
+        </p:txBody>
+      </p:sp>
+      <p:sp>
+        <p:nvSpPr>
+          <p:cNvPr id="4" name="投影片編號版面配置區 3"/>
+          <p:cNvSpPr>
+            <a:spLocks noGrp="1"/>
+          </p:cNvSpPr>
+          <p:nvPr>
+            <p:ph type="sldNum" sz="quarter" idx="5"/>
+          </p:nvPr>
+        </p:nvSpPr>
+        <p:spPr/>
+        <p:txBody>
+          <a:bodyPr/>
+          <a:lstStyle/>
+          <a:p>
+            <a:fld id="{7670F774-2B1E-4A18-B57B-39A6698ACEBE}" type="slidenum">
+              <a:rPr lang="zh-TW" altLang="en-US" smtClean="0"/>
+              <a:t>10</a:t>
+            </a:fld>
+            <a:endParaRPr lang="zh-TW" altLang="en-US"/>
+          </a:p>
+        </p:txBody>
+      </p:sp>
+    </p:spTree>
+    <p:extLst>
+      <p:ext uri="{BB962C8B-B14F-4D97-AF65-F5344CB8AC3E}">
+        <p14:creationId xmlns:p14="http://schemas.microsoft.com/office/powerpoint/2010/main" val="587430283"/>
+      </p:ext>
+    </p:extLst>
+  </p:cSld>
+  <p:clrMapOvr>
+    <a:masterClrMapping/>
+  </p:clrMapOvr>
+</p:notes>
+</file>
+
 <file path=ppt/slideLayouts/slideLayout1.xml><?xml version="1.0" encoding="utf-8"?>
 <p:sldLayout xmlns:a="http://schemas.openxmlformats.org/drawingml/2006/main" xmlns:r="http://schemas.openxmlformats.org/officeDocument/2006/relationships" xmlns:p="http://schemas.openxmlformats.org/presentationml/2006/main" type="title" preserve="1">
   <p:cSld name="標題投影片">
@@ -264,7 +932,7 @@
           <a:p>
             <a:fld id="{F85FF694-0909-4A77-87AC-BBE982EBD439}" type="datetimeFigureOut">
               <a:rPr lang="zh-TW" altLang="en-US" smtClean="0"/>
-              <a:t>2021/4/22</a:t>
+              <a:t>2021/4/23</a:t>
             </a:fld>
             <a:endParaRPr lang="zh-TW" altLang="en-US"/>
           </a:p>
@@ -462,7 +1130,7 @@
           <a:p>
             <a:fld id="{F85FF694-0909-4A77-87AC-BBE982EBD439}" type="datetimeFigureOut">
               <a:rPr lang="zh-TW" altLang="en-US" smtClean="0"/>
-              <a:t>2021/4/22</a:t>
+              <a:t>2021/4/23</a:t>
             </a:fld>
             <a:endParaRPr lang="zh-TW" altLang="en-US"/>
           </a:p>
@@ -670,7 +1338,7 @@
           <a:p>
             <a:fld id="{F85FF694-0909-4A77-87AC-BBE982EBD439}" type="datetimeFigureOut">
               <a:rPr lang="zh-TW" altLang="en-US" smtClean="0"/>
-              <a:t>2021/4/22</a:t>
+              <a:t>2021/4/23</a:t>
             </a:fld>
             <a:endParaRPr lang="zh-TW" altLang="en-US"/>
           </a:p>
@@ -878,7 +1546,7 @@
           <a:p>
             <a:fld id="{F85FF694-0909-4A77-87AC-BBE982EBD439}" type="datetimeFigureOut">
               <a:rPr lang="zh-TW" altLang="en-US" smtClean="0"/>
-              <a:t>2021/4/22</a:t>
+              <a:t>2021/4/23</a:t>
             </a:fld>
             <a:endParaRPr lang="zh-TW" altLang="en-US"/>
           </a:p>
@@ -1153,7 +1821,7 @@
           <a:p>
             <a:fld id="{F85FF694-0909-4A77-87AC-BBE982EBD439}" type="datetimeFigureOut">
               <a:rPr lang="zh-TW" altLang="en-US" smtClean="0"/>
-              <a:t>2021/4/22</a:t>
+              <a:t>2021/4/23</a:t>
             </a:fld>
             <a:endParaRPr lang="zh-TW" altLang="en-US"/>
           </a:p>
@@ -1418,7 +2086,7 @@
           <a:p>
             <a:fld id="{F85FF694-0909-4A77-87AC-BBE982EBD439}" type="datetimeFigureOut">
               <a:rPr lang="zh-TW" altLang="en-US" smtClean="0"/>
-              <a:t>2021/4/22</a:t>
+              <a:t>2021/4/23</a:t>
             </a:fld>
             <a:endParaRPr lang="zh-TW" altLang="en-US"/>
           </a:p>
@@ -1830,7 +2498,7 @@
           <a:p>
             <a:fld id="{F85FF694-0909-4A77-87AC-BBE982EBD439}" type="datetimeFigureOut">
               <a:rPr lang="zh-TW" altLang="en-US" smtClean="0"/>
-              <a:t>2021/4/22</a:t>
+              <a:t>2021/4/23</a:t>
             </a:fld>
             <a:endParaRPr lang="zh-TW" altLang="en-US"/>
           </a:p>
@@ -1971,7 +2639,7 @@
           <a:p>
             <a:fld id="{F85FF694-0909-4A77-87AC-BBE982EBD439}" type="datetimeFigureOut">
               <a:rPr lang="zh-TW" altLang="en-US" smtClean="0"/>
-              <a:t>2021/4/22</a:t>
+              <a:t>2021/4/23</a:t>
             </a:fld>
             <a:endParaRPr lang="zh-TW" altLang="en-US"/>
           </a:p>
@@ -2084,7 +2752,7 @@
           <a:p>
             <a:fld id="{F85FF694-0909-4A77-87AC-BBE982EBD439}" type="datetimeFigureOut">
               <a:rPr lang="zh-TW" altLang="en-US" smtClean="0"/>
-              <a:t>2021/4/22</a:t>
+              <a:t>2021/4/23</a:t>
             </a:fld>
             <a:endParaRPr lang="zh-TW" altLang="en-US"/>
           </a:p>
@@ -2395,7 +3063,7 @@
           <a:p>
             <a:fld id="{F85FF694-0909-4A77-87AC-BBE982EBD439}" type="datetimeFigureOut">
               <a:rPr lang="zh-TW" altLang="en-US" smtClean="0"/>
-              <a:t>2021/4/22</a:t>
+              <a:t>2021/4/23</a:t>
             </a:fld>
             <a:endParaRPr lang="zh-TW" altLang="en-US"/>
           </a:p>
@@ -2686,7 +3354,7 @@
           <a:p>
             <a:fld id="{F85FF694-0909-4A77-87AC-BBE982EBD439}" type="datetimeFigureOut">
               <a:rPr lang="zh-TW" altLang="en-US" smtClean="0"/>
-              <a:t>2021/4/22</a:t>
+              <a:t>2021/4/23</a:t>
             </a:fld>
             <a:endParaRPr lang="zh-TW" altLang="en-US"/>
           </a:p>
@@ -2929,7 +3597,7 @@
           <a:p>
             <a:fld id="{F85FF694-0909-4A77-87AC-BBE982EBD439}" type="datetimeFigureOut">
               <a:rPr lang="zh-TW" altLang="en-US" smtClean="0"/>
-              <a:t>2021/4/22</a:t>
+              <a:t>2021/4/23</a:t>
             </a:fld>
             <a:endParaRPr lang="zh-TW" altLang="en-US"/>
           </a:p>
@@ -3355,15 +4023,15 @@
           <p:cNvPr id="2" name="標題 1">
             <a:extLst>
               <a:ext uri="{FF2B5EF4-FFF2-40B4-BE49-F238E27FC236}">
-                <a16:creationId xmlns:a16="http://schemas.microsoft.com/office/drawing/2014/main" id="{9FBFBA55-FB9A-4775-BC8B-E1D74BECCB62}"/>
-              </a:ext>
-            </a:extLst>
-          </p:cNvPr>
-          <p:cNvSpPr>
-            <a:spLocks noGrp="1"/>
-          </p:cNvSpPr>
-          <p:nvPr>
-            <p:ph type="ctrTitle"/>
+                <a16:creationId xmlns:a16="http://schemas.microsoft.com/office/drawing/2014/main" id="{18ED647F-B183-4A4E-8668-A9FFD1816FAE}"/>
+              </a:ext>
+            </a:extLst>
+          </p:cNvPr>
+          <p:cNvSpPr>
+            <a:spLocks noGrp="1"/>
+          </p:cNvSpPr>
+          <p:nvPr>
+            <p:ph type="title"/>
           </p:nvPr>
         </p:nvSpPr>
         <p:spPr/>
@@ -3371,24 +4039,24 @@
           <a:bodyPr/>
           <a:lstStyle/>
           <a:p>
-            <a:endParaRPr lang="zh-TW" altLang="en-US"/>
-          </a:p>
-        </p:txBody>
-      </p:sp>
-      <p:sp>
-        <p:nvSpPr>
-          <p:cNvPr id="3" name="副標題 2">
-            <a:extLst>
-              <a:ext uri="{FF2B5EF4-FFF2-40B4-BE49-F238E27FC236}">
-                <a16:creationId xmlns:a16="http://schemas.microsoft.com/office/drawing/2014/main" id="{8CCC2492-68B9-44E8-BFF3-78B60B07A75D}"/>
-              </a:ext>
-            </a:extLst>
-          </p:cNvPr>
-          <p:cNvSpPr>
-            <a:spLocks noGrp="1"/>
-          </p:cNvSpPr>
-          <p:nvPr>
-            <p:ph type="subTitle" idx="1"/>
+            <a:endParaRPr lang="zh-TW" altLang="en-US" dirty="0"/>
+          </a:p>
+        </p:txBody>
+      </p:sp>
+      <p:sp>
+        <p:nvSpPr>
+          <p:cNvPr id="3" name="內容版面配置區 2">
+            <a:extLst>
+              <a:ext uri="{FF2B5EF4-FFF2-40B4-BE49-F238E27FC236}">
+                <a16:creationId xmlns:a16="http://schemas.microsoft.com/office/drawing/2014/main" id="{24090EBA-079F-4DE5-92A2-02FE8800BD94}"/>
+              </a:ext>
+            </a:extLst>
+          </p:cNvPr>
+          <p:cNvSpPr>
+            <a:spLocks noGrp="1"/>
+          </p:cNvSpPr>
+          <p:nvPr>
+            <p:ph idx="1"/>
           </p:nvPr>
         </p:nvSpPr>
         <p:spPr/>
@@ -3396,14 +4064,1112 @@
           <a:bodyPr/>
           <a:lstStyle/>
           <a:p>
-            <a:endParaRPr lang="zh-TW" altLang="en-US"/>
-          </a:p>
-        </p:txBody>
-      </p:sp>
+            <a:r>
+              <a:rPr lang="en-US" altLang="zh-TW" dirty="0"/>
+              <a:t>FDC_columns_number.xlsx</a:t>
+            </a:r>
+            <a:r>
+              <a:rPr lang="zh-TW" altLang="en-US" dirty="0"/>
+              <a:t> </a:t>
+            </a:r>
+            <a:r>
+              <a:rPr lang="en-US" altLang="zh-TW" dirty="0"/>
+              <a:t>: &lt;</a:t>
+            </a:r>
+            <a:r>
+              <a:rPr lang="zh-TW" altLang="en-US" dirty="0"/>
+              <a:t>編號</a:t>
+            </a:r>
+            <a:r>
+              <a:rPr lang="en-US" altLang="zh-TW" dirty="0"/>
+              <a:t>:</a:t>
+            </a:r>
+            <a:r>
+              <a:rPr lang="zh-TW" altLang="en-US" dirty="0"/>
+              <a:t>欄位</a:t>
+            </a:r>
+            <a:r>
+              <a:rPr lang="en-US" altLang="zh-TW" dirty="0"/>
+              <a:t>&gt;</a:t>
+            </a:r>
+            <a:endParaRPr lang="zh-TW" altLang="en-US" dirty="0"/>
+          </a:p>
+        </p:txBody>
+      </p:sp>
+      <p:pic>
+        <p:nvPicPr>
+          <p:cNvPr id="4" name="圖片 3">
+            <a:extLst>
+              <a:ext uri="{FF2B5EF4-FFF2-40B4-BE49-F238E27FC236}">
+                <a16:creationId xmlns:a16="http://schemas.microsoft.com/office/drawing/2014/main" id="{DC0E1880-3918-4250-BB6D-E39C6BB095C9}"/>
+              </a:ext>
+            </a:extLst>
+          </p:cNvPr>
+          <p:cNvPicPr>
+            <a:picLocks noChangeAspect="1"/>
+          </p:cNvPicPr>
+          <p:nvPr/>
+        </p:nvPicPr>
+        <p:blipFill>
+          <a:blip r:embed="rId2"/>
+          <a:stretch>
+            <a:fillRect/>
+          </a:stretch>
+        </p:blipFill>
+        <p:spPr>
+          <a:xfrm>
+            <a:off x="2814455" y="1697859"/>
+            <a:ext cx="6506483" cy="4334480"/>
+          </a:xfrm>
+          <a:prstGeom prst="rect">
+            <a:avLst/>
+          </a:prstGeom>
+        </p:spPr>
+      </p:pic>
     </p:spTree>
     <p:extLst>
       <p:ext uri="{BB962C8B-B14F-4D97-AF65-F5344CB8AC3E}">
-        <p14:creationId xmlns:p14="http://schemas.microsoft.com/office/powerpoint/2010/main" val="3710321520"/>
+        <p14:creationId xmlns:p14="http://schemas.microsoft.com/office/powerpoint/2010/main" val="282870619"/>
+      </p:ext>
+    </p:extLst>
+  </p:cSld>
+  <p:clrMapOvr>
+    <a:masterClrMapping/>
+  </p:clrMapOvr>
+</p:sld>
+</file>
+
+<file path=ppt/slides/slide10.xml><?xml version="1.0" encoding="utf-8"?>
+<p:sld xmlns:a="http://schemas.openxmlformats.org/drawingml/2006/main" xmlns:r="http://schemas.openxmlformats.org/officeDocument/2006/relationships" xmlns:p="http://schemas.openxmlformats.org/presentationml/2006/main">
+  <p:cSld>
+    <p:spTree>
+      <p:nvGrpSpPr>
+        <p:cNvPr id="1" name=""/>
+        <p:cNvGrpSpPr/>
+        <p:nvPr/>
+      </p:nvGrpSpPr>
+      <p:grpSpPr>
+        <a:xfrm>
+          <a:off x="0" y="0"/>
+          <a:ext cx="0" cy="0"/>
+          <a:chOff x="0" y="0"/>
+          <a:chExt cx="0" cy="0"/>
+        </a:xfrm>
+      </p:grpSpPr>
+      <p:pic>
+        <p:nvPicPr>
+          <p:cNvPr id="9" name="圖片 8">
+            <a:extLst>
+              <a:ext uri="{FF2B5EF4-FFF2-40B4-BE49-F238E27FC236}">
+                <a16:creationId xmlns:a16="http://schemas.microsoft.com/office/drawing/2014/main" id="{4A25BBAC-449A-4A12-A12D-000EA78F0F78}"/>
+              </a:ext>
+            </a:extLst>
+          </p:cNvPr>
+          <p:cNvPicPr>
+            <a:picLocks noChangeAspect="1"/>
+          </p:cNvPicPr>
+          <p:nvPr/>
+        </p:nvPicPr>
+        <p:blipFill>
+          <a:blip r:embed="rId3">
+            <a:extLst>
+              <a:ext uri="{28A0092B-C50C-407E-A947-70E740481C1C}">
+                <a14:useLocalDpi xmlns:a14="http://schemas.microsoft.com/office/drawing/2010/main" val="0"/>
+              </a:ext>
+            </a:extLst>
+          </a:blip>
+          <a:stretch>
+            <a:fillRect/>
+          </a:stretch>
+        </p:blipFill>
+        <p:spPr>
+          <a:xfrm>
+            <a:off x="80250" y="1286320"/>
+            <a:ext cx="5134987" cy="5206555"/>
+          </a:xfrm>
+          <a:prstGeom prst="rect">
+            <a:avLst/>
+          </a:prstGeom>
+        </p:spPr>
+      </p:pic>
+      <p:sp>
+        <p:nvSpPr>
+          <p:cNvPr id="2" name="標題 1">
+            <a:extLst>
+              <a:ext uri="{FF2B5EF4-FFF2-40B4-BE49-F238E27FC236}">
+                <a16:creationId xmlns:a16="http://schemas.microsoft.com/office/drawing/2014/main" id="{C851D8A0-38BA-420C-8013-B187DC9037B4}"/>
+              </a:ext>
+            </a:extLst>
+          </p:cNvPr>
+          <p:cNvSpPr>
+            <a:spLocks noGrp="1"/>
+          </p:cNvSpPr>
+          <p:nvPr>
+            <p:ph type="title"/>
+          </p:nvPr>
+        </p:nvSpPr>
+        <p:spPr/>
+        <p:txBody>
+          <a:bodyPr/>
+          <a:lstStyle/>
+          <a:p>
+            <a:r>
+              <a:rPr lang="en-US" altLang="zh-TW" dirty="0"/>
+              <a:t>Trend and Correlation(39~45)</a:t>
+            </a:r>
+            <a:endParaRPr lang="zh-TW" altLang="en-US" dirty="0"/>
+          </a:p>
+        </p:txBody>
+      </p:sp>
+      <p:pic>
+        <p:nvPicPr>
+          <p:cNvPr id="5" name="內容版面配置區 4">
+            <a:extLst>
+              <a:ext uri="{FF2B5EF4-FFF2-40B4-BE49-F238E27FC236}">
+                <a16:creationId xmlns:a16="http://schemas.microsoft.com/office/drawing/2014/main" id="{D70D7079-6312-4B41-A820-E24BC568DA1B}"/>
+              </a:ext>
+            </a:extLst>
+          </p:cNvPr>
+          <p:cNvPicPr>
+            <a:picLocks noGrp="1" noChangeAspect="1"/>
+          </p:cNvPicPr>
+          <p:nvPr>
+            <p:ph idx="1"/>
+          </p:nvPr>
+        </p:nvPicPr>
+        <p:blipFill>
+          <a:blip r:embed="rId4">
+            <a:extLst>
+              <a:ext uri="{28A0092B-C50C-407E-A947-70E740481C1C}">
+                <a14:useLocalDpi xmlns:a14="http://schemas.microsoft.com/office/drawing/2010/main" val="0"/>
+              </a:ext>
+            </a:extLst>
+          </a:blip>
+          <a:stretch>
+            <a:fillRect/>
+          </a:stretch>
+        </p:blipFill>
+        <p:spPr>
+          <a:xfrm>
+            <a:off x="4412101" y="1286320"/>
+            <a:ext cx="7583956" cy="5037106"/>
+          </a:xfrm>
+        </p:spPr>
+      </p:pic>
+      <p:sp>
+        <p:nvSpPr>
+          <p:cNvPr id="6" name="矩形 5">
+            <a:extLst>
+              <a:ext uri="{FF2B5EF4-FFF2-40B4-BE49-F238E27FC236}">
+                <a16:creationId xmlns:a16="http://schemas.microsoft.com/office/drawing/2014/main" id="{7B93D8B7-5894-4F64-BD90-AA6BB8D6C437}"/>
+              </a:ext>
+            </a:extLst>
+          </p:cNvPr>
+          <p:cNvSpPr/>
+          <p:nvPr/>
+        </p:nvSpPr>
+        <p:spPr>
+          <a:xfrm>
+            <a:off x="4797083" y="4065563"/>
+            <a:ext cx="7198974" cy="2152357"/>
+          </a:xfrm>
+          <a:prstGeom prst="rect">
+            <a:avLst/>
+          </a:prstGeom>
+          <a:noFill/>
+          <a:ln w="76200">
+            <a:solidFill>
+              <a:srgbClr val="FF0000"/>
+            </a:solidFill>
+            <a:prstDash val="solid"/>
+          </a:ln>
+        </p:spPr>
+        <p:style>
+          <a:lnRef idx="2">
+            <a:schemeClr val="accent1">
+              <a:shade val="50000"/>
+            </a:schemeClr>
+          </a:lnRef>
+          <a:fillRef idx="1">
+            <a:schemeClr val="accent1"/>
+          </a:fillRef>
+          <a:effectRef idx="0">
+            <a:schemeClr val="accent1"/>
+          </a:effectRef>
+          <a:fontRef idx="minor">
+            <a:schemeClr val="lt1"/>
+          </a:fontRef>
+        </p:style>
+        <p:txBody>
+          <a:bodyPr rtlCol="0" anchor="ctr"/>
+          <a:lstStyle/>
+          <a:p>
+            <a:pPr algn="ctr"/>
+            <a:endParaRPr lang="zh-TW" altLang="en-US"/>
+          </a:p>
+        </p:txBody>
+      </p:sp>
+      <p:sp>
+        <p:nvSpPr>
+          <p:cNvPr id="7" name="文字方塊 6">
+            <a:extLst>
+              <a:ext uri="{FF2B5EF4-FFF2-40B4-BE49-F238E27FC236}">
+                <a16:creationId xmlns:a16="http://schemas.microsoft.com/office/drawing/2014/main" id="{492C9A5B-4352-4191-8521-5EAD498A1951}"/>
+              </a:ext>
+            </a:extLst>
+          </p:cNvPr>
+          <p:cNvSpPr txBox="1"/>
+          <p:nvPr/>
+        </p:nvSpPr>
+        <p:spPr>
+          <a:xfrm>
+            <a:off x="4693612" y="2921166"/>
+            <a:ext cx="900333" cy="1015663"/>
+          </a:xfrm>
+          <a:prstGeom prst="rect">
+            <a:avLst/>
+          </a:prstGeom>
+          <a:noFill/>
+        </p:spPr>
+        <p:txBody>
+          <a:bodyPr wrap="square" rtlCol="0" anchor="ctr">
+            <a:spAutoFit/>
+          </a:bodyPr>
+          <a:lstStyle/>
+          <a:p>
+            <a:pPr algn="ctr"/>
+            <a:r>
+              <a:rPr lang="en-US" altLang="zh-TW" sz="6000" dirty="0">
+                <a:solidFill>
+                  <a:srgbClr val="FF0000"/>
+                </a:solidFill>
+              </a:rPr>
+              <a:t>Y</a:t>
+            </a:r>
+            <a:endParaRPr lang="zh-TW" altLang="en-US" sz="6000" dirty="0">
+              <a:solidFill>
+                <a:srgbClr val="FF0000"/>
+              </a:solidFill>
+            </a:endParaRPr>
+          </a:p>
+        </p:txBody>
+      </p:sp>
+    </p:spTree>
+    <p:extLst>
+      <p:ext uri="{BB962C8B-B14F-4D97-AF65-F5344CB8AC3E}">
+        <p14:creationId xmlns:p14="http://schemas.microsoft.com/office/powerpoint/2010/main" val="1845588473"/>
+      </p:ext>
+    </p:extLst>
+  </p:cSld>
+  <p:clrMapOvr>
+    <a:masterClrMapping/>
+  </p:clrMapOvr>
+</p:sld>
+</file>
+
+<file path=ppt/slides/slide11.xml><?xml version="1.0" encoding="utf-8"?>
+<p:sld xmlns:a="http://schemas.openxmlformats.org/drawingml/2006/main" xmlns:r="http://schemas.openxmlformats.org/officeDocument/2006/relationships" xmlns:p="http://schemas.openxmlformats.org/presentationml/2006/main">
+  <p:cSld>
+    <p:spTree>
+      <p:nvGrpSpPr>
+        <p:cNvPr id="1" name=""/>
+        <p:cNvGrpSpPr/>
+        <p:nvPr/>
+      </p:nvGrpSpPr>
+      <p:grpSpPr>
+        <a:xfrm>
+          <a:off x="0" y="0"/>
+          <a:ext cx="0" cy="0"/>
+          <a:chOff x="0" y="0"/>
+          <a:chExt cx="0" cy="0"/>
+        </a:xfrm>
+      </p:grpSpPr>
+      <p:sp>
+        <p:nvSpPr>
+          <p:cNvPr id="2" name="標題 1">
+            <a:extLst>
+              <a:ext uri="{FF2B5EF4-FFF2-40B4-BE49-F238E27FC236}">
+                <a16:creationId xmlns:a16="http://schemas.microsoft.com/office/drawing/2014/main" id="{3382A81D-E987-4D41-8ED6-60FE336AB4F3}"/>
+              </a:ext>
+            </a:extLst>
+          </p:cNvPr>
+          <p:cNvSpPr>
+            <a:spLocks noGrp="1"/>
+          </p:cNvSpPr>
+          <p:nvPr>
+            <p:ph type="title"/>
+          </p:nvPr>
+        </p:nvSpPr>
+        <p:spPr/>
+        <p:txBody>
+          <a:bodyPr/>
+          <a:lstStyle/>
+          <a:p>
+            <a:r>
+              <a:rPr lang="en-US" altLang="zh-TW" dirty="0"/>
+              <a:t>Trend and Correlation(46~52)</a:t>
+            </a:r>
+            <a:endParaRPr lang="zh-TW" altLang="en-US" dirty="0"/>
+          </a:p>
+        </p:txBody>
+      </p:sp>
+      <p:pic>
+        <p:nvPicPr>
+          <p:cNvPr id="5" name="內容版面配置區 4">
+            <a:extLst>
+              <a:ext uri="{FF2B5EF4-FFF2-40B4-BE49-F238E27FC236}">
+                <a16:creationId xmlns:a16="http://schemas.microsoft.com/office/drawing/2014/main" id="{3A13A943-891A-4F50-AE61-A5B899F39EC9}"/>
+              </a:ext>
+            </a:extLst>
+          </p:cNvPr>
+          <p:cNvPicPr>
+            <a:picLocks noGrp="1" noChangeAspect="1"/>
+          </p:cNvPicPr>
+          <p:nvPr>
+            <p:ph idx="1"/>
+          </p:nvPr>
+        </p:nvPicPr>
+        <p:blipFill>
+          <a:blip r:embed="rId2">
+            <a:extLst>
+              <a:ext uri="{28A0092B-C50C-407E-A947-70E740481C1C}">
+                <a14:useLocalDpi xmlns:a14="http://schemas.microsoft.com/office/drawing/2010/main" val="0"/>
+              </a:ext>
+            </a:extLst>
+          </a:blip>
+          <a:stretch>
+            <a:fillRect/>
+          </a:stretch>
+        </p:blipFill>
+        <p:spPr>
+          <a:xfrm>
+            <a:off x="195943" y="1058863"/>
+            <a:ext cx="4491546" cy="4554146"/>
+          </a:xfrm>
+        </p:spPr>
+      </p:pic>
+      <p:pic>
+        <p:nvPicPr>
+          <p:cNvPr id="7" name="圖片 6">
+            <a:extLst>
+              <a:ext uri="{FF2B5EF4-FFF2-40B4-BE49-F238E27FC236}">
+                <a16:creationId xmlns:a16="http://schemas.microsoft.com/office/drawing/2014/main" id="{5199411F-C765-462A-AED5-89A1D6203FC5}"/>
+              </a:ext>
+            </a:extLst>
+          </p:cNvPr>
+          <p:cNvPicPr>
+            <a:picLocks noChangeAspect="1"/>
+          </p:cNvPicPr>
+          <p:nvPr/>
+        </p:nvPicPr>
+        <p:blipFill>
+          <a:blip r:embed="rId3">
+            <a:extLst>
+              <a:ext uri="{28A0092B-C50C-407E-A947-70E740481C1C}">
+                <a14:useLocalDpi xmlns:a14="http://schemas.microsoft.com/office/drawing/2010/main" val="0"/>
+              </a:ext>
+            </a:extLst>
+          </a:blip>
+          <a:stretch>
+            <a:fillRect/>
+          </a:stretch>
+        </p:blipFill>
+        <p:spPr>
+          <a:xfrm>
+            <a:off x="3859064" y="681037"/>
+            <a:ext cx="8332936" cy="5534563"/>
+          </a:xfrm>
+          <a:prstGeom prst="rect">
+            <a:avLst/>
+          </a:prstGeom>
+        </p:spPr>
+      </p:pic>
+      <p:sp>
+        <p:nvSpPr>
+          <p:cNvPr id="8" name="矩形 7">
+            <a:extLst>
+              <a:ext uri="{FF2B5EF4-FFF2-40B4-BE49-F238E27FC236}">
+                <a16:creationId xmlns:a16="http://schemas.microsoft.com/office/drawing/2014/main" id="{9F78FDB9-8758-41B4-9869-FB2F4436BDFE}"/>
+              </a:ext>
+            </a:extLst>
+          </p:cNvPr>
+          <p:cNvSpPr/>
+          <p:nvPr/>
+        </p:nvSpPr>
+        <p:spPr>
+          <a:xfrm>
+            <a:off x="4107766" y="2224134"/>
+            <a:ext cx="8084233" cy="4162055"/>
+          </a:xfrm>
+          <a:prstGeom prst="rect">
+            <a:avLst/>
+          </a:prstGeom>
+          <a:noFill/>
+          <a:ln w="76200">
+            <a:solidFill>
+              <a:srgbClr val="FF0000"/>
+            </a:solidFill>
+            <a:prstDash val="solid"/>
+          </a:ln>
+        </p:spPr>
+        <p:style>
+          <a:lnRef idx="2">
+            <a:schemeClr val="accent1">
+              <a:shade val="50000"/>
+            </a:schemeClr>
+          </a:lnRef>
+          <a:fillRef idx="1">
+            <a:schemeClr val="accent1"/>
+          </a:fillRef>
+          <a:effectRef idx="0">
+            <a:schemeClr val="accent1"/>
+          </a:effectRef>
+          <a:fontRef idx="minor">
+            <a:schemeClr val="lt1"/>
+          </a:fontRef>
+        </p:style>
+        <p:txBody>
+          <a:bodyPr rtlCol="0" anchor="ctr"/>
+          <a:lstStyle/>
+          <a:p>
+            <a:pPr algn="ctr"/>
+            <a:endParaRPr lang="zh-TW" altLang="en-US"/>
+          </a:p>
+        </p:txBody>
+      </p:sp>
+    </p:spTree>
+    <p:extLst>
+      <p:ext uri="{BB962C8B-B14F-4D97-AF65-F5344CB8AC3E}">
+        <p14:creationId xmlns:p14="http://schemas.microsoft.com/office/powerpoint/2010/main" val="3580214257"/>
+      </p:ext>
+    </p:extLst>
+  </p:cSld>
+  <p:clrMapOvr>
+    <a:masterClrMapping/>
+  </p:clrMapOvr>
+</p:sld>
+</file>
+
+<file path=ppt/slides/slide12.xml><?xml version="1.0" encoding="utf-8"?>
+<p:sld xmlns:a="http://schemas.openxmlformats.org/drawingml/2006/main" xmlns:r="http://schemas.openxmlformats.org/officeDocument/2006/relationships" xmlns:p="http://schemas.openxmlformats.org/presentationml/2006/main">
+  <p:cSld>
+    <p:spTree>
+      <p:nvGrpSpPr>
+        <p:cNvPr id="1" name=""/>
+        <p:cNvGrpSpPr/>
+        <p:nvPr/>
+      </p:nvGrpSpPr>
+      <p:grpSpPr>
+        <a:xfrm>
+          <a:off x="0" y="0"/>
+          <a:ext cx="0" cy="0"/>
+          <a:chOff x="0" y="0"/>
+          <a:chExt cx="0" cy="0"/>
+        </a:xfrm>
+      </p:grpSpPr>
+      <p:sp>
+        <p:nvSpPr>
+          <p:cNvPr id="2" name="標題 1">
+            <a:extLst>
+              <a:ext uri="{FF2B5EF4-FFF2-40B4-BE49-F238E27FC236}">
+                <a16:creationId xmlns:a16="http://schemas.microsoft.com/office/drawing/2014/main" id="{62D383EB-805B-43F2-9FA4-F3FE3B327655}"/>
+              </a:ext>
+            </a:extLst>
+          </p:cNvPr>
+          <p:cNvSpPr>
+            <a:spLocks noGrp="1"/>
+          </p:cNvSpPr>
+          <p:nvPr>
+            <p:ph type="title"/>
+          </p:nvPr>
+        </p:nvSpPr>
+        <p:spPr/>
+        <p:txBody>
+          <a:bodyPr/>
+          <a:lstStyle/>
+          <a:p>
+            <a:r>
+              <a:rPr lang="zh-TW" altLang="en-US" dirty="0"/>
+              <a:t>重複資料處理</a:t>
+            </a:r>
+          </a:p>
+        </p:txBody>
+      </p:sp>
+      <p:sp>
+        <p:nvSpPr>
+          <p:cNvPr id="3" name="內容版面配置區 2">
+            <a:extLst>
+              <a:ext uri="{FF2B5EF4-FFF2-40B4-BE49-F238E27FC236}">
+                <a16:creationId xmlns:a16="http://schemas.microsoft.com/office/drawing/2014/main" id="{76DCFF06-8811-45E8-8D39-C3F576CD2292}"/>
+              </a:ext>
+            </a:extLst>
+          </p:cNvPr>
+          <p:cNvSpPr>
+            <a:spLocks noGrp="1"/>
+          </p:cNvSpPr>
+          <p:nvPr>
+            <p:ph idx="1"/>
+          </p:nvPr>
+        </p:nvSpPr>
+        <p:spPr/>
+        <p:txBody>
+          <a:bodyPr/>
+          <a:lstStyle/>
+          <a:p>
+            <a:r>
+              <a:rPr lang="zh-TW" altLang="en-US" dirty="0"/>
+              <a:t>關聯度分析圖表可以得知，其為對稱圖形，故會出現資料重複的現象，例如</a:t>
+            </a:r>
+            <a:r>
+              <a:rPr lang="en-US" altLang="zh-TW" dirty="0"/>
+              <a:t>A</a:t>
+            </a:r>
+            <a:r>
+              <a:rPr lang="zh-TW" altLang="en-US" dirty="0"/>
+              <a:t>對上</a:t>
+            </a:r>
+            <a:r>
+              <a:rPr lang="en-US" altLang="zh-TW" dirty="0"/>
+              <a:t>B</a:t>
+            </a:r>
+            <a:r>
+              <a:rPr lang="zh-TW" altLang="en-US" dirty="0"/>
+              <a:t>的關聯度與</a:t>
+            </a:r>
+            <a:r>
+              <a:rPr lang="en-US" altLang="zh-TW" dirty="0"/>
+              <a:t>B</a:t>
+            </a:r>
+            <a:r>
+              <a:rPr lang="zh-TW" altLang="en-US" dirty="0"/>
+              <a:t>對上</a:t>
+            </a:r>
+            <a:r>
+              <a:rPr lang="en-US" altLang="zh-TW" dirty="0"/>
+              <a:t>A</a:t>
+            </a:r>
+            <a:r>
+              <a:rPr lang="zh-TW" altLang="en-US" dirty="0"/>
+              <a:t>的關聯度會是相同的，所以需要將其中一筆資料刪除。</a:t>
+            </a:r>
+          </a:p>
+        </p:txBody>
+      </p:sp>
+      <p:pic>
+        <p:nvPicPr>
+          <p:cNvPr id="4" name="圖片 3">
+            <a:extLst>
+              <a:ext uri="{FF2B5EF4-FFF2-40B4-BE49-F238E27FC236}">
+                <a16:creationId xmlns:a16="http://schemas.microsoft.com/office/drawing/2014/main" id="{8CE18206-DAEF-4EDC-9F27-5BD90BD16EEA}"/>
+              </a:ext>
+            </a:extLst>
+          </p:cNvPr>
+          <p:cNvPicPr>
+            <a:picLocks noChangeAspect="1"/>
+          </p:cNvPicPr>
+          <p:nvPr/>
+        </p:nvPicPr>
+        <p:blipFill>
+          <a:blip r:embed="rId2"/>
+          <a:stretch>
+            <a:fillRect/>
+          </a:stretch>
+        </p:blipFill>
+        <p:spPr>
+          <a:xfrm>
+            <a:off x="3880284" y="2023111"/>
+            <a:ext cx="4431431" cy="4258431"/>
+          </a:xfrm>
+          <a:prstGeom prst="rect">
+            <a:avLst/>
+          </a:prstGeom>
+        </p:spPr>
+      </p:pic>
+      <p:cxnSp>
+        <p:nvCxnSpPr>
+          <p:cNvPr id="6" name="直線接點 5">
+            <a:extLst>
+              <a:ext uri="{FF2B5EF4-FFF2-40B4-BE49-F238E27FC236}">
+                <a16:creationId xmlns:a16="http://schemas.microsoft.com/office/drawing/2014/main" id="{7563F51C-A164-4500-8FED-7760A4F293E0}"/>
+              </a:ext>
+            </a:extLst>
+          </p:cNvPr>
+          <p:cNvCxnSpPr>
+            <a:cxnSpLocks/>
+          </p:cNvCxnSpPr>
+          <p:nvPr/>
+        </p:nvCxnSpPr>
+        <p:spPr>
+          <a:xfrm>
+            <a:off x="4240569" y="2760955"/>
+            <a:ext cx="2985854" cy="2965142"/>
+          </a:xfrm>
+          <a:prstGeom prst="line">
+            <a:avLst/>
+          </a:prstGeom>
+          <a:ln w="57150">
+            <a:solidFill>
+              <a:srgbClr val="FF0000"/>
+            </a:solidFill>
+          </a:ln>
+        </p:spPr>
+        <p:style>
+          <a:lnRef idx="1">
+            <a:schemeClr val="accent1"/>
+          </a:lnRef>
+          <a:fillRef idx="0">
+            <a:schemeClr val="accent1"/>
+          </a:fillRef>
+          <a:effectRef idx="0">
+            <a:schemeClr val="accent1"/>
+          </a:effectRef>
+          <a:fontRef idx="minor">
+            <a:schemeClr val="tx1"/>
+          </a:fontRef>
+        </p:style>
+      </p:cxnSp>
+      <p:cxnSp>
+        <p:nvCxnSpPr>
+          <p:cNvPr id="9" name="直線接點 8">
+            <a:extLst>
+              <a:ext uri="{FF2B5EF4-FFF2-40B4-BE49-F238E27FC236}">
+                <a16:creationId xmlns:a16="http://schemas.microsoft.com/office/drawing/2014/main" id="{EBF35399-84A9-47C4-8CD1-C1D4EAB6FB5F}"/>
+              </a:ext>
+            </a:extLst>
+          </p:cNvPr>
+          <p:cNvCxnSpPr>
+            <a:cxnSpLocks/>
+          </p:cNvCxnSpPr>
+          <p:nvPr/>
+        </p:nvCxnSpPr>
+        <p:spPr>
+          <a:xfrm flipH="1">
+            <a:off x="4240568" y="2760955"/>
+            <a:ext cx="1" cy="2974020"/>
+          </a:xfrm>
+          <a:prstGeom prst="line">
+            <a:avLst/>
+          </a:prstGeom>
+          <a:ln w="57150">
+            <a:solidFill>
+              <a:srgbClr val="FF0000"/>
+            </a:solidFill>
+          </a:ln>
+        </p:spPr>
+        <p:style>
+          <a:lnRef idx="1">
+            <a:schemeClr val="accent1"/>
+          </a:lnRef>
+          <a:fillRef idx="0">
+            <a:schemeClr val="accent1"/>
+          </a:fillRef>
+          <a:effectRef idx="0">
+            <a:schemeClr val="accent1"/>
+          </a:effectRef>
+          <a:fontRef idx="minor">
+            <a:schemeClr val="tx1"/>
+          </a:fontRef>
+        </p:style>
+      </p:cxnSp>
+      <p:cxnSp>
+        <p:nvCxnSpPr>
+          <p:cNvPr id="10" name="直線接點 9">
+            <a:extLst>
+              <a:ext uri="{FF2B5EF4-FFF2-40B4-BE49-F238E27FC236}">
+                <a16:creationId xmlns:a16="http://schemas.microsoft.com/office/drawing/2014/main" id="{3C4005AA-B1CE-413E-9332-DEBE3D97554B}"/>
+              </a:ext>
+            </a:extLst>
+          </p:cNvPr>
+          <p:cNvCxnSpPr>
+            <a:cxnSpLocks/>
+          </p:cNvCxnSpPr>
+          <p:nvPr/>
+        </p:nvCxnSpPr>
+        <p:spPr>
+          <a:xfrm>
+            <a:off x="4213934" y="5726097"/>
+            <a:ext cx="3012489" cy="0"/>
+          </a:xfrm>
+          <a:prstGeom prst="line">
+            <a:avLst/>
+          </a:prstGeom>
+          <a:ln w="57150">
+            <a:solidFill>
+              <a:srgbClr val="FF0000"/>
+            </a:solidFill>
+          </a:ln>
+        </p:spPr>
+        <p:style>
+          <a:lnRef idx="1">
+            <a:schemeClr val="accent1"/>
+          </a:lnRef>
+          <a:fillRef idx="0">
+            <a:schemeClr val="accent1"/>
+          </a:fillRef>
+          <a:effectRef idx="0">
+            <a:schemeClr val="accent1"/>
+          </a:effectRef>
+          <a:fontRef idx="minor">
+            <a:schemeClr val="tx1"/>
+          </a:fontRef>
+        </p:style>
+      </p:cxnSp>
+      <p:sp>
+        <p:nvSpPr>
+          <p:cNvPr id="23" name="文字方塊 22">
+            <a:extLst>
+              <a:ext uri="{FF2B5EF4-FFF2-40B4-BE49-F238E27FC236}">
+                <a16:creationId xmlns:a16="http://schemas.microsoft.com/office/drawing/2014/main" id="{0198ED31-C799-4295-9BED-88F958246B09}"/>
+              </a:ext>
+            </a:extLst>
+          </p:cNvPr>
+          <p:cNvSpPr txBox="1"/>
+          <p:nvPr/>
+        </p:nvSpPr>
+        <p:spPr>
+          <a:xfrm>
+            <a:off x="4602417" y="5766863"/>
+            <a:ext cx="2262158" cy="369332"/>
+          </a:xfrm>
+          <a:prstGeom prst="rect">
+            <a:avLst/>
+          </a:prstGeom>
+          <a:noFill/>
+        </p:spPr>
+        <p:txBody>
+          <a:bodyPr wrap="none" rtlCol="0">
+            <a:spAutoFit/>
+          </a:bodyPr>
+          <a:lstStyle/>
+          <a:p>
+            <a:r>
+              <a:rPr lang="zh-TW" altLang="en-US" dirty="0">
+                <a:latin typeface="微軟正黑體" panose="020B0604030504040204" pitchFamily="34" charset="-120"/>
+                <a:ea typeface="微軟正黑體" panose="020B0604030504040204" pitchFamily="34" charset="-120"/>
+              </a:rPr>
+              <a:t>只需紅色框線的資料</a:t>
+            </a:r>
+          </a:p>
+        </p:txBody>
+      </p:sp>
+    </p:spTree>
+    <p:extLst>
+      <p:ext uri="{BB962C8B-B14F-4D97-AF65-F5344CB8AC3E}">
+        <p14:creationId xmlns:p14="http://schemas.microsoft.com/office/powerpoint/2010/main" val="1882831114"/>
+      </p:ext>
+    </p:extLst>
+  </p:cSld>
+  <p:clrMapOvr>
+    <a:masterClrMapping/>
+  </p:clrMapOvr>
+</p:sld>
+</file>
+
+<file path=ppt/slides/slide13.xml><?xml version="1.0" encoding="utf-8"?>
+<p:sld xmlns:a="http://schemas.openxmlformats.org/drawingml/2006/main" xmlns:r="http://schemas.openxmlformats.org/officeDocument/2006/relationships" xmlns:p="http://schemas.openxmlformats.org/presentationml/2006/main">
+  <p:cSld>
+    <p:spTree>
+      <p:nvGrpSpPr>
+        <p:cNvPr id="1" name=""/>
+        <p:cNvGrpSpPr/>
+        <p:nvPr/>
+      </p:nvGrpSpPr>
+      <p:grpSpPr>
+        <a:xfrm>
+          <a:off x="0" y="0"/>
+          <a:ext cx="0" cy="0"/>
+          <a:chOff x="0" y="0"/>
+          <a:chExt cx="0" cy="0"/>
+        </a:xfrm>
+      </p:grpSpPr>
+      <p:sp>
+        <p:nvSpPr>
+          <p:cNvPr id="2" name="標題 1">
+            <a:extLst>
+              <a:ext uri="{FF2B5EF4-FFF2-40B4-BE49-F238E27FC236}">
+                <a16:creationId xmlns:a16="http://schemas.microsoft.com/office/drawing/2014/main" id="{00DA7AD9-8197-47C7-9116-CC21D6315484}"/>
+              </a:ext>
+            </a:extLst>
+          </p:cNvPr>
+          <p:cNvSpPr>
+            <a:spLocks noGrp="1"/>
+          </p:cNvSpPr>
+          <p:nvPr>
+            <p:ph type="title"/>
+          </p:nvPr>
+        </p:nvSpPr>
+        <p:spPr/>
+        <p:txBody>
+          <a:bodyPr/>
+          <a:lstStyle/>
+          <a:p>
+            <a:r>
+              <a:rPr lang="zh-TW" altLang="en-US" dirty="0"/>
+              <a:t>與</a:t>
+            </a:r>
+            <a:r>
+              <a:rPr lang="en-US" altLang="zh-TW" dirty="0"/>
+              <a:t>Y</a:t>
+            </a:r>
+            <a:r>
+              <a:rPr lang="zh-TW" altLang="en-US" dirty="0"/>
+              <a:t>之間的相關度</a:t>
+            </a:r>
+            <a:r>
+              <a:rPr lang="en-US" altLang="zh-TW" dirty="0"/>
+              <a:t>-corr_col.docx</a:t>
+            </a:r>
+            <a:endParaRPr lang="zh-TW" altLang="en-US" dirty="0"/>
+          </a:p>
+        </p:txBody>
+      </p:sp>
+      <p:sp>
+        <p:nvSpPr>
+          <p:cNvPr id="3" name="內容版面配置區 2">
+            <a:extLst>
+              <a:ext uri="{FF2B5EF4-FFF2-40B4-BE49-F238E27FC236}">
+                <a16:creationId xmlns:a16="http://schemas.microsoft.com/office/drawing/2014/main" id="{98C5A778-E8ED-4C7A-8FD5-BEE4E4D5CEDC}"/>
+              </a:ext>
+            </a:extLst>
+          </p:cNvPr>
+          <p:cNvSpPr>
+            <a:spLocks noGrp="1"/>
+          </p:cNvSpPr>
+          <p:nvPr>
+            <p:ph idx="1"/>
+          </p:nvPr>
+        </p:nvSpPr>
+        <p:spPr/>
+        <p:txBody>
+          <a:bodyPr/>
+          <a:lstStyle/>
+          <a:p>
+            <a:pPr lvl="0"/>
+            <a:r>
+              <a:rPr lang="en-US" altLang="zh-TW" dirty="0"/>
+              <a:t>COLUMNS : Latch:_LA_269353069_DiePlacementOnStripX;_CEID15652.11</a:t>
+            </a:r>
+            <a:endParaRPr lang="zh-TW" altLang="zh-TW" dirty="0"/>
+          </a:p>
+          <a:p>
+            <a:pPr lvl="0"/>
+            <a:r>
+              <a:rPr lang="en-US" altLang="zh-TW" dirty="0"/>
+              <a:t>CORR : ['Sig:_</a:t>
+            </a:r>
+            <a:r>
+              <a:rPr lang="en-US" altLang="zh-TW" dirty="0" err="1"/>
+              <a:t>BondProcess_PBIDiePlacementOnStripX_uM</a:t>
+            </a:r>
+            <a:r>
+              <a:rPr lang="en-US" altLang="zh-TW" dirty="0"/>
+              <a:t>_(</a:t>
+            </a:r>
+            <a:r>
+              <a:rPr lang="en-US" altLang="zh-TW" dirty="0" err="1"/>
+              <a:t>post_Step</a:t>
+            </a:r>
+            <a:r>
+              <a:rPr lang="en-US" altLang="zh-TW" dirty="0"/>
+              <a:t>)’]</a:t>
+            </a:r>
+          </a:p>
+          <a:p>
+            <a:pPr marL="0" lvl="0" indent="0">
+              <a:buNone/>
+            </a:pPr>
+            <a:endParaRPr lang="zh-TW" altLang="zh-TW" dirty="0"/>
+          </a:p>
+          <a:p>
+            <a:pPr lvl="0"/>
+            <a:r>
+              <a:rPr lang="en-US" altLang="zh-TW" dirty="0"/>
+              <a:t>COLUMNS : Latch:_LA_269353070_DiePlacementOnStripY;_CEID15652.12</a:t>
+            </a:r>
+            <a:endParaRPr lang="zh-TW" altLang="zh-TW" dirty="0"/>
+          </a:p>
+          <a:p>
+            <a:pPr lvl="0"/>
+            <a:r>
+              <a:rPr lang="en-US" altLang="zh-TW" dirty="0"/>
+              <a:t>CORR : ['Sig:_</a:t>
+            </a:r>
+            <a:r>
+              <a:rPr lang="en-US" altLang="zh-TW" dirty="0" err="1"/>
+              <a:t>BondProcess_PBIDiePlacementOnStripY_uM</a:t>
+            </a:r>
+            <a:r>
+              <a:rPr lang="en-US" altLang="zh-TW" dirty="0"/>
+              <a:t>_(</a:t>
+            </a:r>
+            <a:r>
+              <a:rPr lang="en-US" altLang="zh-TW" dirty="0" err="1"/>
+              <a:t>post_Step</a:t>
+            </a:r>
+            <a:r>
+              <a:rPr lang="en-US" altLang="zh-TW" dirty="0"/>
+              <a:t>)']</a:t>
+            </a:r>
+            <a:endParaRPr lang="zh-TW" altLang="zh-TW" dirty="0"/>
+          </a:p>
+          <a:p>
+            <a:endParaRPr lang="zh-TW" altLang="en-US" dirty="0"/>
+          </a:p>
+        </p:txBody>
+      </p:sp>
+    </p:spTree>
+    <p:extLst>
+      <p:ext uri="{BB962C8B-B14F-4D97-AF65-F5344CB8AC3E}">
+        <p14:creationId xmlns:p14="http://schemas.microsoft.com/office/powerpoint/2010/main" val="423051455"/>
+      </p:ext>
+    </p:extLst>
+  </p:cSld>
+  <p:clrMapOvr>
+    <a:masterClrMapping/>
+  </p:clrMapOvr>
+</p:sld>
+</file>
+
+<file path=ppt/slides/slide14.xml><?xml version="1.0" encoding="utf-8"?>
+<p:sld xmlns:a="http://schemas.openxmlformats.org/drawingml/2006/main" xmlns:r="http://schemas.openxmlformats.org/officeDocument/2006/relationships" xmlns:p="http://schemas.openxmlformats.org/presentationml/2006/main">
+  <p:cSld>
+    <p:spTree>
+      <p:nvGrpSpPr>
+        <p:cNvPr id="1" name=""/>
+        <p:cNvGrpSpPr/>
+        <p:nvPr/>
+      </p:nvGrpSpPr>
+      <p:grpSpPr>
+        <a:xfrm>
+          <a:off x="0" y="0"/>
+          <a:ext cx="0" cy="0"/>
+          <a:chOff x="0" y="0"/>
+          <a:chExt cx="0" cy="0"/>
+        </a:xfrm>
+      </p:grpSpPr>
+      <p:sp>
+        <p:nvSpPr>
+          <p:cNvPr id="2" name="標題 1">
+            <a:extLst>
+              <a:ext uri="{FF2B5EF4-FFF2-40B4-BE49-F238E27FC236}">
+                <a16:creationId xmlns:a16="http://schemas.microsoft.com/office/drawing/2014/main" id="{00BBD7E7-5835-487C-8D4E-286AF1F0FFF7}"/>
+              </a:ext>
+            </a:extLst>
+          </p:cNvPr>
+          <p:cNvSpPr>
+            <a:spLocks noGrp="1"/>
+          </p:cNvSpPr>
+          <p:nvPr>
+            <p:ph type="title"/>
+          </p:nvPr>
+        </p:nvSpPr>
+        <p:spPr/>
+        <p:txBody>
+          <a:bodyPr/>
+          <a:lstStyle/>
+          <a:p>
+            <a:endParaRPr lang="zh-TW" altLang="en-US" dirty="0"/>
+          </a:p>
+        </p:txBody>
+      </p:sp>
+      <p:sp>
+        <p:nvSpPr>
+          <p:cNvPr id="3" name="內容版面配置區 2">
+            <a:extLst>
+              <a:ext uri="{FF2B5EF4-FFF2-40B4-BE49-F238E27FC236}">
+                <a16:creationId xmlns:a16="http://schemas.microsoft.com/office/drawing/2014/main" id="{CB506DFC-C162-4685-BF70-4EFB1819C5B5}"/>
+              </a:ext>
+            </a:extLst>
+          </p:cNvPr>
+          <p:cNvSpPr>
+            <a:spLocks noGrp="1"/>
+          </p:cNvSpPr>
+          <p:nvPr>
+            <p:ph idx="1"/>
+          </p:nvPr>
+        </p:nvSpPr>
+        <p:spPr/>
+        <p:txBody>
+          <a:bodyPr/>
+          <a:lstStyle/>
+          <a:p>
+            <a:r>
+              <a:rPr lang="en-US" altLang="zh-TW" dirty="0">
+                <a:hlinkClick r:id="rId2"/>
+              </a:rPr>
+              <a:t>WM-811k </a:t>
+            </a:r>
+            <a:r>
+              <a:rPr lang="en-US" altLang="zh-TW" dirty="0" err="1">
+                <a:hlinkClick r:id="rId2"/>
+              </a:rPr>
+              <a:t>Wafermap</a:t>
+            </a:r>
+            <a:r>
+              <a:rPr lang="en-US" altLang="zh-TW" dirty="0">
+                <a:hlinkClick r:id="rId2"/>
+              </a:rPr>
+              <a:t> | Kaggle</a:t>
+            </a:r>
+            <a:endParaRPr lang="en-US" altLang="zh-TW" dirty="0"/>
+          </a:p>
+          <a:p>
+            <a:r>
+              <a:rPr lang="en-US" altLang="zh-TW" dirty="0">
+                <a:hlinkClick r:id="rId3"/>
+              </a:rPr>
+              <a:t>https://www.kaggle.com/amirrezaeian/time-series-data-analysis-using-lstm-tutorial</a:t>
+            </a:r>
+            <a:endParaRPr lang="en-US" altLang="zh-TW" dirty="0"/>
+          </a:p>
+          <a:p>
+            <a:r>
+              <a:rPr lang="en-US" altLang="zh-CN" dirty="0">
+                <a:hlinkClick r:id="rId4"/>
+              </a:rPr>
+              <a:t>【Python】</a:t>
+            </a:r>
+            <a:r>
+              <a:rPr lang="zh-CN" altLang="en-US" dirty="0">
+                <a:hlinkClick r:id="rId4"/>
+              </a:rPr>
+              <a:t>基于多列组合删除数据框中的重复值</a:t>
+            </a:r>
+            <a:r>
+              <a:rPr lang="en-US" altLang="zh-CN" dirty="0">
+                <a:hlinkClick r:id="rId4"/>
+              </a:rPr>
+              <a:t>_</a:t>
+            </a:r>
+            <a:r>
+              <a:rPr lang="zh-CN" altLang="en-US" dirty="0">
+                <a:hlinkClick r:id="rId4"/>
+              </a:rPr>
+              <a:t>阿黎逸阳的博客</a:t>
+            </a:r>
+            <a:r>
+              <a:rPr lang="en-US" altLang="zh-CN" dirty="0">
+                <a:hlinkClick r:id="rId4"/>
+              </a:rPr>
+              <a:t>-CSDN</a:t>
+            </a:r>
+            <a:r>
+              <a:rPr lang="zh-CN" altLang="en-US" dirty="0">
+                <a:hlinkClick r:id="rId4"/>
+              </a:rPr>
+              <a:t>博客</a:t>
+            </a:r>
+            <a:endParaRPr lang="en-US" altLang="zh-TW" dirty="0"/>
+          </a:p>
+          <a:p>
+            <a:endParaRPr lang="zh-TW" altLang="en-US" dirty="0"/>
+          </a:p>
+        </p:txBody>
+      </p:sp>
+    </p:spTree>
+    <p:extLst>
+      <p:ext uri="{BB962C8B-B14F-4D97-AF65-F5344CB8AC3E}">
+        <p14:creationId xmlns:p14="http://schemas.microsoft.com/office/powerpoint/2010/main" val="2631427456"/>
       </p:ext>
     </p:extLst>
   </p:cSld>
@@ -3435,6 +5201,136 @@
           <p:cNvPr id="2" name="標題 1">
             <a:extLst>
               <a:ext uri="{FF2B5EF4-FFF2-40B4-BE49-F238E27FC236}">
+                <a16:creationId xmlns:a16="http://schemas.microsoft.com/office/drawing/2014/main" id="{E8E5B396-238C-4E53-B38B-97C5CF149789}"/>
+              </a:ext>
+            </a:extLst>
+          </p:cNvPr>
+          <p:cNvSpPr>
+            <a:spLocks noGrp="1"/>
+          </p:cNvSpPr>
+          <p:nvPr>
+            <p:ph type="title"/>
+          </p:nvPr>
+        </p:nvSpPr>
+        <p:spPr/>
+        <p:txBody>
+          <a:bodyPr/>
+          <a:lstStyle/>
+          <a:p>
+            <a:r>
+              <a:rPr lang="en-US" altLang="zh-TW" dirty="0" err="1"/>
+              <a:t>Serial_number</a:t>
+            </a:r>
+            <a:endParaRPr lang="zh-TW" altLang="en-US" dirty="0"/>
+          </a:p>
+        </p:txBody>
+      </p:sp>
+      <p:sp>
+        <p:nvSpPr>
+          <p:cNvPr id="3" name="內容版面配置區 2">
+            <a:extLst>
+              <a:ext uri="{FF2B5EF4-FFF2-40B4-BE49-F238E27FC236}">
+                <a16:creationId xmlns:a16="http://schemas.microsoft.com/office/drawing/2014/main" id="{8C7CB6F6-78EB-41D7-A66B-01A44E91FDD2}"/>
+              </a:ext>
+            </a:extLst>
+          </p:cNvPr>
+          <p:cNvSpPr>
+            <a:spLocks noGrp="1"/>
+          </p:cNvSpPr>
+          <p:nvPr>
+            <p:ph idx="1"/>
+          </p:nvPr>
+        </p:nvSpPr>
+        <p:spPr/>
+        <p:txBody>
+          <a:bodyPr/>
+          <a:lstStyle/>
+          <a:p>
+            <a:r>
+              <a:rPr lang="zh-TW" altLang="en-US" dirty="0"/>
+              <a:t>流水號</a:t>
+            </a:r>
+            <a:r>
+              <a:rPr lang="en-US" altLang="zh-TW" dirty="0"/>
+              <a:t>0~23</a:t>
+            </a:r>
+            <a:r>
+              <a:rPr lang="zh-TW" altLang="en-US" dirty="0"/>
+              <a:t>變換一個</a:t>
+            </a:r>
+            <a:r>
+              <a:rPr lang="en-US" altLang="zh-TW" dirty="0"/>
+              <a:t>wafer</a:t>
+            </a:r>
+            <a:endParaRPr lang="zh-TW" altLang="en-US" dirty="0"/>
+          </a:p>
+        </p:txBody>
+      </p:sp>
+      <p:pic>
+        <p:nvPicPr>
+          <p:cNvPr id="4" name="圖片 3">
+            <a:extLst>
+              <a:ext uri="{FF2B5EF4-FFF2-40B4-BE49-F238E27FC236}">
+                <a16:creationId xmlns:a16="http://schemas.microsoft.com/office/drawing/2014/main" id="{5F9646E6-2227-4926-9C53-EBFB94D23BBD}"/>
+              </a:ext>
+            </a:extLst>
+          </p:cNvPr>
+          <p:cNvPicPr>
+            <a:picLocks noChangeAspect="1"/>
+          </p:cNvPicPr>
+          <p:nvPr/>
+        </p:nvPicPr>
+        <p:blipFill>
+          <a:blip r:embed="rId2"/>
+          <a:stretch>
+            <a:fillRect/>
+          </a:stretch>
+        </p:blipFill>
+        <p:spPr>
+          <a:xfrm>
+            <a:off x="7855714" y="628223"/>
+            <a:ext cx="1611842" cy="5601553"/>
+          </a:xfrm>
+          <a:prstGeom prst="rect">
+            <a:avLst/>
+          </a:prstGeom>
+        </p:spPr>
+      </p:pic>
+    </p:spTree>
+    <p:extLst>
+      <p:ext uri="{BB962C8B-B14F-4D97-AF65-F5344CB8AC3E}">
+        <p14:creationId xmlns:p14="http://schemas.microsoft.com/office/powerpoint/2010/main" val="2826675282"/>
+      </p:ext>
+    </p:extLst>
+  </p:cSld>
+  <p:clrMapOvr>
+    <a:masterClrMapping/>
+  </p:clrMapOvr>
+</p:sld>
+</file>
+
+<file path=ppt/slides/slide3.xml><?xml version="1.0" encoding="utf-8"?>
+<p:sld xmlns:a="http://schemas.openxmlformats.org/drawingml/2006/main" xmlns:r="http://schemas.openxmlformats.org/officeDocument/2006/relationships" xmlns:p="http://schemas.openxmlformats.org/presentationml/2006/main">
+  <p:cSld>
+    <p:spTree>
+      <p:nvGrpSpPr>
+        <p:cNvPr id="1" name=""/>
+        <p:cNvGrpSpPr/>
+        <p:nvPr/>
+      </p:nvGrpSpPr>
+      <p:grpSpPr>
+        <a:xfrm>
+          <a:off x="0" y="0"/>
+          <a:ext cx="0" cy="0"/>
+          <a:chOff x="0" y="0"/>
+          <a:chExt cx="0" cy="0"/>
+        </a:xfrm>
+      </p:grpSpPr>
+      <p:sp>
+        <p:nvSpPr>
+          <p:cNvPr id="2" name="標題 1">
+            <a:extLst>
+              <a:ext uri="{FF2B5EF4-FFF2-40B4-BE49-F238E27FC236}">
                 <a16:creationId xmlns:a16="http://schemas.microsoft.com/office/drawing/2014/main" id="{A8191216-F30E-4E75-8CB0-57C08FD06D3B}"/>
               </a:ext>
             </a:extLst>
@@ -3451,7 +5347,27 @@
           <a:bodyPr/>
           <a:lstStyle/>
           <a:p>
-            <a:endParaRPr lang="zh-TW" altLang="en-US"/>
+            <a:r>
+              <a:rPr lang="en-US" altLang="zh-TW" dirty="0" err="1"/>
+              <a:t>DevicePositionX</a:t>
+            </a:r>
+            <a:r>
+              <a:rPr lang="zh-TW" altLang="en-US" dirty="0"/>
+              <a:t> </a:t>
+            </a:r>
+            <a:r>
+              <a:rPr lang="en-US" altLang="zh-TW" dirty="0"/>
+              <a:t>&amp;</a:t>
+            </a:r>
+            <a:r>
+              <a:rPr lang="zh-TW" altLang="en-US" dirty="0"/>
+              <a:t> </a:t>
+            </a:r>
+            <a:r>
+              <a:rPr lang="en-US" altLang="zh-TW" dirty="0"/>
+              <a:t>Y</a:t>
+            </a:r>
+            <a:endParaRPr lang="zh-TW" altLang="en-US" dirty="0"/>
           </a:p>
         </p:txBody>
       </p:sp>
@@ -3475,12 +5391,6 @@
         <p:txBody>
           <a:bodyPr/>
           <a:lstStyle/>
-          <a:p>
-            <a:r>
-              <a:rPr lang="en-US" altLang="zh-TW" dirty="0"/>
-              <a:t>Latch:_LA_269353054_DevicePositionXOnLFAtP1;_CEID15651.4 Latch:_LA_269353055_DevicePositionYOnLFAtP1;_CEID15651.5 </a:t>
-            </a:r>
-          </a:p>
           <a:p>
             <a:r>
               <a:rPr lang="en-US" altLang="zh-TW" dirty="0"/>
@@ -3513,16 +5423,12 @@
             <a:graphicFrameLocks noGrp="1"/>
           </p:cNvGraphicFramePr>
           <p:nvPr>
-            <p:extLst>
-              <p:ext uri="{D42A27DB-BD31-4B8C-83A1-F6EECF244321}">
-                <p14:modId xmlns:p14="http://schemas.microsoft.com/office/powerpoint/2010/main" val="193908949"/>
-              </p:ext>
-            </p:extLst>
+            <p:extLst/>
           </p:nvPr>
         </p:nvGraphicFramePr>
         <p:xfrm>
-          <a:off x="3231471" y="2301535"/>
-          <a:ext cx="2716568" cy="3704031"/>
+          <a:off x="3379431" y="1576984"/>
+          <a:ext cx="3909136" cy="4495338"/>
         </p:xfrm>
         <a:graphic>
           <a:graphicData uri="http://schemas.openxmlformats.org/drawingml/2006/table">
@@ -3531,28 +5437,28 @@
                 <a:tableStyleId>{5940675A-B579-460E-94D1-54222C63F5DA}</a:tableStyleId>
               </a:tblPr>
               <a:tblGrid>
-                <a:gridCol w="679142">
+                <a:gridCol w="977284">
                   <a:extLst>
                     <a:ext uri="{9D8B030D-6E8A-4147-A177-3AD203B41FA5}">
                       <a16:colId xmlns:a16="http://schemas.microsoft.com/office/drawing/2014/main" val="1603489184"/>
                     </a:ext>
                   </a:extLst>
                 </a:gridCol>
-                <a:gridCol w="679142">
+                <a:gridCol w="977284">
                   <a:extLst>
                     <a:ext uri="{9D8B030D-6E8A-4147-A177-3AD203B41FA5}">
                       <a16:colId xmlns:a16="http://schemas.microsoft.com/office/drawing/2014/main" val="1199542"/>
                     </a:ext>
                   </a:extLst>
                 </a:gridCol>
-                <a:gridCol w="679142">
+                <a:gridCol w="977284">
                   <a:extLst>
                     <a:ext uri="{9D8B030D-6E8A-4147-A177-3AD203B41FA5}">
                       <a16:colId xmlns:a16="http://schemas.microsoft.com/office/drawing/2014/main" val="1952073127"/>
                     </a:ext>
                   </a:extLst>
                 </a:gridCol>
-                <a:gridCol w="679142">
+                <a:gridCol w="977284">
                   <a:extLst>
                     <a:ext uri="{9D8B030D-6E8A-4147-A177-3AD203B41FA5}">
                       <a16:colId xmlns:a16="http://schemas.microsoft.com/office/drawing/2014/main" val="1799134384"/>
@@ -3560,12 +5466,13 @@
                   </a:extLst>
                 </a:gridCol>
               </a:tblGrid>
-              <a:tr h="411559">
+              <a:tr h="499482">
                 <a:tc>
                   <a:txBody>
                     <a:bodyPr/>
                     <a:lstStyle/>
                     <a:p>
+                      <a:pPr algn="ctr"/>
                       <a:endParaRPr lang="zh-TW" altLang="en-US" dirty="0"/>
                     </a:p>
                   </a:txBody>
@@ -3622,7 +5529,7 @@
                   </a:ext>
                 </a:extLst>
               </a:tr>
-              <a:tr h="411559">
+              <a:tr h="499482">
                 <a:tc>
                   <a:txBody>
                     <a:bodyPr/>
@@ -3636,37 +5543,73 @@
                       <a:endParaRPr lang="zh-TW" altLang="en-US" dirty="0"/>
                     </a:p>
                   </a:txBody>
-                  <a:tcPr/>
+                  <a:tcPr anchor="ctr"/>
                 </a:tc>
                 <a:tc>
                   <a:txBody>
                     <a:bodyPr/>
                     <a:lstStyle/>
                     <a:p>
+                      <a:pPr algn="ctr"/>
                       <a:endParaRPr lang="zh-TW" altLang="en-US" dirty="0"/>
                     </a:p>
                   </a:txBody>
-                  <a:tcPr/>
+                  <a:tcPr anchor="ctr">
+                    <a:cell3D prstMaterial="dkEdge">
+                      <a:bevel prst="convex"/>
+                      <a:lightRig rig="flood" dir="t"/>
+                    </a:cell3D>
+                    <a:solidFill>
+                      <a:schemeClr val="accent4">
+                        <a:lumMod val="60000"/>
+                        <a:lumOff val="40000"/>
+                      </a:schemeClr>
+                    </a:solidFill>
+                  </a:tcPr>
                 </a:tc>
                 <a:tc>
                   <a:txBody>
                     <a:bodyPr/>
                     <a:lstStyle/>
                     <a:p>
-                      <a:endParaRPr lang="zh-TW" altLang="en-US"/>
+                      <a:pPr algn="ctr"/>
+                      <a:endParaRPr lang="zh-TW" altLang="en-US" dirty="0"/>
                     </a:p>
                   </a:txBody>
-                  <a:tcPr/>
+                  <a:tcPr anchor="ctr">
+                    <a:cell3D prstMaterial="dkEdge">
+                      <a:bevel prst="convex"/>
+                      <a:lightRig rig="flood" dir="t"/>
+                    </a:cell3D>
+                    <a:solidFill>
+                      <a:schemeClr val="accent4">
+                        <a:lumMod val="60000"/>
+                        <a:lumOff val="40000"/>
+                      </a:schemeClr>
+                    </a:solidFill>
+                  </a:tcPr>
                 </a:tc>
                 <a:tc>
                   <a:txBody>
                     <a:bodyPr/>
                     <a:lstStyle/>
                     <a:p>
-                      <a:endParaRPr lang="zh-TW" altLang="en-US"/>
+                      <a:pPr algn="ctr"/>
+                      <a:endParaRPr lang="zh-TW" altLang="en-US" dirty="0"/>
                     </a:p>
                   </a:txBody>
-                  <a:tcPr/>
+                  <a:tcPr anchor="ctr">
+                    <a:cell3D prstMaterial="dkEdge">
+                      <a:bevel prst="convex"/>
+                      <a:lightRig rig="flood" dir="t"/>
+                    </a:cell3D>
+                    <a:solidFill>
+                      <a:schemeClr val="accent4">
+                        <a:lumMod val="60000"/>
+                        <a:lumOff val="40000"/>
+                      </a:schemeClr>
+                    </a:solidFill>
+                  </a:tcPr>
                 </a:tc>
                 <a:extLst>
                   <a:ext uri="{0D108BD9-81ED-4DB2-BD59-A6C34878D82A}">
@@ -3674,7 +5617,7 @@
                   </a:ext>
                 </a:extLst>
               </a:tr>
-              <a:tr h="411559">
+              <a:tr h="499482">
                 <a:tc>
                   <a:txBody>
                     <a:bodyPr/>
@@ -3688,37 +5631,73 @@
                       <a:endParaRPr lang="zh-TW" altLang="en-US" dirty="0"/>
                     </a:p>
                   </a:txBody>
-                  <a:tcPr/>
+                  <a:tcPr anchor="ctr"/>
                 </a:tc>
                 <a:tc>
                   <a:txBody>
                     <a:bodyPr/>
                     <a:lstStyle/>
                     <a:p>
-                      <a:endParaRPr lang="zh-TW" altLang="en-US"/>
+                      <a:pPr algn="ctr"/>
+                      <a:endParaRPr lang="zh-TW" altLang="en-US" dirty="0"/>
                     </a:p>
                   </a:txBody>
-                  <a:tcPr/>
+                  <a:tcPr anchor="ctr">
+                    <a:cell3D prstMaterial="dkEdge">
+                      <a:bevel prst="convex"/>
+                      <a:lightRig rig="flood" dir="t"/>
+                    </a:cell3D>
+                    <a:solidFill>
+                      <a:schemeClr val="accent4">
+                        <a:lumMod val="60000"/>
+                        <a:lumOff val="40000"/>
+                      </a:schemeClr>
+                    </a:solidFill>
+                  </a:tcPr>
                 </a:tc>
                 <a:tc>
                   <a:txBody>
                     <a:bodyPr/>
                     <a:lstStyle/>
                     <a:p>
-                      <a:endParaRPr lang="zh-TW" altLang="en-US"/>
+                      <a:pPr algn="ctr"/>
+                      <a:endParaRPr lang="zh-TW" altLang="en-US" dirty="0"/>
                     </a:p>
                   </a:txBody>
-                  <a:tcPr/>
+                  <a:tcPr anchor="ctr">
+                    <a:cell3D prstMaterial="dkEdge">
+                      <a:bevel prst="convex"/>
+                      <a:lightRig rig="flood" dir="t"/>
+                    </a:cell3D>
+                    <a:solidFill>
+                      <a:schemeClr val="accent4">
+                        <a:lumMod val="60000"/>
+                        <a:lumOff val="40000"/>
+                      </a:schemeClr>
+                    </a:solidFill>
+                  </a:tcPr>
                 </a:tc>
                 <a:tc>
                   <a:txBody>
                     <a:bodyPr/>
                     <a:lstStyle/>
                     <a:p>
-                      <a:endParaRPr lang="zh-TW" altLang="en-US"/>
+                      <a:pPr algn="ctr"/>
+                      <a:endParaRPr lang="zh-TW" altLang="en-US" dirty="0"/>
                     </a:p>
                   </a:txBody>
-                  <a:tcPr/>
+                  <a:tcPr anchor="ctr">
+                    <a:cell3D prstMaterial="dkEdge">
+                      <a:bevel prst="convex"/>
+                      <a:lightRig rig="flood" dir="t"/>
+                    </a:cell3D>
+                    <a:solidFill>
+                      <a:schemeClr val="accent4">
+                        <a:lumMod val="60000"/>
+                        <a:lumOff val="40000"/>
+                      </a:schemeClr>
+                    </a:solidFill>
+                  </a:tcPr>
                 </a:tc>
                 <a:extLst>
                   <a:ext uri="{0D108BD9-81ED-4DB2-BD59-A6C34878D82A}">
@@ -3726,7 +5705,7 @@
                   </a:ext>
                 </a:extLst>
               </a:tr>
-              <a:tr h="411559">
+              <a:tr h="499482">
                 <a:tc>
                   <a:txBody>
                     <a:bodyPr/>
@@ -3740,37 +5719,73 @@
                       <a:endParaRPr lang="zh-TW" altLang="en-US" dirty="0"/>
                     </a:p>
                   </a:txBody>
-                  <a:tcPr/>
+                  <a:tcPr anchor="ctr"/>
                 </a:tc>
                 <a:tc>
                   <a:txBody>
                     <a:bodyPr/>
                     <a:lstStyle/>
                     <a:p>
+                      <a:pPr algn="ctr"/>
                       <a:endParaRPr lang="zh-TW" altLang="en-US"/>
                     </a:p>
                   </a:txBody>
-                  <a:tcPr/>
+                  <a:tcPr anchor="ctr">
+                    <a:cell3D prstMaterial="dkEdge">
+                      <a:bevel prst="convex"/>
+                      <a:lightRig rig="flood" dir="t"/>
+                    </a:cell3D>
+                    <a:solidFill>
+                      <a:schemeClr val="accent4">
+                        <a:lumMod val="60000"/>
+                        <a:lumOff val="40000"/>
+                      </a:schemeClr>
+                    </a:solidFill>
+                  </a:tcPr>
                 </a:tc>
                 <a:tc>
                   <a:txBody>
                     <a:bodyPr/>
                     <a:lstStyle/>
                     <a:p>
-                      <a:endParaRPr lang="zh-TW" altLang="en-US"/>
+                      <a:pPr algn="ctr"/>
+                      <a:endParaRPr lang="zh-TW" altLang="en-US" dirty="0"/>
                     </a:p>
                   </a:txBody>
-                  <a:tcPr/>
+                  <a:tcPr anchor="ctr">
+                    <a:cell3D prstMaterial="dkEdge">
+                      <a:bevel prst="convex"/>
+                      <a:lightRig rig="flood" dir="t"/>
+                    </a:cell3D>
+                    <a:solidFill>
+                      <a:schemeClr val="accent4">
+                        <a:lumMod val="60000"/>
+                        <a:lumOff val="40000"/>
+                      </a:schemeClr>
+                    </a:solidFill>
+                  </a:tcPr>
                 </a:tc>
                 <a:tc>
                   <a:txBody>
                     <a:bodyPr/>
                     <a:lstStyle/>
                     <a:p>
-                      <a:endParaRPr lang="zh-TW" altLang="en-US"/>
+                      <a:pPr algn="ctr"/>
+                      <a:endParaRPr lang="zh-TW" altLang="en-US" dirty="0"/>
                     </a:p>
                   </a:txBody>
-                  <a:tcPr/>
+                  <a:tcPr anchor="ctr">
+                    <a:cell3D prstMaterial="dkEdge">
+                      <a:bevel prst="convex"/>
+                      <a:lightRig rig="flood" dir="t"/>
+                    </a:cell3D>
+                    <a:solidFill>
+                      <a:schemeClr val="accent4">
+                        <a:lumMod val="60000"/>
+                        <a:lumOff val="40000"/>
+                      </a:schemeClr>
+                    </a:solidFill>
+                  </a:tcPr>
                 </a:tc>
                 <a:extLst>
                   <a:ext uri="{0D108BD9-81ED-4DB2-BD59-A6C34878D82A}">
@@ -3778,7 +5793,7 @@
                   </a:ext>
                 </a:extLst>
               </a:tr>
-              <a:tr h="411559">
+              <a:tr h="499482">
                 <a:tc>
                   <a:txBody>
                     <a:bodyPr/>
@@ -3792,37 +5807,73 @@
                       <a:endParaRPr lang="zh-TW" altLang="en-US" dirty="0"/>
                     </a:p>
                   </a:txBody>
-                  <a:tcPr/>
+                  <a:tcPr anchor="ctr"/>
                 </a:tc>
                 <a:tc>
                   <a:txBody>
                     <a:bodyPr/>
                     <a:lstStyle/>
                     <a:p>
+                      <a:pPr algn="ctr"/>
                       <a:endParaRPr lang="zh-TW" altLang="en-US"/>
                     </a:p>
                   </a:txBody>
-                  <a:tcPr/>
+                  <a:tcPr anchor="ctr">
+                    <a:cell3D prstMaterial="dkEdge">
+                      <a:bevel prst="convex"/>
+                      <a:lightRig rig="flood" dir="t"/>
+                    </a:cell3D>
+                    <a:solidFill>
+                      <a:schemeClr val="accent4">
+                        <a:lumMod val="60000"/>
+                        <a:lumOff val="40000"/>
+                      </a:schemeClr>
+                    </a:solidFill>
+                  </a:tcPr>
                 </a:tc>
                 <a:tc>
                   <a:txBody>
                     <a:bodyPr/>
                     <a:lstStyle/>
                     <a:p>
-                      <a:endParaRPr lang="zh-TW" altLang="en-US"/>
+                      <a:pPr algn="ctr"/>
+                      <a:endParaRPr lang="zh-TW" altLang="en-US" dirty="0"/>
                     </a:p>
                   </a:txBody>
-                  <a:tcPr/>
+                  <a:tcPr anchor="ctr">
+                    <a:cell3D prstMaterial="dkEdge">
+                      <a:bevel prst="convex"/>
+                      <a:lightRig rig="flood" dir="t"/>
+                    </a:cell3D>
+                    <a:solidFill>
+                      <a:schemeClr val="accent4">
+                        <a:lumMod val="60000"/>
+                        <a:lumOff val="40000"/>
+                      </a:schemeClr>
+                    </a:solidFill>
+                  </a:tcPr>
                 </a:tc>
                 <a:tc>
                   <a:txBody>
                     <a:bodyPr/>
                     <a:lstStyle/>
                     <a:p>
-                      <a:endParaRPr lang="zh-TW" altLang="en-US"/>
+                      <a:pPr algn="ctr"/>
+                      <a:endParaRPr lang="zh-TW" altLang="en-US" dirty="0"/>
                     </a:p>
                   </a:txBody>
-                  <a:tcPr/>
+                  <a:tcPr anchor="ctr">
+                    <a:cell3D prstMaterial="dkEdge">
+                      <a:bevel prst="convex"/>
+                      <a:lightRig rig="flood" dir="t"/>
+                    </a:cell3D>
+                    <a:solidFill>
+                      <a:schemeClr val="accent4">
+                        <a:lumMod val="60000"/>
+                        <a:lumOff val="40000"/>
+                      </a:schemeClr>
+                    </a:solidFill>
+                  </a:tcPr>
                 </a:tc>
                 <a:extLst>
                   <a:ext uri="{0D108BD9-81ED-4DB2-BD59-A6C34878D82A}">
@@ -3830,7 +5881,7 @@
                   </a:ext>
                 </a:extLst>
               </a:tr>
-              <a:tr h="411559">
+              <a:tr h="499482">
                 <a:tc>
                   <a:txBody>
                     <a:bodyPr/>
@@ -3844,37 +5895,73 @@
                       <a:endParaRPr lang="zh-TW" altLang="en-US" dirty="0"/>
                     </a:p>
                   </a:txBody>
-                  <a:tcPr/>
+                  <a:tcPr anchor="ctr"/>
                 </a:tc>
                 <a:tc>
                   <a:txBody>
                     <a:bodyPr/>
                     <a:lstStyle/>
                     <a:p>
+                      <a:pPr algn="ctr"/>
                       <a:endParaRPr lang="zh-TW" altLang="en-US"/>
                     </a:p>
                   </a:txBody>
-                  <a:tcPr/>
+                  <a:tcPr anchor="ctr">
+                    <a:cell3D prstMaterial="dkEdge">
+                      <a:bevel prst="convex"/>
+                      <a:lightRig rig="flood" dir="t"/>
+                    </a:cell3D>
+                    <a:solidFill>
+                      <a:schemeClr val="accent4">
+                        <a:lumMod val="60000"/>
+                        <a:lumOff val="40000"/>
+                      </a:schemeClr>
+                    </a:solidFill>
+                  </a:tcPr>
                 </a:tc>
                 <a:tc>
                   <a:txBody>
                     <a:bodyPr/>
                     <a:lstStyle/>
                     <a:p>
+                      <a:pPr algn="ctr"/>
                       <a:endParaRPr lang="zh-TW" altLang="en-US"/>
                     </a:p>
                   </a:txBody>
-                  <a:tcPr/>
+                  <a:tcPr anchor="ctr">
+                    <a:cell3D prstMaterial="dkEdge">
+                      <a:bevel prst="convex"/>
+                      <a:lightRig rig="flood" dir="t"/>
+                    </a:cell3D>
+                    <a:solidFill>
+                      <a:schemeClr val="accent4">
+                        <a:lumMod val="60000"/>
+                        <a:lumOff val="40000"/>
+                      </a:schemeClr>
+                    </a:solidFill>
+                  </a:tcPr>
                 </a:tc>
                 <a:tc>
                   <a:txBody>
                     <a:bodyPr/>
                     <a:lstStyle/>
                     <a:p>
-                      <a:endParaRPr lang="zh-TW" altLang="en-US"/>
+                      <a:pPr algn="ctr"/>
+                      <a:endParaRPr lang="zh-TW" altLang="en-US" dirty="0"/>
                     </a:p>
                   </a:txBody>
-                  <a:tcPr/>
+                  <a:tcPr anchor="ctr">
+                    <a:cell3D prstMaterial="dkEdge">
+                      <a:bevel prst="convex"/>
+                      <a:lightRig rig="flood" dir="t"/>
+                    </a:cell3D>
+                    <a:solidFill>
+                      <a:schemeClr val="accent4">
+                        <a:lumMod val="60000"/>
+                        <a:lumOff val="40000"/>
+                      </a:schemeClr>
+                    </a:solidFill>
+                  </a:tcPr>
                 </a:tc>
                 <a:extLst>
                   <a:ext uri="{0D108BD9-81ED-4DB2-BD59-A6C34878D82A}">
@@ -3882,7 +5969,7 @@
                   </a:ext>
                 </a:extLst>
               </a:tr>
-              <a:tr h="411559">
+              <a:tr h="499482">
                 <a:tc>
                   <a:txBody>
                     <a:bodyPr/>
@@ -3896,37 +5983,73 @@
                       <a:endParaRPr lang="zh-TW" altLang="en-US" dirty="0"/>
                     </a:p>
                   </a:txBody>
-                  <a:tcPr/>
+                  <a:tcPr anchor="ctr"/>
                 </a:tc>
                 <a:tc>
                   <a:txBody>
                     <a:bodyPr/>
                     <a:lstStyle/>
                     <a:p>
+                      <a:pPr algn="ctr"/>
                       <a:endParaRPr lang="zh-TW" altLang="en-US"/>
                     </a:p>
                   </a:txBody>
-                  <a:tcPr/>
+                  <a:tcPr anchor="ctr">
+                    <a:cell3D prstMaterial="dkEdge">
+                      <a:bevel prst="convex"/>
+                      <a:lightRig rig="flood" dir="t"/>
+                    </a:cell3D>
+                    <a:solidFill>
+                      <a:schemeClr val="accent4">
+                        <a:lumMod val="60000"/>
+                        <a:lumOff val="40000"/>
+                      </a:schemeClr>
+                    </a:solidFill>
+                  </a:tcPr>
                 </a:tc>
                 <a:tc>
                   <a:txBody>
                     <a:bodyPr/>
                     <a:lstStyle/>
                     <a:p>
+                      <a:pPr algn="ctr"/>
                       <a:endParaRPr lang="zh-TW" altLang="en-US"/>
                     </a:p>
                   </a:txBody>
-                  <a:tcPr/>
+                  <a:tcPr anchor="ctr">
+                    <a:cell3D prstMaterial="dkEdge">
+                      <a:bevel prst="convex"/>
+                      <a:lightRig rig="flood" dir="t"/>
+                    </a:cell3D>
+                    <a:solidFill>
+                      <a:schemeClr val="accent4">
+                        <a:lumMod val="60000"/>
+                        <a:lumOff val="40000"/>
+                      </a:schemeClr>
+                    </a:solidFill>
+                  </a:tcPr>
                 </a:tc>
                 <a:tc>
                   <a:txBody>
                     <a:bodyPr/>
                     <a:lstStyle/>
                     <a:p>
-                      <a:endParaRPr lang="zh-TW" altLang="en-US"/>
+                      <a:pPr algn="ctr"/>
+                      <a:endParaRPr lang="zh-TW" altLang="en-US" dirty="0"/>
                     </a:p>
                   </a:txBody>
-                  <a:tcPr/>
+                  <a:tcPr anchor="ctr">
+                    <a:cell3D prstMaterial="dkEdge">
+                      <a:bevel prst="convex"/>
+                      <a:lightRig rig="flood" dir="t"/>
+                    </a:cell3D>
+                    <a:solidFill>
+                      <a:schemeClr val="accent4">
+                        <a:lumMod val="60000"/>
+                        <a:lumOff val="40000"/>
+                      </a:schemeClr>
+                    </a:solidFill>
+                  </a:tcPr>
                 </a:tc>
                 <a:extLst>
                   <a:ext uri="{0D108BD9-81ED-4DB2-BD59-A6C34878D82A}">
@@ -3934,7 +6057,7 @@
                   </a:ext>
                 </a:extLst>
               </a:tr>
-              <a:tr h="411559">
+              <a:tr h="499482">
                 <a:tc>
                   <a:txBody>
                     <a:bodyPr/>
@@ -3948,37 +6071,73 @@
                       <a:endParaRPr lang="zh-TW" altLang="en-US" dirty="0"/>
                     </a:p>
                   </a:txBody>
-                  <a:tcPr/>
+                  <a:tcPr anchor="ctr"/>
                 </a:tc>
                 <a:tc>
                   <a:txBody>
                     <a:bodyPr/>
                     <a:lstStyle/>
                     <a:p>
+                      <a:pPr algn="ctr"/>
                       <a:endParaRPr lang="zh-TW" altLang="en-US"/>
                     </a:p>
                   </a:txBody>
-                  <a:tcPr/>
+                  <a:tcPr anchor="ctr">
+                    <a:cell3D prstMaterial="dkEdge">
+                      <a:bevel prst="convex"/>
+                      <a:lightRig rig="flood" dir="t"/>
+                    </a:cell3D>
+                    <a:solidFill>
+                      <a:schemeClr val="accent4">
+                        <a:lumMod val="60000"/>
+                        <a:lumOff val="40000"/>
+                      </a:schemeClr>
+                    </a:solidFill>
+                  </a:tcPr>
                 </a:tc>
                 <a:tc>
                   <a:txBody>
                     <a:bodyPr/>
                     <a:lstStyle/>
                     <a:p>
+                      <a:pPr algn="ctr"/>
                       <a:endParaRPr lang="zh-TW" altLang="en-US"/>
                     </a:p>
                   </a:txBody>
-                  <a:tcPr/>
+                  <a:tcPr anchor="ctr">
+                    <a:cell3D prstMaterial="dkEdge">
+                      <a:bevel prst="convex"/>
+                      <a:lightRig rig="flood" dir="t"/>
+                    </a:cell3D>
+                    <a:solidFill>
+                      <a:schemeClr val="accent4">
+                        <a:lumMod val="60000"/>
+                        <a:lumOff val="40000"/>
+                      </a:schemeClr>
+                    </a:solidFill>
+                  </a:tcPr>
                 </a:tc>
                 <a:tc>
                   <a:txBody>
                     <a:bodyPr/>
                     <a:lstStyle/>
                     <a:p>
-                      <a:endParaRPr lang="zh-TW" altLang="en-US"/>
+                      <a:pPr algn="ctr"/>
+                      <a:endParaRPr lang="zh-TW" altLang="en-US" dirty="0"/>
                     </a:p>
                   </a:txBody>
-                  <a:tcPr/>
+                  <a:tcPr anchor="ctr">
+                    <a:cell3D prstMaterial="dkEdge">
+                      <a:bevel prst="convex"/>
+                      <a:lightRig rig="flood" dir="t"/>
+                    </a:cell3D>
+                    <a:solidFill>
+                      <a:schemeClr val="accent4">
+                        <a:lumMod val="60000"/>
+                        <a:lumOff val="40000"/>
+                      </a:schemeClr>
+                    </a:solidFill>
+                  </a:tcPr>
                 </a:tc>
                 <a:extLst>
                   <a:ext uri="{0D108BD9-81ED-4DB2-BD59-A6C34878D82A}">
@@ -3986,7 +6145,7 @@
                   </a:ext>
                 </a:extLst>
               </a:tr>
-              <a:tr h="411559">
+              <a:tr h="499482">
                 <a:tc>
                   <a:txBody>
                     <a:bodyPr/>
@@ -4000,37 +6159,73 @@
                       <a:endParaRPr lang="zh-TW" altLang="en-US" dirty="0"/>
                     </a:p>
                   </a:txBody>
-                  <a:tcPr/>
+                  <a:tcPr anchor="ctr"/>
                 </a:tc>
                 <a:tc>
                   <a:txBody>
                     <a:bodyPr/>
                     <a:lstStyle/>
                     <a:p>
+                      <a:pPr algn="ctr"/>
                       <a:endParaRPr lang="zh-TW" altLang="en-US"/>
                     </a:p>
                   </a:txBody>
-                  <a:tcPr/>
+                  <a:tcPr anchor="ctr">
+                    <a:cell3D prstMaterial="dkEdge">
+                      <a:bevel prst="convex"/>
+                      <a:lightRig rig="flood" dir="t"/>
+                    </a:cell3D>
+                    <a:solidFill>
+                      <a:schemeClr val="accent4">
+                        <a:lumMod val="60000"/>
+                        <a:lumOff val="40000"/>
+                      </a:schemeClr>
+                    </a:solidFill>
+                  </a:tcPr>
                 </a:tc>
                 <a:tc>
                   <a:txBody>
                     <a:bodyPr/>
                     <a:lstStyle/>
                     <a:p>
+                      <a:pPr algn="ctr"/>
                       <a:endParaRPr lang="zh-TW" altLang="en-US"/>
                     </a:p>
                   </a:txBody>
-                  <a:tcPr/>
+                  <a:tcPr anchor="ctr">
+                    <a:cell3D prstMaterial="dkEdge">
+                      <a:bevel prst="convex"/>
+                      <a:lightRig rig="flood" dir="t"/>
+                    </a:cell3D>
+                    <a:solidFill>
+                      <a:schemeClr val="accent4">
+                        <a:lumMod val="60000"/>
+                        <a:lumOff val="40000"/>
+                      </a:schemeClr>
+                    </a:solidFill>
+                  </a:tcPr>
                 </a:tc>
                 <a:tc>
                   <a:txBody>
                     <a:bodyPr/>
                     <a:lstStyle/>
                     <a:p>
+                      <a:pPr algn="ctr"/>
                       <a:endParaRPr lang="zh-TW" altLang="en-US" dirty="0"/>
                     </a:p>
                   </a:txBody>
-                  <a:tcPr/>
+                  <a:tcPr anchor="ctr">
+                    <a:cell3D prstMaterial="dkEdge">
+                      <a:bevel prst="convex"/>
+                      <a:lightRig rig="flood" dir="t"/>
+                    </a:cell3D>
+                    <a:solidFill>
+                      <a:schemeClr val="accent4">
+                        <a:lumMod val="60000"/>
+                        <a:lumOff val="40000"/>
+                      </a:schemeClr>
+                    </a:solidFill>
+                  </a:tcPr>
                 </a:tc>
                 <a:extLst>
                   <a:ext uri="{0D108BD9-81ED-4DB2-BD59-A6C34878D82A}">
@@ -4056,8 +6251,8 @@
         </p:nvSpPr>
         <p:spPr>
           <a:xfrm>
-            <a:off x="3986075" y="2876370"/>
-            <a:ext cx="1882066" cy="2956400"/>
+            <a:off x="4524053" y="2263806"/>
+            <a:ext cx="2708289" cy="3536103"/>
           </a:xfrm>
           <a:custGeom>
             <a:avLst/>
@@ -4345,133 +6540,6 @@
 </p:sld>
 </file>
 
-<file path=ppt/slides/slide3.xml><?xml version="1.0" encoding="utf-8"?>
-<p:sld xmlns:a="http://schemas.openxmlformats.org/drawingml/2006/main" xmlns:r="http://schemas.openxmlformats.org/officeDocument/2006/relationships" xmlns:p="http://schemas.openxmlformats.org/presentationml/2006/main">
-  <p:cSld>
-    <p:spTree>
-      <p:nvGrpSpPr>
-        <p:cNvPr id="1" name=""/>
-        <p:cNvGrpSpPr/>
-        <p:nvPr/>
-      </p:nvGrpSpPr>
-      <p:grpSpPr>
-        <a:xfrm>
-          <a:off x="0" y="0"/>
-          <a:ext cx="0" cy="0"/>
-          <a:chOff x="0" y="0"/>
-          <a:chExt cx="0" cy="0"/>
-        </a:xfrm>
-      </p:grpSpPr>
-      <p:sp>
-        <p:nvSpPr>
-          <p:cNvPr id="2" name="標題 1">
-            <a:extLst>
-              <a:ext uri="{FF2B5EF4-FFF2-40B4-BE49-F238E27FC236}">
-                <a16:creationId xmlns:a16="http://schemas.microsoft.com/office/drawing/2014/main" id="{6813B3F2-92FF-42D8-9539-8276D3A9DA98}"/>
-              </a:ext>
-            </a:extLst>
-          </p:cNvPr>
-          <p:cNvSpPr>
-            <a:spLocks noGrp="1"/>
-          </p:cNvSpPr>
-          <p:nvPr>
-            <p:ph type="title"/>
-          </p:nvPr>
-        </p:nvSpPr>
-        <p:spPr/>
-        <p:txBody>
-          <a:bodyPr/>
-          <a:lstStyle/>
-          <a:p>
-            <a:endParaRPr lang="zh-TW" altLang="en-US"/>
-          </a:p>
-        </p:txBody>
-      </p:sp>
-      <p:sp>
-        <p:nvSpPr>
-          <p:cNvPr id="3" name="內容版面配置區 2">
-            <a:extLst>
-              <a:ext uri="{FF2B5EF4-FFF2-40B4-BE49-F238E27FC236}">
-                <a16:creationId xmlns:a16="http://schemas.microsoft.com/office/drawing/2014/main" id="{87D25923-59C0-4C9C-971F-A06BF892F1A9}"/>
-              </a:ext>
-            </a:extLst>
-          </p:cNvPr>
-          <p:cNvSpPr>
-            <a:spLocks noGrp="1"/>
-          </p:cNvSpPr>
-          <p:nvPr>
-            <p:ph idx="1"/>
-          </p:nvPr>
-        </p:nvSpPr>
-        <p:spPr/>
-        <p:txBody>
-          <a:bodyPr/>
-          <a:lstStyle/>
-          <a:p>
-            <a:endParaRPr lang="zh-TW" altLang="en-US"/>
-          </a:p>
-        </p:txBody>
-      </p:sp>
-      <p:pic>
-        <p:nvPicPr>
-          <p:cNvPr id="1026" name="Picture 2">
-            <a:extLst>
-              <a:ext uri="{FF2B5EF4-FFF2-40B4-BE49-F238E27FC236}">
-                <a16:creationId xmlns:a16="http://schemas.microsoft.com/office/drawing/2014/main" id="{8E082E4C-5E50-4B9F-B418-99E1D563A6D0}"/>
-              </a:ext>
-            </a:extLst>
-          </p:cNvPr>
-          <p:cNvPicPr>
-            <a:picLocks noChangeAspect="1" noChangeArrowheads="1"/>
-          </p:cNvPicPr>
-          <p:nvPr/>
-        </p:nvPicPr>
-        <p:blipFill>
-          <a:blip r:embed="rId2">
-            <a:extLst>
-              <a:ext uri="{28A0092B-C50C-407E-A947-70E740481C1C}">
-                <a14:useLocalDpi xmlns:a14="http://schemas.microsoft.com/office/drawing/2010/main" val="0"/>
-              </a:ext>
-            </a:extLst>
-          </a:blip>
-          <a:srcRect/>
-          <a:stretch>
-            <a:fillRect/>
-          </a:stretch>
-        </p:blipFill>
-        <p:spPr bwMode="auto">
-          <a:xfrm>
-            <a:off x="1771650" y="690563"/>
-            <a:ext cx="8648700" cy="5476875"/>
-          </a:xfrm>
-          <a:prstGeom prst="rect">
-            <a:avLst/>
-          </a:prstGeom>
-          <a:noFill/>
-          <a:extLst>
-            <a:ext uri="{909E8E84-426E-40DD-AFC4-6F175D3DCCD1}">
-              <a14:hiddenFill xmlns:a14="http://schemas.microsoft.com/office/drawing/2010/main">
-                <a:solidFill>
-                  <a:srgbClr val="FFFFFF"/>
-                </a:solidFill>
-              </a14:hiddenFill>
-            </a:ext>
-          </a:extLst>
-        </p:spPr>
-      </p:pic>
-    </p:spTree>
-    <p:extLst>
-      <p:ext uri="{BB962C8B-B14F-4D97-AF65-F5344CB8AC3E}">
-        <p14:creationId xmlns:p14="http://schemas.microsoft.com/office/powerpoint/2010/main" val="2913865895"/>
-      </p:ext>
-    </p:extLst>
-  </p:cSld>
-  <p:clrMapOvr>
-    <a:masterClrMapping/>
-  </p:clrMapOvr>
-</p:sld>
-</file>
-
 <file path=ppt/slides/slide4.xml><?xml version="1.0" encoding="utf-8"?>
 <p:sld xmlns:a="http://schemas.openxmlformats.org/drawingml/2006/main" xmlns:r="http://schemas.openxmlformats.org/officeDocument/2006/relationships" xmlns:p="http://schemas.openxmlformats.org/presentationml/2006/main">
   <p:cSld>
@@ -4489,270 +6557,609 @@
           <a:chExt cx="0" cy="0"/>
         </a:xfrm>
       </p:grpSpPr>
-      <p:graphicFrame>
-        <p:nvGraphicFramePr>
-          <p:cNvPr id="5" name="表格 4">
-            <a:extLst>
-              <a:ext uri="{FF2B5EF4-FFF2-40B4-BE49-F238E27FC236}">
-                <a16:creationId xmlns:a16="http://schemas.microsoft.com/office/drawing/2014/main" id="{36156005-4EF2-4B3F-9149-CF6271741F3A}"/>
-              </a:ext>
-            </a:extLst>
-          </p:cNvPr>
-          <p:cNvGraphicFramePr>
-            <a:graphicFrameLocks noGrp="1"/>
-          </p:cNvGraphicFramePr>
+      <p:sp>
+        <p:nvSpPr>
+          <p:cNvPr id="2" name="標題 1">
+            <a:extLst>
+              <a:ext uri="{FF2B5EF4-FFF2-40B4-BE49-F238E27FC236}">
+                <a16:creationId xmlns:a16="http://schemas.microsoft.com/office/drawing/2014/main" id="{32A7F23F-01B4-49DF-B831-09A4527D882E}"/>
+              </a:ext>
+            </a:extLst>
+          </p:cNvPr>
+          <p:cNvSpPr>
+            <a:spLocks noGrp="1"/>
+          </p:cNvSpPr>
+          <p:nvPr>
+            <p:ph type="title"/>
+          </p:nvPr>
+        </p:nvSpPr>
+        <p:spPr/>
+        <p:txBody>
+          <a:bodyPr/>
+          <a:lstStyle/>
+          <a:p>
+            <a:r>
+              <a:rPr lang="en-US" altLang="zh-TW" dirty="0"/>
+              <a:t>Wafer ID</a:t>
+            </a:r>
+            <a:endParaRPr lang="zh-TW" altLang="en-US" dirty="0"/>
+          </a:p>
+        </p:txBody>
+      </p:sp>
+      <p:sp>
+        <p:nvSpPr>
+          <p:cNvPr id="3" name="內容版面配置區 2">
+            <a:extLst>
+              <a:ext uri="{FF2B5EF4-FFF2-40B4-BE49-F238E27FC236}">
+                <a16:creationId xmlns:a16="http://schemas.microsoft.com/office/drawing/2014/main" id="{8CBEA9E4-CCCC-4A36-9DA5-3E21AE5D0475}"/>
+              </a:ext>
+            </a:extLst>
+          </p:cNvPr>
+          <p:cNvSpPr>
+            <a:spLocks noGrp="1"/>
+          </p:cNvSpPr>
+          <p:nvPr>
+            <p:ph idx="1"/>
+          </p:nvPr>
+        </p:nvSpPr>
+        <p:spPr/>
+        <p:txBody>
+          <a:bodyPr/>
+          <a:lstStyle/>
+          <a:p>
+            <a:r>
+              <a:rPr lang="zh-TW" altLang="en-US" dirty="0"/>
+              <a:t>每</a:t>
+            </a:r>
+            <a:r>
+              <a:rPr lang="en-US" altLang="zh-TW" dirty="0"/>
+              <a:t>24</a:t>
+            </a:r>
+            <a:r>
+              <a:rPr lang="zh-TW" altLang="en-US" dirty="0"/>
+              <a:t>次動作變換一次，同一個</a:t>
+            </a:r>
+            <a:r>
+              <a:rPr lang="en-US" altLang="zh-TW" dirty="0"/>
+              <a:t>Wafer ID</a:t>
+            </a:r>
+            <a:r>
+              <a:rPr lang="zh-TW" altLang="en-US" dirty="0"/>
+              <a:t>可能會重複出現</a:t>
+            </a:r>
+          </a:p>
+        </p:txBody>
+      </p:sp>
+      <p:pic>
+        <p:nvPicPr>
+          <p:cNvPr id="1026" name="Picture 2" descr="Wafer Thinning">
+            <a:extLst>
+              <a:ext uri="{FF2B5EF4-FFF2-40B4-BE49-F238E27FC236}">
+                <a16:creationId xmlns:a16="http://schemas.microsoft.com/office/drawing/2014/main" id="{D317B402-3B50-44C4-8CA6-2B7906BC31A7}"/>
+              </a:ext>
+            </a:extLst>
+          </p:cNvPr>
+          <p:cNvPicPr>
+            <a:picLocks noChangeAspect="1" noChangeArrowheads="1"/>
+          </p:cNvPicPr>
           <p:nvPr/>
-        </p:nvGraphicFramePr>
-        <p:xfrm>
-          <a:off x="2032000" y="719666"/>
-          <a:ext cx="8128000" cy="2966720"/>
-        </p:xfrm>
-        <a:graphic>
-          <a:graphicData uri="http://schemas.openxmlformats.org/drawingml/2006/table">
-            <a:tbl>
-              <a:tblPr firstRow="1" bandRow="1">
-                <a:tableStyleId>{5C22544A-7EE6-4342-B048-85BDC9FD1C3A}</a:tableStyleId>
-              </a:tblPr>
-              <a:tblGrid>
-                <a:gridCol w="4064000">
-                  <a:extLst>
-                    <a:ext uri="{9D8B030D-6E8A-4147-A177-3AD203B41FA5}">
-                      <a16:colId xmlns:a16="http://schemas.microsoft.com/office/drawing/2014/main" val="2713225614"/>
-                    </a:ext>
-                  </a:extLst>
-                </a:gridCol>
-                <a:gridCol w="4064000">
-                  <a:extLst>
-                    <a:ext uri="{9D8B030D-6E8A-4147-A177-3AD203B41FA5}">
-                      <a16:colId xmlns:a16="http://schemas.microsoft.com/office/drawing/2014/main" val="2705365304"/>
-                    </a:ext>
-                  </a:extLst>
-                </a:gridCol>
-              </a:tblGrid>
-              <a:tr h="370840">
-                <a:tc>
-                  <a:txBody>
-                    <a:bodyPr/>
-                    <a:lstStyle/>
-                    <a:p>
-                      <a:endParaRPr lang="zh-TW" altLang="en-US" dirty="0"/>
-                    </a:p>
-                  </a:txBody>
-                  <a:tcPr/>
-                </a:tc>
-                <a:tc>
-                  <a:txBody>
-                    <a:bodyPr/>
-                    <a:lstStyle/>
-                    <a:p>
-                      <a:endParaRPr lang="zh-TW" altLang="en-US"/>
-                    </a:p>
-                  </a:txBody>
-                  <a:tcPr/>
-                </a:tc>
-                <a:extLst>
-                  <a:ext uri="{0D108BD9-81ED-4DB2-BD59-A6C34878D82A}">
-                    <a16:rowId xmlns:a16="http://schemas.microsoft.com/office/drawing/2014/main" val="1648413478"/>
-                  </a:ext>
-                </a:extLst>
-              </a:tr>
-              <a:tr h="370840">
-                <a:tc>
-                  <a:txBody>
-                    <a:bodyPr/>
-                    <a:lstStyle/>
-                    <a:p>
-                      <a:endParaRPr lang="zh-TW" altLang="en-US" dirty="0"/>
-                    </a:p>
-                  </a:txBody>
-                  <a:tcPr/>
-                </a:tc>
-                <a:tc>
-                  <a:txBody>
-                    <a:bodyPr/>
-                    <a:lstStyle/>
-                    <a:p>
-                      <a:endParaRPr lang="zh-TW" altLang="en-US"/>
-                    </a:p>
-                  </a:txBody>
-                  <a:tcPr/>
-                </a:tc>
-                <a:extLst>
-                  <a:ext uri="{0D108BD9-81ED-4DB2-BD59-A6C34878D82A}">
-                    <a16:rowId xmlns:a16="http://schemas.microsoft.com/office/drawing/2014/main" val="3998324715"/>
-                  </a:ext>
-                </a:extLst>
-              </a:tr>
-              <a:tr h="370840">
-                <a:tc>
-                  <a:txBody>
-                    <a:bodyPr/>
-                    <a:lstStyle/>
-                    <a:p>
-                      <a:endParaRPr lang="zh-TW" altLang="en-US" dirty="0"/>
-                    </a:p>
-                  </a:txBody>
-                  <a:tcPr/>
-                </a:tc>
-                <a:tc>
-                  <a:txBody>
-                    <a:bodyPr/>
-                    <a:lstStyle/>
-                    <a:p>
-                      <a:endParaRPr lang="zh-TW" altLang="en-US" dirty="0"/>
-                    </a:p>
-                  </a:txBody>
-                  <a:tcPr/>
-                </a:tc>
-                <a:extLst>
-                  <a:ext uri="{0D108BD9-81ED-4DB2-BD59-A6C34878D82A}">
-                    <a16:rowId xmlns:a16="http://schemas.microsoft.com/office/drawing/2014/main" val="698618141"/>
-                  </a:ext>
-                </a:extLst>
-              </a:tr>
-              <a:tr h="370840">
-                <a:tc>
-                  <a:txBody>
-                    <a:bodyPr/>
-                    <a:lstStyle/>
-                    <a:p>
-                      <a:endParaRPr lang="zh-TW" altLang="en-US"/>
-                    </a:p>
-                  </a:txBody>
-                  <a:tcPr/>
-                </a:tc>
-                <a:tc>
-                  <a:txBody>
-                    <a:bodyPr/>
-                    <a:lstStyle/>
-                    <a:p>
-                      <a:endParaRPr lang="zh-TW" altLang="en-US" dirty="0"/>
-                    </a:p>
-                  </a:txBody>
-                  <a:tcPr/>
-                </a:tc>
-                <a:extLst>
-                  <a:ext uri="{0D108BD9-81ED-4DB2-BD59-A6C34878D82A}">
-                    <a16:rowId xmlns:a16="http://schemas.microsoft.com/office/drawing/2014/main" val="3115552860"/>
-                  </a:ext>
-                </a:extLst>
-              </a:tr>
-              <a:tr h="370840">
-                <a:tc>
-                  <a:txBody>
-                    <a:bodyPr/>
-                    <a:lstStyle/>
-                    <a:p>
-                      <a:endParaRPr lang="zh-TW" altLang="en-US"/>
-                    </a:p>
-                  </a:txBody>
-                  <a:tcPr/>
-                </a:tc>
-                <a:tc>
-                  <a:txBody>
-                    <a:bodyPr/>
-                    <a:lstStyle/>
-                    <a:p>
-                      <a:endParaRPr lang="zh-TW" altLang="en-US" dirty="0"/>
-                    </a:p>
-                  </a:txBody>
-                  <a:tcPr/>
-                </a:tc>
-                <a:extLst>
-                  <a:ext uri="{0D108BD9-81ED-4DB2-BD59-A6C34878D82A}">
-                    <a16:rowId xmlns:a16="http://schemas.microsoft.com/office/drawing/2014/main" val="4225764266"/>
-                  </a:ext>
-                </a:extLst>
-              </a:tr>
-              <a:tr h="370840">
-                <a:tc>
-                  <a:txBody>
-                    <a:bodyPr/>
-                    <a:lstStyle/>
-                    <a:p>
-                      <a:endParaRPr lang="zh-TW" altLang="en-US"/>
-                    </a:p>
-                  </a:txBody>
-                  <a:tcPr/>
-                </a:tc>
-                <a:tc>
-                  <a:txBody>
-                    <a:bodyPr/>
-                    <a:lstStyle/>
-                    <a:p>
-                      <a:endParaRPr lang="zh-TW" altLang="en-US" dirty="0"/>
-                    </a:p>
-                  </a:txBody>
-                  <a:tcPr/>
-                </a:tc>
-                <a:extLst>
-                  <a:ext uri="{0D108BD9-81ED-4DB2-BD59-A6C34878D82A}">
-                    <a16:rowId xmlns:a16="http://schemas.microsoft.com/office/drawing/2014/main" val="3179604823"/>
-                  </a:ext>
-                </a:extLst>
-              </a:tr>
-              <a:tr h="370840">
-                <a:tc>
-                  <a:txBody>
-                    <a:bodyPr/>
-                    <a:lstStyle/>
-                    <a:p>
-                      <a:endParaRPr lang="zh-TW" altLang="en-US"/>
-                    </a:p>
-                  </a:txBody>
-                  <a:tcPr/>
-                </a:tc>
-                <a:tc>
-                  <a:txBody>
-                    <a:bodyPr/>
-                    <a:lstStyle/>
-                    <a:p>
-                      <a:endParaRPr lang="zh-TW" altLang="en-US" dirty="0"/>
-                    </a:p>
-                  </a:txBody>
-                  <a:tcPr/>
-                </a:tc>
-                <a:extLst>
-                  <a:ext uri="{0D108BD9-81ED-4DB2-BD59-A6C34878D82A}">
-                    <a16:rowId xmlns:a16="http://schemas.microsoft.com/office/drawing/2014/main" val="2785497909"/>
-                  </a:ext>
-                </a:extLst>
-              </a:tr>
-              <a:tr h="370840">
-                <a:tc>
-                  <a:txBody>
-                    <a:bodyPr/>
-                    <a:lstStyle/>
-                    <a:p>
-                      <a:endParaRPr lang="zh-TW" altLang="en-US"/>
-                    </a:p>
-                  </a:txBody>
-                  <a:tcPr/>
-                </a:tc>
-                <a:tc>
-                  <a:txBody>
-                    <a:bodyPr/>
-                    <a:lstStyle/>
-                    <a:p>
-                      <a:endParaRPr lang="zh-TW" altLang="en-US" dirty="0"/>
-                    </a:p>
-                  </a:txBody>
-                  <a:tcPr/>
-                </a:tc>
-                <a:extLst>
-                  <a:ext uri="{0D108BD9-81ED-4DB2-BD59-A6C34878D82A}">
-                    <a16:rowId xmlns:a16="http://schemas.microsoft.com/office/drawing/2014/main" val="1427951381"/>
-                  </a:ext>
-                </a:extLst>
-              </a:tr>
-            </a:tbl>
-          </a:graphicData>
-        </a:graphic>
-      </p:graphicFrame>
+        </p:nvPicPr>
+        <p:blipFill>
+          <a:blip r:embed="rId3">
+            <a:extLst>
+              <a:ext uri="{28A0092B-C50C-407E-A947-70E740481C1C}">
+                <a14:useLocalDpi xmlns:a14="http://schemas.microsoft.com/office/drawing/2010/main" val="0"/>
+              </a:ext>
+            </a:extLst>
+          </a:blip>
+          <a:srcRect/>
+          <a:stretch>
+            <a:fillRect/>
+          </a:stretch>
+        </p:blipFill>
+        <p:spPr bwMode="auto">
+          <a:xfrm>
+            <a:off x="1107304" y="2808118"/>
+            <a:ext cx="2394197" cy="2394197"/>
+          </a:xfrm>
+          <a:prstGeom prst="rect">
+            <a:avLst/>
+          </a:prstGeom>
+          <a:noFill/>
+          <a:extLst>
+            <a:ext uri="{909E8E84-426E-40DD-AFC4-6F175D3DCCD1}">
+              <a14:hiddenFill xmlns:a14="http://schemas.microsoft.com/office/drawing/2010/main">
+                <a:solidFill>
+                  <a:srgbClr val="FFFFFF"/>
+                </a:solidFill>
+              </a14:hiddenFill>
+            </a:ext>
+          </a:extLst>
+        </p:spPr>
+      </p:pic>
+      <p:pic>
+        <p:nvPicPr>
+          <p:cNvPr id="8" name="Picture 2" descr="Wafer Thinning">
+            <a:extLst>
+              <a:ext uri="{FF2B5EF4-FFF2-40B4-BE49-F238E27FC236}">
+                <a16:creationId xmlns:a16="http://schemas.microsoft.com/office/drawing/2014/main" id="{3DFEC209-A8C1-44DA-8C5A-58B9ED9598C5}"/>
+              </a:ext>
+            </a:extLst>
+          </p:cNvPr>
+          <p:cNvPicPr>
+            <a:picLocks noChangeAspect="1" noChangeArrowheads="1"/>
+          </p:cNvPicPr>
+          <p:nvPr/>
+        </p:nvPicPr>
+        <p:blipFill>
+          <a:blip r:embed="rId3">
+            <a:extLst>
+              <a:ext uri="{28A0092B-C50C-407E-A947-70E740481C1C}">
+                <a14:useLocalDpi xmlns:a14="http://schemas.microsoft.com/office/drawing/2010/main" val="0"/>
+              </a:ext>
+            </a:extLst>
+          </a:blip>
+          <a:srcRect/>
+          <a:stretch>
+            <a:fillRect/>
+          </a:stretch>
+        </p:blipFill>
+        <p:spPr bwMode="auto">
+          <a:xfrm>
+            <a:off x="4795375" y="2808117"/>
+            <a:ext cx="2394197" cy="2394197"/>
+          </a:xfrm>
+          <a:prstGeom prst="rect">
+            <a:avLst/>
+          </a:prstGeom>
+          <a:noFill/>
+          <a:extLst>
+            <a:ext uri="{909E8E84-426E-40DD-AFC4-6F175D3DCCD1}">
+              <a14:hiddenFill xmlns:a14="http://schemas.microsoft.com/office/drawing/2010/main">
+                <a:solidFill>
+                  <a:srgbClr val="FFFFFF"/>
+                </a:solidFill>
+              </a14:hiddenFill>
+            </a:ext>
+          </a:extLst>
+        </p:spPr>
+      </p:pic>
+      <p:pic>
+        <p:nvPicPr>
+          <p:cNvPr id="9" name="Picture 2" descr="Wafer Thinning">
+            <a:extLst>
+              <a:ext uri="{FF2B5EF4-FFF2-40B4-BE49-F238E27FC236}">
+                <a16:creationId xmlns:a16="http://schemas.microsoft.com/office/drawing/2014/main" id="{9BDC920B-ED7D-4E61-B0B6-38192AC58360}"/>
+              </a:ext>
+            </a:extLst>
+          </p:cNvPr>
+          <p:cNvPicPr>
+            <a:picLocks noChangeAspect="1" noChangeArrowheads="1"/>
+          </p:cNvPicPr>
+          <p:nvPr/>
+        </p:nvPicPr>
+        <p:blipFill>
+          <a:blip r:embed="rId3">
+            <a:extLst>
+              <a:ext uri="{28A0092B-C50C-407E-A947-70E740481C1C}">
+                <a14:useLocalDpi xmlns:a14="http://schemas.microsoft.com/office/drawing/2010/main" val="0"/>
+              </a:ext>
+            </a:extLst>
+          </a:blip>
+          <a:srcRect/>
+          <a:stretch>
+            <a:fillRect/>
+          </a:stretch>
+        </p:blipFill>
+        <p:spPr bwMode="auto">
+          <a:xfrm>
+            <a:off x="8483447" y="2808117"/>
+            <a:ext cx="2394197" cy="2394197"/>
+          </a:xfrm>
+          <a:prstGeom prst="rect">
+            <a:avLst/>
+          </a:prstGeom>
+          <a:noFill/>
+          <a:extLst>
+            <a:ext uri="{909E8E84-426E-40DD-AFC4-6F175D3DCCD1}">
+              <a14:hiddenFill xmlns:a14="http://schemas.microsoft.com/office/drawing/2010/main">
+                <a:solidFill>
+                  <a:srgbClr val="FFFFFF"/>
+                </a:solidFill>
+              </a14:hiddenFill>
+            </a:ext>
+          </a:extLst>
+        </p:spPr>
+      </p:pic>
+      <p:sp>
+        <p:nvSpPr>
+          <p:cNvPr id="7" name="文字方塊 6">
+            <a:extLst>
+              <a:ext uri="{FF2B5EF4-FFF2-40B4-BE49-F238E27FC236}">
+                <a16:creationId xmlns:a16="http://schemas.microsoft.com/office/drawing/2014/main" id="{66F968D9-0363-4137-BC29-6DBC1DF73689}"/>
+              </a:ext>
+            </a:extLst>
+          </p:cNvPr>
+          <p:cNvSpPr txBox="1"/>
+          <p:nvPr/>
+        </p:nvSpPr>
+        <p:spPr>
+          <a:xfrm>
+            <a:off x="3460419" y="3617527"/>
+            <a:ext cx="1376038" cy="461665"/>
+          </a:xfrm>
+          <a:prstGeom prst="rect">
+            <a:avLst/>
+          </a:prstGeom>
+          <a:noFill/>
+        </p:spPr>
+        <p:txBody>
+          <a:bodyPr wrap="square" rtlCol="0" anchor="ctr">
+            <a:spAutoFit/>
+          </a:bodyPr>
+          <a:lstStyle/>
+          <a:p>
+            <a:pPr algn="ctr"/>
+            <a:r>
+              <a:rPr lang="en-US" altLang="zh-TW" sz="2400" b="1" dirty="0"/>
+              <a:t>……</a:t>
+            </a:r>
+            <a:endParaRPr lang="zh-TW" altLang="en-US" sz="2400" b="1" dirty="0"/>
+          </a:p>
+        </p:txBody>
+      </p:sp>
+      <p:sp>
+        <p:nvSpPr>
+          <p:cNvPr id="11" name="文字方塊 10">
+            <a:extLst>
+              <a:ext uri="{FF2B5EF4-FFF2-40B4-BE49-F238E27FC236}">
+                <a16:creationId xmlns:a16="http://schemas.microsoft.com/office/drawing/2014/main" id="{181BE7BE-3B92-415B-BF9B-D9F28DE32BC5}"/>
+              </a:ext>
+            </a:extLst>
+          </p:cNvPr>
+          <p:cNvSpPr txBox="1"/>
+          <p:nvPr/>
+        </p:nvSpPr>
+        <p:spPr>
+          <a:xfrm>
+            <a:off x="7189572" y="3617527"/>
+            <a:ext cx="1376038" cy="461665"/>
+          </a:xfrm>
+          <a:prstGeom prst="rect">
+            <a:avLst/>
+          </a:prstGeom>
+          <a:noFill/>
+        </p:spPr>
+        <p:txBody>
+          <a:bodyPr wrap="square" rtlCol="0" anchor="ctr">
+            <a:spAutoFit/>
+          </a:bodyPr>
+          <a:lstStyle/>
+          <a:p>
+            <a:pPr algn="ctr"/>
+            <a:r>
+              <a:rPr lang="en-US" altLang="zh-TW" sz="2400" b="1" dirty="0"/>
+              <a:t>……</a:t>
+            </a:r>
+            <a:endParaRPr lang="zh-TW" altLang="en-US" sz="2400" b="1" dirty="0"/>
+          </a:p>
+        </p:txBody>
+      </p:sp>
+      <p:sp>
+        <p:nvSpPr>
+          <p:cNvPr id="10" name="矩形 9">
+            <a:extLst>
+              <a:ext uri="{FF2B5EF4-FFF2-40B4-BE49-F238E27FC236}">
+                <a16:creationId xmlns:a16="http://schemas.microsoft.com/office/drawing/2014/main" id="{21464ACA-A735-444D-9B86-6FA572C3C5F1}"/>
+              </a:ext>
+            </a:extLst>
+          </p:cNvPr>
+          <p:cNvSpPr/>
+          <p:nvPr/>
+        </p:nvSpPr>
+        <p:spPr>
+          <a:xfrm>
+            <a:off x="1380110" y="2353878"/>
+            <a:ext cx="1848583" cy="369332"/>
+          </a:xfrm>
+          <a:prstGeom prst="rect">
+            <a:avLst/>
+          </a:prstGeom>
+        </p:spPr>
+        <p:txBody>
+          <a:bodyPr wrap="none">
+            <a:spAutoFit/>
+          </a:bodyPr>
+          <a:lstStyle/>
+          <a:p>
+            <a:r>
+              <a:rPr lang="zh-TW" altLang="en-US" dirty="0"/>
+              <a:t>TR7VB496W14G6</a:t>
+            </a:r>
+          </a:p>
+        </p:txBody>
+      </p:sp>
+      <p:sp>
+        <p:nvSpPr>
+          <p:cNvPr id="12" name="矩形 11">
+            <a:extLst>
+              <a:ext uri="{FF2B5EF4-FFF2-40B4-BE49-F238E27FC236}">
+                <a16:creationId xmlns:a16="http://schemas.microsoft.com/office/drawing/2014/main" id="{446184C9-AB3E-4AE8-B0B4-831C6A31248D}"/>
+              </a:ext>
+            </a:extLst>
+          </p:cNvPr>
+          <p:cNvSpPr/>
+          <p:nvPr/>
+        </p:nvSpPr>
+        <p:spPr>
+          <a:xfrm>
+            <a:off x="5247718" y="2353877"/>
+            <a:ext cx="1489510" cy="369332"/>
+          </a:xfrm>
+          <a:prstGeom prst="rect">
+            <a:avLst/>
+          </a:prstGeom>
+        </p:spPr>
+        <p:txBody>
+          <a:bodyPr wrap="none">
+            <a:spAutoFit/>
+          </a:bodyPr>
+          <a:lstStyle/>
+          <a:p>
+            <a:r>
+              <a:rPr lang="zh-TW" altLang="en-US" dirty="0"/>
+              <a:t>N4FV85-19G6</a:t>
+            </a:r>
+          </a:p>
+        </p:txBody>
+      </p:sp>
+      <p:sp>
+        <p:nvSpPr>
+          <p:cNvPr id="14" name="矩形 13">
+            <a:extLst>
+              <a:ext uri="{FF2B5EF4-FFF2-40B4-BE49-F238E27FC236}">
+                <a16:creationId xmlns:a16="http://schemas.microsoft.com/office/drawing/2014/main" id="{6F227EBA-3FF0-481D-AC87-5A05C1CA52B4}"/>
+              </a:ext>
+            </a:extLst>
+          </p:cNvPr>
+          <p:cNvSpPr/>
+          <p:nvPr/>
+        </p:nvSpPr>
+        <p:spPr>
+          <a:xfrm>
+            <a:off x="8756253" y="2353877"/>
+            <a:ext cx="1848583" cy="369332"/>
+          </a:xfrm>
+          <a:prstGeom prst="rect">
+            <a:avLst/>
+          </a:prstGeom>
+        </p:spPr>
+        <p:txBody>
+          <a:bodyPr wrap="none">
+            <a:spAutoFit/>
+          </a:bodyPr>
+          <a:lstStyle/>
+          <a:p>
+            <a:r>
+              <a:rPr lang="zh-TW" altLang="en-US" dirty="0"/>
+              <a:t>TR7VB496W14G6</a:t>
+            </a:r>
+          </a:p>
+        </p:txBody>
+      </p:sp>
+      <p:sp>
+        <p:nvSpPr>
+          <p:cNvPr id="13" name="矩形 12">
+            <a:extLst>
+              <a:ext uri="{FF2B5EF4-FFF2-40B4-BE49-F238E27FC236}">
+                <a16:creationId xmlns:a16="http://schemas.microsoft.com/office/drawing/2014/main" id="{E6FF207F-ED24-46FB-9B18-D8AEB2EFC7EB}"/>
+              </a:ext>
+            </a:extLst>
+          </p:cNvPr>
+          <p:cNvSpPr/>
+          <p:nvPr/>
+        </p:nvSpPr>
+        <p:spPr>
+          <a:xfrm>
+            <a:off x="1669002" y="3133817"/>
+            <a:ext cx="497542" cy="727969"/>
+          </a:xfrm>
+          <a:prstGeom prst="rect">
+            <a:avLst/>
+          </a:prstGeom>
+          <a:noFill/>
+          <a:ln w="38100">
+            <a:solidFill>
+              <a:schemeClr val="tx1"/>
+            </a:solidFill>
+          </a:ln>
+        </p:spPr>
+        <p:style>
+          <a:lnRef idx="2">
+            <a:schemeClr val="accent1">
+              <a:shade val="50000"/>
+            </a:schemeClr>
+          </a:lnRef>
+          <a:fillRef idx="1">
+            <a:schemeClr val="accent1"/>
+          </a:fillRef>
+          <a:effectRef idx="0">
+            <a:schemeClr val="accent1"/>
+          </a:effectRef>
+          <a:fontRef idx="minor">
+            <a:schemeClr val="lt1"/>
+          </a:fontRef>
+        </p:style>
+        <p:txBody>
+          <a:bodyPr rtlCol="0" anchor="ctr"/>
+          <a:lstStyle/>
+          <a:p>
+            <a:pPr algn="ctr"/>
+            <a:endParaRPr lang="zh-TW" altLang="en-US"/>
+          </a:p>
+        </p:txBody>
+      </p:sp>
+      <p:sp>
+        <p:nvSpPr>
+          <p:cNvPr id="17" name="矩形 16">
+            <a:extLst>
+              <a:ext uri="{FF2B5EF4-FFF2-40B4-BE49-F238E27FC236}">
+                <a16:creationId xmlns:a16="http://schemas.microsoft.com/office/drawing/2014/main" id="{23E68E6D-796B-43DA-B43D-7A512562930F}"/>
+              </a:ext>
+            </a:extLst>
+          </p:cNvPr>
+          <p:cNvSpPr/>
+          <p:nvPr/>
+        </p:nvSpPr>
+        <p:spPr>
+          <a:xfrm>
+            <a:off x="9011784" y="3133817"/>
+            <a:ext cx="497542" cy="727969"/>
+          </a:xfrm>
+          <a:prstGeom prst="rect">
+            <a:avLst/>
+          </a:prstGeom>
+          <a:noFill/>
+          <a:ln w="38100">
+            <a:solidFill>
+              <a:schemeClr val="tx1"/>
+            </a:solidFill>
+            <a:prstDash val="sysDot"/>
+          </a:ln>
+        </p:spPr>
+        <p:style>
+          <a:lnRef idx="2">
+            <a:schemeClr val="accent1">
+              <a:shade val="50000"/>
+            </a:schemeClr>
+          </a:lnRef>
+          <a:fillRef idx="1">
+            <a:schemeClr val="accent1"/>
+          </a:fillRef>
+          <a:effectRef idx="0">
+            <a:schemeClr val="accent1"/>
+          </a:effectRef>
+          <a:fontRef idx="minor">
+            <a:schemeClr val="lt1"/>
+          </a:fontRef>
+        </p:style>
+        <p:txBody>
+          <a:bodyPr rtlCol="0" anchor="ctr"/>
+          <a:lstStyle/>
+          <a:p>
+            <a:pPr algn="ctr"/>
+            <a:endParaRPr lang="zh-TW" altLang="en-US"/>
+          </a:p>
+        </p:txBody>
+      </p:sp>
+      <p:sp>
+        <p:nvSpPr>
+          <p:cNvPr id="18" name="矩形 17">
+            <a:extLst>
+              <a:ext uri="{FF2B5EF4-FFF2-40B4-BE49-F238E27FC236}">
+                <a16:creationId xmlns:a16="http://schemas.microsoft.com/office/drawing/2014/main" id="{CF0EACC9-4F4E-4736-B9FD-B92F068FE93E}"/>
+              </a:ext>
+            </a:extLst>
+          </p:cNvPr>
+          <p:cNvSpPr/>
+          <p:nvPr/>
+        </p:nvSpPr>
+        <p:spPr>
+          <a:xfrm>
+            <a:off x="9542687" y="3133817"/>
+            <a:ext cx="497542" cy="727969"/>
+          </a:xfrm>
+          <a:prstGeom prst="rect">
+            <a:avLst/>
+          </a:prstGeom>
+          <a:noFill/>
+          <a:ln w="38100">
+            <a:solidFill>
+              <a:schemeClr val="tx1"/>
+            </a:solidFill>
+          </a:ln>
+        </p:spPr>
+        <p:style>
+          <a:lnRef idx="2">
+            <a:schemeClr val="accent1">
+              <a:shade val="50000"/>
+            </a:schemeClr>
+          </a:lnRef>
+          <a:fillRef idx="1">
+            <a:schemeClr val="accent1"/>
+          </a:fillRef>
+          <a:effectRef idx="0">
+            <a:schemeClr val="accent1"/>
+          </a:effectRef>
+          <a:fontRef idx="minor">
+            <a:schemeClr val="lt1"/>
+          </a:fontRef>
+        </p:style>
+        <p:txBody>
+          <a:bodyPr rtlCol="0" anchor="ctr"/>
+          <a:lstStyle/>
+          <a:p>
+            <a:pPr algn="ctr"/>
+            <a:endParaRPr lang="zh-TW" altLang="en-US"/>
+          </a:p>
+        </p:txBody>
+      </p:sp>
+      <p:sp>
+        <p:nvSpPr>
+          <p:cNvPr id="19" name="矩形 18">
+            <a:extLst>
+              <a:ext uri="{FF2B5EF4-FFF2-40B4-BE49-F238E27FC236}">
+                <a16:creationId xmlns:a16="http://schemas.microsoft.com/office/drawing/2014/main" id="{5DAF7FFE-4274-4E9F-819E-4C64CA8C07EB}"/>
+              </a:ext>
+            </a:extLst>
+          </p:cNvPr>
+          <p:cNvSpPr/>
+          <p:nvPr/>
+        </p:nvSpPr>
+        <p:spPr>
+          <a:xfrm>
+            <a:off x="5364794" y="3133817"/>
+            <a:ext cx="497542" cy="727969"/>
+          </a:xfrm>
+          <a:prstGeom prst="rect">
+            <a:avLst/>
+          </a:prstGeom>
+          <a:noFill/>
+          <a:ln w="38100">
+            <a:solidFill>
+              <a:schemeClr val="tx1"/>
+            </a:solidFill>
+          </a:ln>
+        </p:spPr>
+        <p:style>
+          <a:lnRef idx="2">
+            <a:schemeClr val="accent1">
+              <a:shade val="50000"/>
+            </a:schemeClr>
+          </a:lnRef>
+          <a:fillRef idx="1">
+            <a:schemeClr val="accent1"/>
+          </a:fillRef>
+          <a:effectRef idx="0">
+            <a:schemeClr val="accent1"/>
+          </a:effectRef>
+          <a:fontRef idx="minor">
+            <a:schemeClr val="lt1"/>
+          </a:fontRef>
+        </p:style>
+        <p:txBody>
+          <a:bodyPr rtlCol="0" anchor="ctr"/>
+          <a:lstStyle/>
+          <a:p>
+            <a:pPr algn="ctr"/>
+            <a:endParaRPr lang="zh-TW" altLang="en-US"/>
+          </a:p>
+        </p:txBody>
+      </p:sp>
     </p:spTree>
     <p:extLst>
       <p:ext uri="{BB962C8B-B14F-4D97-AF65-F5344CB8AC3E}">
-        <p14:creationId xmlns:p14="http://schemas.microsoft.com/office/powerpoint/2010/main" val="1849585768"/>
+        <p14:creationId xmlns:p14="http://schemas.microsoft.com/office/powerpoint/2010/main" val="1980362027"/>
       </p:ext>
     </p:extLst>
   </p:cSld>
@@ -4784,7 +7191,7 @@
           <p:cNvPr id="2" name="標題 1">
             <a:extLst>
               <a:ext uri="{FF2B5EF4-FFF2-40B4-BE49-F238E27FC236}">
-                <a16:creationId xmlns:a16="http://schemas.microsoft.com/office/drawing/2014/main" id="{995DED96-E2A3-4E8F-A84C-5D4CBF3D9007}"/>
+                <a16:creationId xmlns:a16="http://schemas.microsoft.com/office/drawing/2014/main" id="{FE081E27-634A-48DE-BCF8-CBE220687738}"/>
               </a:ext>
             </a:extLst>
           </p:cNvPr>
@@ -4800,124 +7207,201 @@
           <a:bodyPr/>
           <a:lstStyle/>
           <a:p>
-            <a:endParaRPr lang="zh-TW" altLang="en-US"/>
-          </a:p>
-        </p:txBody>
-      </p:sp>
-      <p:sp>
-        <p:nvSpPr>
-          <p:cNvPr id="3" name="內容版面配置區 2">
-            <a:extLst>
-              <a:ext uri="{FF2B5EF4-FFF2-40B4-BE49-F238E27FC236}">
-                <a16:creationId xmlns:a16="http://schemas.microsoft.com/office/drawing/2014/main" id="{90D7DA0C-1AD4-4396-B61A-BF6D17C209BA}"/>
-              </a:ext>
-            </a:extLst>
-          </p:cNvPr>
-          <p:cNvSpPr>
-            <a:spLocks noGrp="1"/>
-          </p:cNvSpPr>
+            <a:r>
+              <a:rPr lang="en-US" altLang="zh-TW" dirty="0"/>
+              <a:t>Trend and Correlation(3~9)</a:t>
+            </a:r>
+            <a:endParaRPr lang="zh-TW" altLang="en-US" dirty="0"/>
+          </a:p>
+        </p:txBody>
+      </p:sp>
+      <p:pic>
+        <p:nvPicPr>
+          <p:cNvPr id="5" name="內容版面配置區 4">
+            <a:extLst>
+              <a:ext uri="{FF2B5EF4-FFF2-40B4-BE49-F238E27FC236}">
+                <a16:creationId xmlns:a16="http://schemas.microsoft.com/office/drawing/2014/main" id="{968540BA-3C49-4D98-8720-799F70B4C297}"/>
+              </a:ext>
+            </a:extLst>
+          </p:cNvPr>
+          <p:cNvPicPr>
+            <a:picLocks noGrp="1" noChangeAspect="1"/>
+          </p:cNvPicPr>
           <p:nvPr>
             <p:ph idx="1"/>
           </p:nvPr>
-        </p:nvSpPr>
+        </p:nvPicPr>
+        <p:blipFill>
+          <a:blip r:embed="rId3">
+            <a:extLst>
+              <a:ext uri="{28A0092B-C50C-407E-A947-70E740481C1C}">
+                <a14:useLocalDpi xmlns:a14="http://schemas.microsoft.com/office/drawing/2010/main" val="0"/>
+              </a:ext>
+            </a:extLst>
+          </a:blip>
+          <a:stretch>
+            <a:fillRect/>
+          </a:stretch>
+        </p:blipFill>
         <p:spPr>
           <a:xfrm>
-            <a:off x="0" y="1058091"/>
-            <a:ext cx="12192000" cy="5118872"/>
+            <a:off x="3967817" y="899453"/>
+            <a:ext cx="8158336" cy="5418598"/>
           </a:xfrm>
         </p:spPr>
-        <p:txBody>
-          <a:bodyPr/>
-          <a:lstStyle/>
-          <a:p>
-            <a:pPr marL="0" indent="0">
-              <a:buNone/>
-            </a:pPr>
-            <a:r>
-              <a:rPr lang="en-US" altLang="zh-TW" dirty="0">
-                <a:highlight>
-                  <a:srgbClr val="FFFF00"/>
-                </a:highlight>
-              </a:rPr>
-              <a:t>3 : Latch:_LA_269353094_DispenseProcessAvePress;_CEID15651.7</a:t>
-            </a:r>
-          </a:p>
-          <a:p>
-            <a:pPr marL="0" indent="0">
-              <a:buNone/>
-            </a:pPr>
-            <a:r>
-              <a:rPr lang="en-US" altLang="zh-TW" dirty="0">
-                <a:highlight>
-                  <a:srgbClr val="FFFF00"/>
-                </a:highlight>
-              </a:rPr>
-              <a:t>4 : Latch:_LA_269353095_DispenseProcessAveZHeight;_CEID15651.8</a:t>
-            </a:r>
-          </a:p>
-          <a:p>
-            <a:pPr marL="0" indent="0">
-              <a:buNone/>
-            </a:pPr>
-            <a:r>
-              <a:rPr lang="en-US" altLang="zh-TW" dirty="0">
-                <a:highlight>
-                  <a:srgbClr val="FFFF00"/>
-                </a:highlight>
-              </a:rPr>
-              <a:t>5 : Latch:_LA_251920580_DispenserPressure_ECRO;_CEID15651.9</a:t>
-            </a:r>
-          </a:p>
-          <a:p>
-            <a:pPr marL="0" indent="0">
-              <a:buNone/>
-            </a:pPr>
-            <a:r>
-              <a:rPr lang="en-US" altLang="zh-TW" dirty="0">
-                <a:highlight>
-                  <a:srgbClr val="00FFFF"/>
-                </a:highlight>
-              </a:rPr>
-              <a:t>6 : Latch:_LA_269353094_DispenseProcessAvePress;_CEID15651.7.1</a:t>
-            </a:r>
-          </a:p>
-          <a:p>
-            <a:pPr marL="0" indent="0">
-              <a:buNone/>
-            </a:pPr>
-            <a:r>
-              <a:rPr lang="en-US" altLang="zh-TW" dirty="0">
-                <a:highlight>
-                  <a:srgbClr val="00FFFF"/>
-                </a:highlight>
-              </a:rPr>
-              <a:t>7 : Latch:_LA_269353095_DispenseProcessAveZHeight;_CEID15651.8.1</a:t>
-            </a:r>
-          </a:p>
-          <a:p>
-            <a:pPr marL="0" indent="0">
-              <a:buNone/>
-            </a:pPr>
-            <a:r>
-              <a:rPr lang="en-US" altLang="zh-TW" dirty="0">
-                <a:highlight>
-                  <a:srgbClr val="00FFFF"/>
-                </a:highlight>
-              </a:rPr>
-              <a:t>8 : Latch:_LA_251920580_DispenserPressure_ECRO;_CEID15651.9.1</a:t>
-            </a:r>
-            <a:endParaRPr lang="zh-TW" altLang="en-US" dirty="0">
-              <a:highlight>
-                <a:srgbClr val="00FFFF"/>
-              </a:highlight>
-            </a:endParaRPr>
-          </a:p>
-        </p:txBody>
-      </p:sp>
+      </p:pic>
+      <p:sp>
+        <p:nvSpPr>
+          <p:cNvPr id="6" name="矩形 5">
+            <a:extLst>
+              <a:ext uri="{FF2B5EF4-FFF2-40B4-BE49-F238E27FC236}">
+                <a16:creationId xmlns:a16="http://schemas.microsoft.com/office/drawing/2014/main" id="{A87BA400-7E89-4B0D-AF43-AA2E188FFF55}"/>
+              </a:ext>
+            </a:extLst>
+          </p:cNvPr>
+          <p:cNvSpPr/>
+          <p:nvPr/>
+        </p:nvSpPr>
+        <p:spPr>
+          <a:xfrm>
+            <a:off x="4375051" y="899452"/>
+            <a:ext cx="7639289" cy="2303165"/>
+          </a:xfrm>
+          <a:prstGeom prst="rect">
+            <a:avLst/>
+          </a:prstGeom>
+          <a:noFill/>
+          <a:ln w="76200">
+            <a:solidFill>
+              <a:schemeClr val="accent1">
+                <a:lumMod val="60000"/>
+                <a:lumOff val="40000"/>
+              </a:schemeClr>
+            </a:solidFill>
+            <a:prstDash val="solid"/>
+          </a:ln>
+        </p:spPr>
+        <p:style>
+          <a:lnRef idx="2">
+            <a:schemeClr val="accent1">
+              <a:shade val="50000"/>
+            </a:schemeClr>
+          </a:lnRef>
+          <a:fillRef idx="1">
+            <a:schemeClr val="accent1"/>
+          </a:fillRef>
+          <a:effectRef idx="0">
+            <a:schemeClr val="accent1"/>
+          </a:effectRef>
+          <a:fontRef idx="minor">
+            <a:schemeClr val="lt1"/>
+          </a:fontRef>
+        </p:style>
+        <p:txBody>
+          <a:bodyPr rtlCol="0" anchor="ctr"/>
+          <a:lstStyle/>
+          <a:p>
+            <a:pPr algn="ctr"/>
+            <a:endParaRPr lang="zh-TW" altLang="en-US"/>
+          </a:p>
+        </p:txBody>
+      </p:sp>
+      <p:sp>
+        <p:nvSpPr>
+          <p:cNvPr id="7" name="矩形 6">
+            <a:extLst>
+              <a:ext uri="{FF2B5EF4-FFF2-40B4-BE49-F238E27FC236}">
+                <a16:creationId xmlns:a16="http://schemas.microsoft.com/office/drawing/2014/main" id="{59343994-4607-4B5D-854E-92BF57849C57}"/>
+              </a:ext>
+            </a:extLst>
+          </p:cNvPr>
+          <p:cNvSpPr/>
+          <p:nvPr/>
+        </p:nvSpPr>
+        <p:spPr>
+          <a:xfrm>
+            <a:off x="4375050" y="3213796"/>
+            <a:ext cx="7816949" cy="2286672"/>
+          </a:xfrm>
+          <a:prstGeom prst="rect">
+            <a:avLst/>
+          </a:prstGeom>
+          <a:noFill/>
+          <a:ln w="76200">
+            <a:solidFill>
+              <a:schemeClr val="accent6">
+                <a:lumMod val="60000"/>
+                <a:lumOff val="40000"/>
+              </a:schemeClr>
+            </a:solidFill>
+            <a:prstDash val="solid"/>
+          </a:ln>
+        </p:spPr>
+        <p:style>
+          <a:lnRef idx="2">
+            <a:schemeClr val="accent1">
+              <a:shade val="50000"/>
+            </a:schemeClr>
+          </a:lnRef>
+          <a:fillRef idx="1">
+            <a:schemeClr val="accent1"/>
+          </a:fillRef>
+          <a:effectRef idx="0">
+            <a:schemeClr val="accent1"/>
+          </a:effectRef>
+          <a:fontRef idx="minor">
+            <a:schemeClr val="lt1"/>
+          </a:fontRef>
+        </p:style>
+        <p:txBody>
+          <a:bodyPr rtlCol="0" anchor="ctr"/>
+          <a:lstStyle/>
+          <a:p>
+            <a:pPr algn="ctr"/>
+            <a:endParaRPr lang="zh-TW" altLang="en-US"/>
+          </a:p>
+        </p:txBody>
+      </p:sp>
+      <p:pic>
+        <p:nvPicPr>
+          <p:cNvPr id="9" name="圖片 8">
+            <a:extLst>
+              <a:ext uri="{FF2B5EF4-FFF2-40B4-BE49-F238E27FC236}">
+                <a16:creationId xmlns:a16="http://schemas.microsoft.com/office/drawing/2014/main" id="{BD224BF9-098A-426D-9EB3-14042E08CB63}"/>
+              </a:ext>
+            </a:extLst>
+          </p:cNvPr>
+          <p:cNvPicPr>
+            <a:picLocks noChangeAspect="1"/>
+          </p:cNvPicPr>
+          <p:nvPr/>
+        </p:nvPicPr>
+        <p:blipFill>
+          <a:blip r:embed="rId4">
+            <a:extLst>
+              <a:ext uri="{28A0092B-C50C-407E-A947-70E740481C1C}">
+                <a14:useLocalDpi xmlns:a14="http://schemas.microsoft.com/office/drawing/2010/main" val="0"/>
+              </a:ext>
+            </a:extLst>
+          </a:blip>
+          <a:stretch>
+            <a:fillRect/>
+          </a:stretch>
+        </p:blipFill>
+        <p:spPr>
+          <a:xfrm>
+            <a:off x="0" y="1579310"/>
+            <a:ext cx="4484796" cy="4603441"/>
+          </a:xfrm>
+          <a:prstGeom prst="rect">
+            <a:avLst/>
+          </a:prstGeom>
+        </p:spPr>
+      </p:pic>
     </p:spTree>
     <p:extLst>
       <p:ext uri="{BB962C8B-B14F-4D97-AF65-F5344CB8AC3E}">
-        <p14:creationId xmlns:p14="http://schemas.microsoft.com/office/powerpoint/2010/main" val="371648713"/>
+        <p14:creationId xmlns:p14="http://schemas.microsoft.com/office/powerpoint/2010/main" val="1421811291"/>
       </p:ext>
     </p:extLst>
   </p:cSld>
@@ -4949,7 +7433,7 @@
           <p:cNvPr id="2" name="標題 1">
             <a:extLst>
               <a:ext uri="{FF2B5EF4-FFF2-40B4-BE49-F238E27FC236}">
-                <a16:creationId xmlns:a16="http://schemas.microsoft.com/office/drawing/2014/main" id="{00BBD7E7-5835-487C-8D4E-286AF1F0FFF7}"/>
+                <a16:creationId xmlns:a16="http://schemas.microsoft.com/office/drawing/2014/main" id="{59AE9284-1F9F-4C7A-9CFA-E7C797DF5C29}"/>
               </a:ext>
             </a:extLst>
           </p:cNvPr>
@@ -4965,117 +7449,875 @@
           <a:bodyPr/>
           <a:lstStyle/>
           <a:p>
+            <a:r>
+              <a:rPr lang="en-US" altLang="zh-TW" dirty="0"/>
+              <a:t>Trend and Correlation(11~17)</a:t>
+            </a:r>
             <a:endParaRPr lang="zh-TW" altLang="en-US" dirty="0"/>
           </a:p>
         </p:txBody>
       </p:sp>
-      <p:sp>
-        <p:nvSpPr>
-          <p:cNvPr id="3" name="內容版面配置區 2">
-            <a:extLst>
-              <a:ext uri="{FF2B5EF4-FFF2-40B4-BE49-F238E27FC236}">
-                <a16:creationId xmlns:a16="http://schemas.microsoft.com/office/drawing/2014/main" id="{CB506DFC-C162-4685-BF70-4EFB1819C5B5}"/>
-              </a:ext>
-            </a:extLst>
-          </p:cNvPr>
-          <p:cNvSpPr>
-            <a:spLocks noGrp="1"/>
-          </p:cNvSpPr>
+      <p:pic>
+        <p:nvPicPr>
+          <p:cNvPr id="5" name="內容版面配置區 4">
+            <a:extLst>
+              <a:ext uri="{FF2B5EF4-FFF2-40B4-BE49-F238E27FC236}">
+                <a16:creationId xmlns:a16="http://schemas.microsoft.com/office/drawing/2014/main" id="{06F334ED-B511-4F40-A168-AB5F3679000A}"/>
+              </a:ext>
+            </a:extLst>
+          </p:cNvPr>
+          <p:cNvPicPr>
+            <a:picLocks noGrp="1" noChangeAspect="1"/>
+          </p:cNvPicPr>
           <p:nvPr>
             <p:ph idx="1"/>
           </p:nvPr>
-        </p:nvSpPr>
-        <p:spPr/>
-        <p:txBody>
-          <a:bodyPr/>
-          <a:lstStyle/>
-          <a:p>
-            <a:r>
-              <a:rPr lang="en-US" altLang="zh-TW" dirty="0">
-                <a:hlinkClick r:id="rId2"/>
+        </p:nvPicPr>
+        <p:blipFill>
+          <a:blip r:embed="rId2">
+            <a:extLst>
+              <a:ext uri="{28A0092B-C50C-407E-A947-70E740481C1C}">
+                <a14:useLocalDpi xmlns:a14="http://schemas.microsoft.com/office/drawing/2010/main" val="0"/>
+              </a:ext>
+            </a:extLst>
+          </a:blip>
+          <a:stretch>
+            <a:fillRect/>
+          </a:stretch>
+        </p:blipFill>
+        <p:spPr>
+          <a:xfrm>
+            <a:off x="0" y="1295498"/>
+            <a:ext cx="4609977" cy="4674228"/>
+          </a:xfrm>
+        </p:spPr>
+      </p:pic>
+      <p:pic>
+        <p:nvPicPr>
+          <p:cNvPr id="7" name="圖片 6">
+            <a:extLst>
+              <a:ext uri="{FF2B5EF4-FFF2-40B4-BE49-F238E27FC236}">
+                <a16:creationId xmlns:a16="http://schemas.microsoft.com/office/drawing/2014/main" id="{1AF1DD2B-3592-4998-B270-8EC4F3C4E763}"/>
+              </a:ext>
+            </a:extLst>
+          </p:cNvPr>
+          <p:cNvPicPr>
+            <a:picLocks noChangeAspect="1"/>
+          </p:cNvPicPr>
+          <p:nvPr/>
+        </p:nvPicPr>
+        <p:blipFill>
+          <a:blip r:embed="rId3">
+            <a:extLst>
+              <a:ext uri="{28A0092B-C50C-407E-A947-70E740481C1C}">
+                <a14:useLocalDpi xmlns:a14="http://schemas.microsoft.com/office/drawing/2010/main" val="0"/>
+              </a:ext>
+            </a:extLst>
+          </a:blip>
+          <a:stretch>
+            <a:fillRect/>
+          </a:stretch>
+        </p:blipFill>
+        <p:spPr>
+          <a:xfrm>
+            <a:off x="4118800" y="888273"/>
+            <a:ext cx="8109133" cy="5385917"/>
+          </a:xfrm>
+          <a:prstGeom prst="rect">
+            <a:avLst/>
+          </a:prstGeom>
+        </p:spPr>
+      </p:pic>
+      <p:sp>
+        <p:nvSpPr>
+          <p:cNvPr id="8" name="矩形 7">
+            <a:extLst>
+              <a:ext uri="{FF2B5EF4-FFF2-40B4-BE49-F238E27FC236}">
+                <a16:creationId xmlns:a16="http://schemas.microsoft.com/office/drawing/2014/main" id="{8FDB07E9-54B1-4355-925F-21E892B434CF}"/>
+              </a:ext>
+            </a:extLst>
+          </p:cNvPr>
+          <p:cNvSpPr/>
+          <p:nvPr/>
+        </p:nvSpPr>
+        <p:spPr>
+          <a:xfrm>
+            <a:off x="4376839" y="3089531"/>
+            <a:ext cx="8084233" cy="1580944"/>
+          </a:xfrm>
+          <a:prstGeom prst="rect">
+            <a:avLst/>
+          </a:prstGeom>
+          <a:noFill/>
+          <a:ln w="76200">
+            <a:solidFill>
+              <a:srgbClr val="FF0000"/>
+            </a:solidFill>
+            <a:prstDash val="solid"/>
+          </a:ln>
+        </p:spPr>
+        <p:style>
+          <a:lnRef idx="2">
+            <a:schemeClr val="accent1">
+              <a:shade val="50000"/>
+            </a:schemeClr>
+          </a:lnRef>
+          <a:fillRef idx="1">
+            <a:schemeClr val="accent1"/>
+          </a:fillRef>
+          <a:effectRef idx="0">
+            <a:schemeClr val="accent1"/>
+          </a:effectRef>
+          <a:fontRef idx="minor">
+            <a:schemeClr val="lt1"/>
+          </a:fontRef>
+        </p:style>
+        <p:txBody>
+          <a:bodyPr rtlCol="0" anchor="ctr"/>
+          <a:lstStyle/>
+          <a:p>
+            <a:pPr algn="ctr"/>
+            <a:endParaRPr lang="zh-TW" altLang="en-US"/>
+          </a:p>
+        </p:txBody>
+      </p:sp>
+      <p:sp>
+        <p:nvSpPr>
+          <p:cNvPr id="9" name="文字方塊 8">
+            <a:extLst>
+              <a:ext uri="{FF2B5EF4-FFF2-40B4-BE49-F238E27FC236}">
+                <a16:creationId xmlns:a16="http://schemas.microsoft.com/office/drawing/2014/main" id="{766947E7-C30B-4551-9327-8B5F494380E0}"/>
+              </a:ext>
+            </a:extLst>
+          </p:cNvPr>
+          <p:cNvSpPr txBox="1"/>
+          <p:nvPr/>
+        </p:nvSpPr>
+        <p:spPr>
+          <a:xfrm>
+            <a:off x="3525993" y="1870256"/>
+            <a:ext cx="3423446" cy="1015663"/>
+          </a:xfrm>
+          <a:prstGeom prst="rect">
+            <a:avLst/>
+          </a:prstGeom>
+          <a:noFill/>
+        </p:spPr>
+        <p:txBody>
+          <a:bodyPr wrap="square" rtlCol="0" anchor="ctr">
+            <a:spAutoFit/>
+          </a:bodyPr>
+          <a:lstStyle/>
+          <a:p>
+            <a:pPr algn="ctr"/>
+            <a:r>
+              <a:rPr lang="en-US" altLang="zh-TW" sz="6000" dirty="0">
+                <a:solidFill>
+                  <a:srgbClr val="FF0000"/>
+                </a:solidFill>
               </a:rPr>
-              <a:t>WM-811k </a:t>
-            </a:r>
-            <a:r>
-              <a:rPr lang="en-US" altLang="zh-TW" dirty="0" err="1">
-                <a:hlinkClick r:id="rId2"/>
-              </a:rPr>
-              <a:t>Wafermap</a:t>
-            </a:r>
-            <a:r>
-              <a:rPr lang="en-US" altLang="zh-TW" dirty="0">
-                <a:hlinkClick r:id="rId2"/>
-              </a:rPr>
-              <a:t> | Kaggle</a:t>
-            </a:r>
-            <a:endParaRPr lang="en-US" altLang="zh-TW" dirty="0"/>
-          </a:p>
-          <a:p>
-            <a:r>
-              <a:rPr lang="en-US" altLang="zh-TW" dirty="0">
-                <a:hlinkClick r:id="rId3"/>
-              </a:rPr>
-              <a:t>https://www.kaggle.com/amirrezaeian/time-series-data-analysis-using-lstm-tutorial</a:t>
-            </a:r>
-            <a:endParaRPr lang="en-US" altLang="zh-TW" dirty="0"/>
-          </a:p>
-          <a:p>
-            <a:r>
-              <a:rPr lang="en-US" altLang="zh-CN" dirty="0">
-                <a:hlinkClick r:id="rId4"/>
-              </a:rPr>
-              <a:t>【Python】</a:t>
-            </a:r>
-            <a:r>
-              <a:rPr lang="zh-CN" altLang="en-US" dirty="0">
-                <a:hlinkClick r:id="rId4"/>
-              </a:rPr>
-              <a:t>基于多列组合删除数据框中的重复值</a:t>
-            </a:r>
-            <a:r>
-              <a:rPr lang="en-US" altLang="zh-CN" dirty="0">
-                <a:hlinkClick r:id="rId4"/>
-              </a:rPr>
-              <a:t>_</a:t>
-            </a:r>
-            <a:r>
-              <a:rPr lang="zh-CN" altLang="en-US" dirty="0">
-                <a:hlinkClick r:id="rId4"/>
-              </a:rPr>
-              <a:t>阿黎逸阳的博客</a:t>
-            </a:r>
-            <a:r>
-              <a:rPr lang="en-US" altLang="zh-CN" dirty="0">
-                <a:hlinkClick r:id="rId4"/>
-              </a:rPr>
-              <a:t>-CSDN</a:t>
-            </a:r>
-            <a:r>
-              <a:rPr lang="zh-CN" altLang="en-US" dirty="0">
-                <a:hlinkClick r:id="rId4"/>
-              </a:rPr>
-              <a:t>博客</a:t>
-            </a:r>
-            <a:endParaRPr lang="en-US" altLang="zh-CN" dirty="0"/>
-          </a:p>
-          <a:p>
-            <a:r>
-              <a:rPr lang="en-US" altLang="zh-TW" dirty="0">
-                <a:hlinkClick r:id="rId5"/>
-              </a:rPr>
-              <a:t>python - List Highest Correlation Pairs from a Large Correlation Matrix in Pandas? - Stack Overflow</a:t>
-            </a:r>
-            <a:endParaRPr lang="en-US" altLang="zh-TW" dirty="0"/>
-          </a:p>
-          <a:p>
-            <a:endParaRPr lang="zh-TW" altLang="en-US" dirty="0"/>
+              <a:t>reverse</a:t>
+            </a:r>
+            <a:endParaRPr lang="zh-TW" altLang="en-US" sz="6000" dirty="0">
+              <a:solidFill>
+                <a:srgbClr val="FF0000"/>
+              </a:solidFill>
+            </a:endParaRPr>
           </a:p>
         </p:txBody>
       </p:sp>
     </p:spTree>
     <p:extLst>
       <p:ext uri="{BB962C8B-B14F-4D97-AF65-F5344CB8AC3E}">
-        <p14:creationId xmlns:p14="http://schemas.microsoft.com/office/powerpoint/2010/main" val="2631427456"/>
+        <p14:creationId xmlns:p14="http://schemas.microsoft.com/office/powerpoint/2010/main" val="146280319"/>
+      </p:ext>
+    </p:extLst>
+  </p:cSld>
+  <p:clrMapOvr>
+    <a:masterClrMapping/>
+  </p:clrMapOvr>
+</p:sld>
+</file>
+
+<file path=ppt/slides/slide7.xml><?xml version="1.0" encoding="utf-8"?>
+<p:sld xmlns:a="http://schemas.openxmlformats.org/drawingml/2006/main" xmlns:r="http://schemas.openxmlformats.org/officeDocument/2006/relationships" xmlns:p="http://schemas.openxmlformats.org/presentationml/2006/main">
+  <p:cSld>
+    <p:spTree>
+      <p:nvGrpSpPr>
+        <p:cNvPr id="1" name=""/>
+        <p:cNvGrpSpPr/>
+        <p:nvPr/>
+      </p:nvGrpSpPr>
+      <p:grpSpPr>
+        <a:xfrm>
+          <a:off x="0" y="0"/>
+          <a:ext cx="0" cy="0"/>
+          <a:chOff x="0" y="0"/>
+          <a:chExt cx="0" cy="0"/>
+        </a:xfrm>
+      </p:grpSpPr>
+      <p:sp>
+        <p:nvSpPr>
+          <p:cNvPr id="2" name="標題 1">
+            <a:extLst>
+              <a:ext uri="{FF2B5EF4-FFF2-40B4-BE49-F238E27FC236}">
+                <a16:creationId xmlns:a16="http://schemas.microsoft.com/office/drawing/2014/main" id="{0ACA7C7E-426D-4ABF-BC96-9AE6C689066A}"/>
+              </a:ext>
+            </a:extLst>
+          </p:cNvPr>
+          <p:cNvSpPr>
+            <a:spLocks noGrp="1"/>
+          </p:cNvSpPr>
+          <p:nvPr>
+            <p:ph type="title"/>
+          </p:nvPr>
+        </p:nvSpPr>
+        <p:spPr/>
+        <p:txBody>
+          <a:bodyPr/>
+          <a:lstStyle/>
+          <a:p>
+            <a:r>
+              <a:rPr lang="en-US" altLang="zh-TW" dirty="0"/>
+              <a:t>Trend and Correlation(18~27)</a:t>
+            </a:r>
+            <a:endParaRPr lang="zh-TW" altLang="en-US" dirty="0"/>
+          </a:p>
+        </p:txBody>
+      </p:sp>
+      <p:pic>
+        <p:nvPicPr>
+          <p:cNvPr id="5" name="內容版面配置區 4">
+            <a:extLst>
+              <a:ext uri="{FF2B5EF4-FFF2-40B4-BE49-F238E27FC236}">
+                <a16:creationId xmlns:a16="http://schemas.microsoft.com/office/drawing/2014/main" id="{99C65D60-B9FC-45C2-AE00-0D7E476F0853}"/>
+              </a:ext>
+            </a:extLst>
+          </p:cNvPr>
+          <p:cNvPicPr>
+            <a:picLocks noGrp="1" noChangeAspect="1"/>
+          </p:cNvPicPr>
+          <p:nvPr>
+            <p:ph idx="1"/>
+          </p:nvPr>
+        </p:nvPicPr>
+        <p:blipFill>
+          <a:blip r:embed="rId2">
+            <a:extLst>
+              <a:ext uri="{28A0092B-C50C-407E-A947-70E740481C1C}">
+                <a14:useLocalDpi xmlns:a14="http://schemas.microsoft.com/office/drawing/2010/main" val="0"/>
+              </a:ext>
+            </a:extLst>
+          </a:blip>
+          <a:stretch>
+            <a:fillRect/>
+          </a:stretch>
+        </p:blipFill>
+        <p:spPr>
+          <a:xfrm>
+            <a:off x="4084184" y="736478"/>
+            <a:ext cx="8107816" cy="5385043"/>
+          </a:xfrm>
+        </p:spPr>
+      </p:pic>
+      <p:sp>
+        <p:nvSpPr>
+          <p:cNvPr id="6" name="矩形 5">
+            <a:extLst>
+              <a:ext uri="{FF2B5EF4-FFF2-40B4-BE49-F238E27FC236}">
+                <a16:creationId xmlns:a16="http://schemas.microsoft.com/office/drawing/2014/main" id="{FD6855BC-DC71-49E8-AF6C-4923C2C5122B}"/>
+              </a:ext>
+            </a:extLst>
+          </p:cNvPr>
+          <p:cNvSpPr/>
+          <p:nvPr/>
+        </p:nvSpPr>
+        <p:spPr>
+          <a:xfrm>
+            <a:off x="4684542" y="5248688"/>
+            <a:ext cx="7507458" cy="981857"/>
+          </a:xfrm>
+          <a:prstGeom prst="rect">
+            <a:avLst/>
+          </a:prstGeom>
+          <a:noFill/>
+          <a:ln w="76200">
+            <a:solidFill>
+              <a:srgbClr val="FF0000"/>
+            </a:solidFill>
+            <a:prstDash val="solid"/>
+          </a:ln>
+        </p:spPr>
+        <p:style>
+          <a:lnRef idx="2">
+            <a:schemeClr val="accent1">
+              <a:shade val="50000"/>
+            </a:schemeClr>
+          </a:lnRef>
+          <a:fillRef idx="1">
+            <a:schemeClr val="accent1"/>
+          </a:fillRef>
+          <a:effectRef idx="0">
+            <a:schemeClr val="accent1"/>
+          </a:effectRef>
+          <a:fontRef idx="minor">
+            <a:schemeClr val="lt1"/>
+          </a:fontRef>
+        </p:style>
+        <p:txBody>
+          <a:bodyPr rtlCol="0" anchor="ctr"/>
+          <a:lstStyle/>
+          <a:p>
+            <a:pPr algn="ctr"/>
+            <a:endParaRPr lang="zh-TW" altLang="en-US"/>
+          </a:p>
+        </p:txBody>
+      </p:sp>
+      <p:sp>
+        <p:nvSpPr>
+          <p:cNvPr id="7" name="文字方塊 6">
+            <a:extLst>
+              <a:ext uri="{FF2B5EF4-FFF2-40B4-BE49-F238E27FC236}">
+                <a16:creationId xmlns:a16="http://schemas.microsoft.com/office/drawing/2014/main" id="{19987683-9811-45CB-89E1-49E2DE9D29C7}"/>
+              </a:ext>
+            </a:extLst>
+          </p:cNvPr>
+          <p:cNvSpPr txBox="1"/>
+          <p:nvPr/>
+        </p:nvSpPr>
+        <p:spPr>
+          <a:xfrm>
+            <a:off x="4313785" y="4384821"/>
+            <a:ext cx="900333" cy="1015663"/>
+          </a:xfrm>
+          <a:prstGeom prst="rect">
+            <a:avLst/>
+          </a:prstGeom>
+          <a:noFill/>
+        </p:spPr>
+        <p:txBody>
+          <a:bodyPr wrap="square" rtlCol="0" anchor="ctr">
+            <a:spAutoFit/>
+          </a:bodyPr>
+          <a:lstStyle/>
+          <a:p>
+            <a:pPr algn="ctr"/>
+            <a:r>
+              <a:rPr lang="en-US" altLang="zh-TW" sz="6000" dirty="0">
+                <a:solidFill>
+                  <a:srgbClr val="FF0000"/>
+                </a:solidFill>
+              </a:rPr>
+              <a:t>Y</a:t>
+            </a:r>
+            <a:endParaRPr lang="zh-TW" altLang="en-US" sz="6000" dirty="0">
+              <a:solidFill>
+                <a:srgbClr val="FF0000"/>
+              </a:solidFill>
+            </a:endParaRPr>
+          </a:p>
+        </p:txBody>
+      </p:sp>
+      <p:pic>
+        <p:nvPicPr>
+          <p:cNvPr id="9" name="圖片 8">
+            <a:extLst>
+              <a:ext uri="{FF2B5EF4-FFF2-40B4-BE49-F238E27FC236}">
+                <a16:creationId xmlns:a16="http://schemas.microsoft.com/office/drawing/2014/main" id="{B372A6EC-45E1-4D1D-A157-5E4267A8E0C4}"/>
+              </a:ext>
+            </a:extLst>
+          </p:cNvPr>
+          <p:cNvPicPr>
+            <a:picLocks noChangeAspect="1"/>
+          </p:cNvPicPr>
+          <p:nvPr/>
+        </p:nvPicPr>
+        <p:blipFill>
+          <a:blip r:embed="rId3">
+            <a:extLst>
+              <a:ext uri="{28A0092B-C50C-407E-A947-70E740481C1C}">
+                <a14:useLocalDpi xmlns:a14="http://schemas.microsoft.com/office/drawing/2010/main" val="0"/>
+              </a:ext>
+            </a:extLst>
+          </a:blip>
+          <a:stretch>
+            <a:fillRect/>
+          </a:stretch>
+        </p:blipFill>
+        <p:spPr>
+          <a:xfrm>
+            <a:off x="0" y="1457516"/>
+            <a:ext cx="4838109" cy="4905539"/>
+          </a:xfrm>
+          <a:prstGeom prst="rect">
+            <a:avLst/>
+          </a:prstGeom>
+        </p:spPr>
+      </p:pic>
+    </p:spTree>
+    <p:extLst>
+      <p:ext uri="{BB962C8B-B14F-4D97-AF65-F5344CB8AC3E}">
+        <p14:creationId xmlns:p14="http://schemas.microsoft.com/office/powerpoint/2010/main" val="770137110"/>
+      </p:ext>
+    </p:extLst>
+  </p:cSld>
+  <p:clrMapOvr>
+    <a:masterClrMapping/>
+  </p:clrMapOvr>
+</p:sld>
+</file>
+
+<file path=ppt/slides/slide8.xml><?xml version="1.0" encoding="utf-8"?>
+<p:sld xmlns:a="http://schemas.openxmlformats.org/drawingml/2006/main" xmlns:r="http://schemas.openxmlformats.org/officeDocument/2006/relationships" xmlns:p="http://schemas.openxmlformats.org/presentationml/2006/main">
+  <p:cSld>
+    <p:spTree>
+      <p:nvGrpSpPr>
+        <p:cNvPr id="1" name=""/>
+        <p:cNvGrpSpPr/>
+        <p:nvPr/>
+      </p:nvGrpSpPr>
+      <p:grpSpPr>
+        <a:xfrm>
+          <a:off x="0" y="0"/>
+          <a:ext cx="0" cy="0"/>
+          <a:chOff x="0" y="0"/>
+          <a:chExt cx="0" cy="0"/>
+        </a:xfrm>
+      </p:grpSpPr>
+      <p:pic>
+        <p:nvPicPr>
+          <p:cNvPr id="5" name="內容版面配置區 4">
+            <a:extLst>
+              <a:ext uri="{FF2B5EF4-FFF2-40B4-BE49-F238E27FC236}">
+                <a16:creationId xmlns:a16="http://schemas.microsoft.com/office/drawing/2014/main" id="{9871E4E7-45CD-480C-860F-006700E4EFA3}"/>
+              </a:ext>
+            </a:extLst>
+          </p:cNvPr>
+          <p:cNvPicPr>
+            <a:picLocks noGrp="1" noChangeAspect="1"/>
+          </p:cNvPicPr>
+          <p:nvPr>
+            <p:ph idx="1"/>
+          </p:nvPr>
+        </p:nvPicPr>
+        <p:blipFill>
+          <a:blip r:embed="rId2">
+            <a:extLst>
+              <a:ext uri="{28A0092B-C50C-407E-A947-70E740481C1C}">
+                <a14:useLocalDpi xmlns:a14="http://schemas.microsoft.com/office/drawing/2010/main" val="0"/>
+              </a:ext>
+            </a:extLst>
+          </a:blip>
+          <a:stretch>
+            <a:fillRect/>
+          </a:stretch>
+        </p:blipFill>
+        <p:spPr>
+          <a:xfrm>
+            <a:off x="0" y="1155597"/>
+            <a:ext cx="5047748" cy="5118100"/>
+          </a:xfrm>
+        </p:spPr>
+      </p:pic>
+      <p:pic>
+        <p:nvPicPr>
+          <p:cNvPr id="7" name="圖片 6">
+            <a:extLst>
+              <a:ext uri="{FF2B5EF4-FFF2-40B4-BE49-F238E27FC236}">
+                <a16:creationId xmlns:a16="http://schemas.microsoft.com/office/drawing/2014/main" id="{FD82BF53-B718-4D2E-B350-2C8C1BC2B3E8}"/>
+              </a:ext>
+            </a:extLst>
+          </p:cNvPr>
+          <p:cNvPicPr>
+            <a:picLocks noChangeAspect="1"/>
+          </p:cNvPicPr>
+          <p:nvPr/>
+        </p:nvPicPr>
+        <p:blipFill>
+          <a:blip r:embed="rId3">
+            <a:extLst>
+              <a:ext uri="{28A0092B-C50C-407E-A947-70E740481C1C}">
+                <a14:useLocalDpi xmlns:a14="http://schemas.microsoft.com/office/drawing/2010/main" val="0"/>
+              </a:ext>
+            </a:extLst>
+          </a:blip>
+          <a:stretch>
+            <a:fillRect/>
+          </a:stretch>
+        </p:blipFill>
+        <p:spPr>
+          <a:xfrm>
+            <a:off x="4486097" y="1058863"/>
+            <a:ext cx="7705903" cy="5118100"/>
+          </a:xfrm>
+          <a:prstGeom prst="rect">
+            <a:avLst/>
+          </a:prstGeom>
+        </p:spPr>
+      </p:pic>
+      <p:sp>
+        <p:nvSpPr>
+          <p:cNvPr id="8" name="Rectangle 1">
+            <a:extLst>
+              <a:ext uri="{FF2B5EF4-FFF2-40B4-BE49-F238E27FC236}">
+                <a16:creationId xmlns:a16="http://schemas.microsoft.com/office/drawing/2014/main" id="{7D023108-3CF0-48E2-8398-2E0347541FDA}"/>
+              </a:ext>
+            </a:extLst>
+          </p:cNvPr>
+          <p:cNvSpPr>
+            <a:spLocks noGrp="1" noChangeArrowheads="1"/>
+          </p:cNvSpPr>
+          <p:nvPr>
+            <p:ph type="title"/>
+          </p:nvPr>
+        </p:nvSpPr>
+        <p:spPr bwMode="auto">
+          <a:xfrm>
+            <a:off x="195943" y="127679"/>
+            <a:ext cx="8050602" cy="769441"/>
+          </a:xfrm>
+          <a:prstGeom prst="rect">
+            <a:avLst/>
+          </a:prstGeom>
+          <a:noFill/>
+          <a:ln>
+            <a:noFill/>
+          </a:ln>
+          <a:effectLst/>
+          <a:extLst>
+            <a:ext uri="{909E8E84-426E-40DD-AFC4-6F175D3DCCD1}">
+              <a14:hiddenFill xmlns:a14="http://schemas.microsoft.com/office/drawing/2010/main">
+                <a:solidFill>
+                  <a:schemeClr val="accent1"/>
+                </a:solidFill>
+              </a14:hiddenFill>
+            </a:ext>
+            <a:ext uri="{91240B29-F687-4F45-9708-019B960494DF}">
+              <a14:hiddenLine xmlns:a14="http://schemas.microsoft.com/office/drawing/2010/main" w="9525">
+                <a:solidFill>
+                  <a:schemeClr val="tx1"/>
+                </a:solidFill>
+                <a:miter lim="800000"/>
+                <a:headEnd/>
+                <a:tailEnd/>
+              </a14:hiddenLine>
+            </a:ext>
+            <a:ext uri="{AF507438-7753-43E0-B8FC-AC1667EBCBE1}">
+              <a14:hiddenEffects xmlns:a14="http://schemas.microsoft.com/office/drawing/2010/main">
+                <a:effectLst>
+                  <a:outerShdw dist="35921" dir="2700000" algn="ctr" rotWithShape="0">
+                    <a:schemeClr val="bg2"/>
+                  </a:outerShdw>
+                </a:effectLst>
+              </a14:hiddenEffects>
+            </a:ext>
+          </a:extLst>
+        </p:spPr>
+        <p:txBody>
+          <a:bodyPr vert="horz" wrap="none" lIns="91440" tIns="45720" rIns="91440" bIns="45720" numCol="1" anchor="ctr" anchorCtr="0" compatLnSpc="1">
+            <a:prstTxWarp prst="textNoShape">
+              <a:avLst/>
+            </a:prstTxWarp>
+            <a:spAutoFit/>
+          </a:bodyPr>
+          <a:lstStyle/>
+          <a:p>
+            <a:pPr marL="0" marR="0" lvl="0" indent="0" algn="l" defTabSz="914400" rtl="0" eaLnBrk="0" fontAlgn="base" latinLnBrk="0" hangingPunct="0">
+              <a:lnSpc>
+                <a:spcPct val="100000"/>
+              </a:lnSpc>
+              <a:spcBef>
+                <a:spcPct val="0"/>
+              </a:spcBef>
+              <a:spcAft>
+                <a:spcPct val="0"/>
+              </a:spcAft>
+              <a:buClrTx/>
+              <a:buSzTx/>
+              <a:buFontTx/>
+              <a:buNone/>
+              <a:tabLst/>
+            </a:pPr>
+            <a:r>
+              <a:rPr kumimoji="0" lang="en-US" altLang="zh-TW" sz="4400" b="0" i="0" u="none" strike="noStrike" cap="none" normalizeH="0" baseline="0" dirty="0">
+                <a:ln>
+                  <a:noFill/>
+                </a:ln>
+                <a:solidFill>
+                  <a:schemeClr val="tx1"/>
+                </a:solidFill>
+                <a:effectLst/>
+                <a:latin typeface="微軟正黑體" panose="020B0604030504040204" pitchFamily="34" charset="-120"/>
+                <a:ea typeface="微軟正黑體" panose="020B0604030504040204" pitchFamily="34" charset="-120"/>
+                <a:cs typeface="+mj-cs"/>
+              </a:rPr>
+              <a:t>Trend and Correlation(27~32)</a:t>
+            </a:r>
+            <a:r>
+              <a:rPr kumimoji="0" lang="en-US" altLang="zh-TW" sz="1100" b="0" i="0" u="none" strike="noStrike" cap="none" normalizeH="0" baseline="0" dirty="0">
+                <a:ln>
+                  <a:noFill/>
+                </a:ln>
+                <a:solidFill>
+                  <a:schemeClr val="tx1"/>
+                </a:solidFill>
+                <a:effectLst/>
+              </a:rPr>
+              <a:t> </a:t>
+            </a:r>
+            <a:endParaRPr kumimoji="0" lang="en-US" altLang="zh-TW" sz="1800" b="0" i="0" u="none" strike="noStrike" cap="none" normalizeH="0" baseline="0" dirty="0">
+              <a:ln>
+                <a:noFill/>
+              </a:ln>
+              <a:solidFill>
+                <a:schemeClr val="tx1"/>
+              </a:solidFill>
+              <a:effectLst/>
+              <a:latin typeface="Arial" panose="020B0604020202020204" pitchFamily="34" charset="0"/>
+            </a:endParaRPr>
+          </a:p>
+        </p:txBody>
+      </p:sp>
+      <p:sp>
+        <p:nvSpPr>
+          <p:cNvPr id="9" name="矩形 8">
+            <a:extLst>
+              <a:ext uri="{FF2B5EF4-FFF2-40B4-BE49-F238E27FC236}">
+                <a16:creationId xmlns:a16="http://schemas.microsoft.com/office/drawing/2014/main" id="{63941D82-1970-4D87-A503-7B65E471C9DA}"/>
+              </a:ext>
+            </a:extLst>
+          </p:cNvPr>
+          <p:cNvSpPr/>
+          <p:nvPr/>
+        </p:nvSpPr>
+        <p:spPr>
+          <a:xfrm>
+            <a:off x="4811151" y="1915216"/>
+            <a:ext cx="7380849" cy="1700182"/>
+          </a:xfrm>
+          <a:prstGeom prst="rect">
+            <a:avLst/>
+          </a:prstGeom>
+          <a:noFill/>
+          <a:ln w="76200">
+            <a:solidFill>
+              <a:srgbClr val="FF0000"/>
+            </a:solidFill>
+            <a:prstDash val="solid"/>
+          </a:ln>
+        </p:spPr>
+        <p:style>
+          <a:lnRef idx="2">
+            <a:schemeClr val="accent1">
+              <a:shade val="50000"/>
+            </a:schemeClr>
+          </a:lnRef>
+          <a:fillRef idx="1">
+            <a:schemeClr val="accent1"/>
+          </a:fillRef>
+          <a:effectRef idx="0">
+            <a:schemeClr val="accent1"/>
+          </a:effectRef>
+          <a:fontRef idx="minor">
+            <a:schemeClr val="lt1"/>
+          </a:fontRef>
+        </p:style>
+        <p:txBody>
+          <a:bodyPr rtlCol="0" anchor="ctr"/>
+          <a:lstStyle/>
+          <a:p>
+            <a:pPr algn="ctr"/>
+            <a:endParaRPr lang="zh-TW" altLang="en-US"/>
+          </a:p>
+        </p:txBody>
+      </p:sp>
+    </p:spTree>
+    <p:extLst>
+      <p:ext uri="{BB962C8B-B14F-4D97-AF65-F5344CB8AC3E}">
+        <p14:creationId xmlns:p14="http://schemas.microsoft.com/office/powerpoint/2010/main" val="2239616104"/>
+      </p:ext>
+    </p:extLst>
+  </p:cSld>
+  <p:clrMapOvr>
+    <a:masterClrMapping/>
+  </p:clrMapOvr>
+</p:sld>
+</file>
+
+<file path=ppt/slides/slide9.xml><?xml version="1.0" encoding="utf-8"?>
+<p:sld xmlns:a="http://schemas.openxmlformats.org/drawingml/2006/main" xmlns:r="http://schemas.openxmlformats.org/officeDocument/2006/relationships" xmlns:p="http://schemas.openxmlformats.org/presentationml/2006/main">
+  <p:cSld>
+    <p:spTree>
+      <p:nvGrpSpPr>
+        <p:cNvPr id="1" name=""/>
+        <p:cNvGrpSpPr/>
+        <p:nvPr/>
+      </p:nvGrpSpPr>
+      <p:grpSpPr>
+        <a:xfrm>
+          <a:off x="0" y="0"/>
+          <a:ext cx="0" cy="0"/>
+          <a:chOff x="0" y="0"/>
+          <a:chExt cx="0" cy="0"/>
+        </a:xfrm>
+      </p:grpSpPr>
+      <p:pic>
+        <p:nvPicPr>
+          <p:cNvPr id="7" name="圖片 6">
+            <a:extLst>
+              <a:ext uri="{FF2B5EF4-FFF2-40B4-BE49-F238E27FC236}">
+                <a16:creationId xmlns:a16="http://schemas.microsoft.com/office/drawing/2014/main" id="{EBCA5DED-A6DA-4125-A4E3-152B1AA04322}"/>
+              </a:ext>
+            </a:extLst>
+          </p:cNvPr>
+          <p:cNvPicPr>
+            <a:picLocks noChangeAspect="1"/>
+          </p:cNvPicPr>
+          <p:nvPr/>
+        </p:nvPicPr>
+        <p:blipFill>
+          <a:blip r:embed="rId2">
+            <a:extLst>
+              <a:ext uri="{28A0092B-C50C-407E-A947-70E740481C1C}">
+                <a14:useLocalDpi xmlns:a14="http://schemas.microsoft.com/office/drawing/2010/main" val="0"/>
+              </a:ext>
+            </a:extLst>
+          </a:blip>
+          <a:stretch>
+            <a:fillRect/>
+          </a:stretch>
+        </p:blipFill>
+        <p:spPr>
+          <a:xfrm>
+            <a:off x="3772724" y="888274"/>
+            <a:ext cx="8419276" cy="5591908"/>
+          </a:xfrm>
+          <a:prstGeom prst="rect">
+            <a:avLst/>
+          </a:prstGeom>
+        </p:spPr>
+      </p:pic>
+      <p:sp>
+        <p:nvSpPr>
+          <p:cNvPr id="2" name="標題 1">
+            <a:extLst>
+              <a:ext uri="{FF2B5EF4-FFF2-40B4-BE49-F238E27FC236}">
+                <a16:creationId xmlns:a16="http://schemas.microsoft.com/office/drawing/2014/main" id="{E72D3611-B3E6-4439-BDAD-EFDE6B9E3031}"/>
+              </a:ext>
+            </a:extLst>
+          </p:cNvPr>
+          <p:cNvSpPr>
+            <a:spLocks noGrp="1"/>
+          </p:cNvSpPr>
+          <p:nvPr>
+            <p:ph type="title"/>
+          </p:nvPr>
+        </p:nvSpPr>
+        <p:spPr/>
+        <p:txBody>
+          <a:bodyPr/>
+          <a:lstStyle/>
+          <a:p>
+            <a:r>
+              <a:rPr lang="en-US" altLang="zh-TW" dirty="0"/>
+              <a:t>Trend and Correlation(33~37)</a:t>
+            </a:r>
+            <a:endParaRPr lang="zh-TW" altLang="en-US" dirty="0"/>
+          </a:p>
+        </p:txBody>
+      </p:sp>
+      <p:pic>
+        <p:nvPicPr>
+          <p:cNvPr id="5" name="內容版面配置區 4">
+            <a:extLst>
+              <a:ext uri="{FF2B5EF4-FFF2-40B4-BE49-F238E27FC236}">
+                <a16:creationId xmlns:a16="http://schemas.microsoft.com/office/drawing/2014/main" id="{60B179C5-78A6-427A-BCEF-523B6C1367E8}"/>
+              </a:ext>
+            </a:extLst>
+          </p:cNvPr>
+          <p:cNvPicPr>
+            <a:picLocks noGrp="1" noChangeAspect="1"/>
+          </p:cNvPicPr>
+          <p:nvPr>
+            <p:ph idx="1"/>
+          </p:nvPr>
+        </p:nvPicPr>
+        <p:blipFill>
+          <a:blip r:embed="rId3">
+            <a:extLst>
+              <a:ext uri="{28A0092B-C50C-407E-A947-70E740481C1C}">
+                <a14:useLocalDpi xmlns:a14="http://schemas.microsoft.com/office/drawing/2010/main" val="0"/>
+              </a:ext>
+            </a:extLst>
+          </a:blip>
+          <a:stretch>
+            <a:fillRect/>
+          </a:stretch>
+        </p:blipFill>
+        <p:spPr>
+          <a:xfrm>
+            <a:off x="0" y="1121661"/>
+            <a:ext cx="4485109" cy="4547619"/>
+          </a:xfrm>
+        </p:spPr>
+      </p:pic>
+      <p:sp>
+        <p:nvSpPr>
+          <p:cNvPr id="8" name="矩形 7">
+            <a:extLst>
+              <a:ext uri="{FF2B5EF4-FFF2-40B4-BE49-F238E27FC236}">
+                <a16:creationId xmlns:a16="http://schemas.microsoft.com/office/drawing/2014/main" id="{7F26CC5C-8C91-4DFE-91F9-FC8112777E31}"/>
+              </a:ext>
+            </a:extLst>
+          </p:cNvPr>
+          <p:cNvSpPr/>
+          <p:nvPr/>
+        </p:nvSpPr>
+        <p:spPr>
+          <a:xfrm>
+            <a:off x="4107767" y="888274"/>
+            <a:ext cx="8084233" cy="2164415"/>
+          </a:xfrm>
+          <a:prstGeom prst="rect">
+            <a:avLst/>
+          </a:prstGeom>
+          <a:noFill/>
+          <a:ln w="76200">
+            <a:solidFill>
+              <a:srgbClr val="FF0000"/>
+            </a:solidFill>
+            <a:prstDash val="solid"/>
+          </a:ln>
+        </p:spPr>
+        <p:style>
+          <a:lnRef idx="2">
+            <a:schemeClr val="accent1">
+              <a:shade val="50000"/>
+            </a:schemeClr>
+          </a:lnRef>
+          <a:fillRef idx="1">
+            <a:schemeClr val="accent1"/>
+          </a:fillRef>
+          <a:effectRef idx="0">
+            <a:schemeClr val="accent1"/>
+          </a:effectRef>
+          <a:fontRef idx="minor">
+            <a:schemeClr val="lt1"/>
+          </a:fontRef>
+        </p:style>
+        <p:txBody>
+          <a:bodyPr rtlCol="0" anchor="ctr"/>
+          <a:lstStyle/>
+          <a:p>
+            <a:pPr algn="ctr"/>
+            <a:endParaRPr lang="zh-TW" altLang="en-US"/>
+          </a:p>
+        </p:txBody>
+      </p:sp>
+    </p:spTree>
+    <p:extLst>
+      <p:ext uri="{BB962C8B-B14F-4D97-AF65-F5344CB8AC3E}">
+        <p14:creationId xmlns:p14="http://schemas.microsoft.com/office/powerpoint/2010/main" val="422878516"/>
       </p:ext>
     </p:extLst>
   </p:cSld>
@@ -5378,4 +8620,299 @@
     </a:ext>
   </a:extLst>
 </a:theme>
+</file>
+
+<file path=ppt/theme/theme2.xml><?xml version="1.0" encoding="utf-8"?>
+<a:theme xmlns:a="http://schemas.openxmlformats.org/drawingml/2006/main" name="Office 佈景主題">
+  <a:themeElements>
+    <a:clrScheme name="Office">
+      <a:dk1>
+        <a:sysClr val="windowText" lastClr="000000"/>
+      </a:dk1>
+      <a:lt1>
+        <a:sysClr val="window" lastClr="FFFFFF"/>
+      </a:lt1>
+      <a:dk2>
+        <a:srgbClr val="44546A"/>
+      </a:dk2>
+      <a:lt2>
+        <a:srgbClr val="E7E6E6"/>
+      </a:lt2>
+      <a:accent1>
+        <a:srgbClr val="4472C4"/>
+      </a:accent1>
+      <a:accent2>
+        <a:srgbClr val="ED7D31"/>
+      </a:accent2>
+      <a:accent3>
+        <a:srgbClr val="A5A5A5"/>
+      </a:accent3>
+      <a:accent4>
+        <a:srgbClr val="FFC000"/>
+      </a:accent4>
+      <a:accent5>
+        <a:srgbClr val="5B9BD5"/>
+      </a:accent5>
+      <a:accent6>
+        <a:srgbClr val="70AD47"/>
+      </a:accent6>
+      <a:hlink>
+        <a:srgbClr val="0563C1"/>
+      </a:hlink>
+      <a:folHlink>
+        <a:srgbClr val="954F72"/>
+      </a:folHlink>
+    </a:clrScheme>
+    <a:fontScheme name="Office">
+      <a:majorFont>
+        <a:latin typeface="Calibri Light" panose="020F0302020204030204"/>
+        <a:ea typeface=""/>
+        <a:cs typeface=""/>
+        <a:font script="Jpan" typeface="游ゴシック Light"/>
+        <a:font script="Hang" typeface="맑은 고딕"/>
+        <a:font script="Hans" typeface="等线 Light"/>
+        <a:font script="Hant" typeface="新細明體"/>
+        <a:font script="Arab" typeface="Times New Roman"/>
+        <a:font script="Hebr" typeface="Times New Roman"/>
+        <a:font script="Thai" typeface="Angsana New"/>
+        <a:font script="Ethi" typeface="Nyala"/>
+        <a:font script="Beng" typeface="Vrinda"/>
+        <a:font script="Gujr" typeface="Shruti"/>
+        <a:font script="Khmr" typeface="MoolBoran"/>
+        <a:font script="Knda" typeface="Tunga"/>
+        <a:font script="Guru" typeface="Raavi"/>
+        <a:font script="Cans" typeface="Euphemia"/>
+        <a:font script="Cher" typeface="Plantagenet Cherokee"/>
+        <a:font script="Yiii" typeface="Microsoft Yi Baiti"/>
+        <a:font script="Tibt" typeface="Microsoft Himalaya"/>
+        <a:font script="Thaa" typeface="MV Boli"/>
+        <a:font script="Deva" typeface="Mangal"/>
+        <a:font script="Telu" typeface="Gautami"/>
+        <a:font script="Taml" typeface="Latha"/>
+        <a:font script="Syrc" typeface="Estrangelo Edessa"/>
+        <a:font script="Orya" typeface="Kalinga"/>
+        <a:font script="Mlym" typeface="Kartika"/>
+        <a:font script="Laoo" typeface="DokChampa"/>
+        <a:font script="Sinh" typeface="Iskoola Pota"/>
+        <a:font script="Mong" typeface="Mongolian Baiti"/>
+        <a:font script="Viet" typeface="Times New Roman"/>
+        <a:font script="Uigh" typeface="Microsoft Uighur"/>
+        <a:font script="Geor" typeface="Sylfaen"/>
+        <a:font script="Armn" typeface="Arial"/>
+        <a:font script="Bugi" typeface="Leelawadee UI"/>
+        <a:font script="Bopo" typeface="Microsoft JhengHei"/>
+        <a:font script="Java" typeface="Javanese Text"/>
+        <a:font script="Lisu" typeface="Segoe UI"/>
+        <a:font script="Mymr" typeface="Myanmar Text"/>
+        <a:font script="Nkoo" typeface="Ebrima"/>
+        <a:font script="Olck" typeface="Nirmala UI"/>
+        <a:font script="Osma" typeface="Ebrima"/>
+        <a:font script="Phag" typeface="Phagspa"/>
+        <a:font script="Syrn" typeface="Estrangelo Edessa"/>
+        <a:font script="Syrj" typeface="Estrangelo Edessa"/>
+        <a:font script="Syre" typeface="Estrangelo Edessa"/>
+        <a:font script="Sora" typeface="Nirmala UI"/>
+        <a:font script="Tale" typeface="Microsoft Tai Le"/>
+        <a:font script="Talu" typeface="Microsoft New Tai Lue"/>
+        <a:font script="Tfng" typeface="Ebrima"/>
+      </a:majorFont>
+      <a:minorFont>
+        <a:latin typeface="Calibri" panose="020F0502020204030204"/>
+        <a:ea typeface=""/>
+        <a:cs typeface=""/>
+        <a:font script="Jpan" typeface="游ゴシック"/>
+        <a:font script="Hang" typeface="맑은 고딕"/>
+        <a:font script="Hans" typeface="等线"/>
+        <a:font script="Hant" typeface="新細明體"/>
+        <a:font script="Arab" typeface="Arial"/>
+        <a:font script="Hebr" typeface="Arial"/>
+        <a:font script="Thai" typeface="Cordia New"/>
+        <a:font script="Ethi" typeface="Nyala"/>
+        <a:font script="Beng" typeface="Vrinda"/>
+        <a:font script="Gujr" typeface="Shruti"/>
+        <a:font script="Khmr" typeface="DaunPenh"/>
+        <a:font script="Knda" typeface="Tunga"/>
+        <a:font script="Guru" typeface="Raavi"/>
+        <a:font script="Cans" typeface="Euphemia"/>
+        <a:font script="Cher" typeface="Plantagenet Cherokee"/>
+        <a:font script="Yiii" typeface="Microsoft Yi Baiti"/>
+        <a:font script="Tibt" typeface="Microsoft Himalaya"/>
+        <a:font script="Thaa" typeface="MV Boli"/>
+        <a:font script="Deva" typeface="Mangal"/>
+        <a:font script="Telu" typeface="Gautami"/>
+        <a:font script="Taml" typeface="Latha"/>
+        <a:font script="Syrc" typeface="Estrangelo Edessa"/>
+        <a:font script="Orya" typeface="Kalinga"/>
+        <a:font script="Mlym" typeface="Kartika"/>
+        <a:font script="Laoo" typeface="DokChampa"/>
+        <a:font script="Sinh" typeface="Iskoola Pota"/>
+        <a:font script="Mong" typeface="Mongolian Baiti"/>
+        <a:font script="Viet" typeface="Arial"/>
+        <a:font script="Uigh" typeface="Microsoft Uighur"/>
+        <a:font script="Geor" typeface="Sylfaen"/>
+        <a:font script="Armn" typeface="Arial"/>
+        <a:font script="Bugi" typeface="Leelawadee UI"/>
+        <a:font script="Bopo" typeface="Microsoft JhengHei"/>
+        <a:font script="Java" typeface="Javanese Text"/>
+        <a:font script="Lisu" typeface="Segoe UI"/>
+        <a:font script="Mymr" typeface="Myanmar Text"/>
+        <a:font script="Nkoo" typeface="Ebrima"/>
+        <a:font script="Olck" typeface="Nirmala UI"/>
+        <a:font script="Osma" typeface="Ebrima"/>
+        <a:font script="Phag" typeface="Phagspa"/>
+        <a:font script="Syrn" typeface="Estrangelo Edessa"/>
+        <a:font script="Syrj" typeface="Estrangelo Edessa"/>
+        <a:font script="Syre" typeface="Estrangelo Edessa"/>
+        <a:font script="Sora" typeface="Nirmala UI"/>
+        <a:font script="Tale" typeface="Microsoft Tai Le"/>
+        <a:font script="Talu" typeface="Microsoft New Tai Lue"/>
+        <a:font script="Tfng" typeface="Ebrima"/>
+      </a:minorFont>
+    </a:fontScheme>
+    <a:fmtScheme name="Office">
+      <a:fillStyleLst>
+        <a:solidFill>
+          <a:schemeClr val="phClr"/>
+        </a:solidFill>
+        <a:gradFill rotWithShape="1">
+          <a:gsLst>
+            <a:gs pos="0">
+              <a:schemeClr val="phClr">
+                <a:lumMod val="110000"/>
+                <a:satMod val="105000"/>
+                <a:tint val="67000"/>
+              </a:schemeClr>
+            </a:gs>
+            <a:gs pos="50000">
+              <a:schemeClr val="phClr">
+                <a:lumMod val="105000"/>
+                <a:satMod val="103000"/>
+                <a:tint val="73000"/>
+              </a:schemeClr>
+            </a:gs>
+            <a:gs pos="100000">
+              <a:schemeClr val="phClr">
+                <a:lumMod val="105000"/>
+                <a:satMod val="109000"/>
+                <a:tint val="81000"/>
+              </a:schemeClr>
+            </a:gs>
+          </a:gsLst>
+          <a:lin ang="5400000" scaled="0"/>
+        </a:gradFill>
+        <a:gradFill rotWithShape="1">
+          <a:gsLst>
+            <a:gs pos="0">
+              <a:schemeClr val="phClr">
+                <a:satMod val="103000"/>
+                <a:lumMod val="102000"/>
+                <a:tint val="94000"/>
+              </a:schemeClr>
+            </a:gs>
+            <a:gs pos="50000">
+              <a:schemeClr val="phClr">
+                <a:satMod val="110000"/>
+                <a:lumMod val="100000"/>
+                <a:shade val="100000"/>
+              </a:schemeClr>
+            </a:gs>
+            <a:gs pos="100000">
+              <a:schemeClr val="phClr">
+                <a:lumMod val="99000"/>
+                <a:satMod val="120000"/>
+                <a:shade val="78000"/>
+              </a:schemeClr>
+            </a:gs>
+          </a:gsLst>
+          <a:lin ang="5400000" scaled="0"/>
+        </a:gradFill>
+      </a:fillStyleLst>
+      <a:lnStyleLst>
+        <a:ln w="6350" cap="flat" cmpd="sng" algn="ctr">
+          <a:solidFill>
+            <a:schemeClr val="phClr"/>
+          </a:solidFill>
+          <a:prstDash val="solid"/>
+          <a:miter lim="800000"/>
+        </a:ln>
+        <a:ln w="12700" cap="flat" cmpd="sng" algn="ctr">
+          <a:solidFill>
+            <a:schemeClr val="phClr"/>
+          </a:solidFill>
+          <a:prstDash val="solid"/>
+          <a:miter lim="800000"/>
+        </a:ln>
+        <a:ln w="19050" cap="flat" cmpd="sng" algn="ctr">
+          <a:solidFill>
+            <a:schemeClr val="phClr"/>
+          </a:solidFill>
+          <a:prstDash val="solid"/>
+          <a:miter lim="800000"/>
+        </a:ln>
+      </a:lnStyleLst>
+      <a:effectStyleLst>
+        <a:effectStyle>
+          <a:effectLst/>
+        </a:effectStyle>
+        <a:effectStyle>
+          <a:effectLst/>
+        </a:effectStyle>
+        <a:effectStyle>
+          <a:effectLst>
+            <a:outerShdw blurRad="57150" dist="19050" dir="5400000" algn="ctr" rotWithShape="0">
+              <a:srgbClr val="000000">
+                <a:alpha val="63000"/>
+              </a:srgbClr>
+            </a:outerShdw>
+          </a:effectLst>
+        </a:effectStyle>
+      </a:effectStyleLst>
+      <a:bgFillStyleLst>
+        <a:solidFill>
+          <a:schemeClr val="phClr"/>
+        </a:solidFill>
+        <a:solidFill>
+          <a:schemeClr val="phClr">
+            <a:tint val="95000"/>
+            <a:satMod val="170000"/>
+          </a:schemeClr>
+        </a:solidFill>
+        <a:gradFill rotWithShape="1">
+          <a:gsLst>
+            <a:gs pos="0">
+              <a:schemeClr val="phClr">
+                <a:tint val="93000"/>
+                <a:satMod val="150000"/>
+                <a:shade val="98000"/>
+                <a:lumMod val="102000"/>
+              </a:schemeClr>
+            </a:gs>
+            <a:gs pos="50000">
+              <a:schemeClr val="phClr">
+                <a:tint val="98000"/>
+                <a:satMod val="130000"/>
+                <a:shade val="90000"/>
+                <a:lumMod val="103000"/>
+              </a:schemeClr>
+            </a:gs>
+            <a:gs pos="100000">
+              <a:schemeClr val="phClr">
+                <a:shade val="63000"/>
+                <a:satMod val="120000"/>
+              </a:schemeClr>
+            </a:gs>
+          </a:gsLst>
+          <a:lin ang="5400000" scaled="0"/>
+        </a:gradFill>
+      </a:bgFillStyleLst>
+    </a:fmtScheme>
+  </a:themeElements>
+  <a:objectDefaults/>
+  <a:extraClrSchemeLst/>
+  <a:extLst>
+    <a:ext uri="{05A4C25C-085E-4340-85A3-A5531E510DB2}">
+      <thm15:themeFamily xmlns:thm15="http://schemas.microsoft.com/office/thememl/2012/main" name="Office Theme" id="{62F939B6-93AF-4DB8-9C6B-D6C7DFDC589F}" vid="{4A3C46E8-61CC-4603-A589-7422A47A8E4A}"/>
+    </a:ext>
+  </a:extLst>
+</a:theme>
 </file>